--- a/FW/Phuc/WEEK1_wifi kit 32 broad/SLITE WIFI KIT 32.pptx
+++ b/FW/Phuc/WEEK1_wifi kit 32 broad/SLITE WIFI KIT 32.pptx
@@ -6,18 +6,20 @@
   </p:sldMasterIdLst>
   <p:sldIdLst>
     <p:sldId id="256" r:id="rId2"/>
-    <p:sldId id="257" r:id="rId3"/>
-    <p:sldId id="258" r:id="rId4"/>
-    <p:sldId id="259" r:id="rId5"/>
-    <p:sldId id="260" r:id="rId6"/>
-    <p:sldId id="261" r:id="rId7"/>
-    <p:sldId id="262" r:id="rId8"/>
-    <p:sldId id="263" r:id="rId9"/>
-    <p:sldId id="264" r:id="rId10"/>
-    <p:sldId id="267" r:id="rId11"/>
-    <p:sldId id="265" r:id="rId12"/>
-    <p:sldId id="268" r:id="rId13"/>
-    <p:sldId id="269" r:id="rId14"/>
+    <p:sldId id="262" r:id="rId3"/>
+    <p:sldId id="263" r:id="rId4"/>
+    <p:sldId id="264" r:id="rId5"/>
+    <p:sldId id="259" r:id="rId6"/>
+    <p:sldId id="260" r:id="rId7"/>
+    <p:sldId id="265" r:id="rId8"/>
+    <p:sldId id="266" r:id="rId9"/>
+    <p:sldId id="271" r:id="rId10"/>
+    <p:sldId id="272" r:id="rId11"/>
+    <p:sldId id="267" r:id="rId12"/>
+    <p:sldId id="273" r:id="rId13"/>
+    <p:sldId id="268" r:id="rId14"/>
+    <p:sldId id="269" r:id="rId15"/>
+    <p:sldId id="261" r:id="rId16"/>
   </p:sldIdLst>
   <p:sldSz cx="12192000" cy="6858000"/>
   <p:notesSz cx="6858000" cy="9144000"/>
@@ -166,10 +168,9 @@
           </a:lstStyle>
           <a:p>
             <a:r>
-              <a:rPr lang="en-US" smtClean="0"/>
+              <a:rPr lang="en-US"/>
               <a:t>Click to edit Master title style</a:t>
             </a:r>
-            <a:endParaRPr lang="en-US"/>
           </a:p>
         </p:txBody>
       </p:sp>
@@ -231,10 +232,9 @@
           </a:lstStyle>
           <a:p>
             <a:r>
-              <a:rPr lang="en-US" smtClean="0"/>
+              <a:rPr lang="en-US"/>
               <a:t>Click to edit Master subtitle style</a:t>
             </a:r>
-            <a:endParaRPr lang="en-US"/>
           </a:p>
         </p:txBody>
       </p:sp>
@@ -255,7 +255,7 @@
           <a:p>
             <a:fld id="{197F37DA-8307-451D-821E-16753DF74EA8}" type="datetimeFigureOut">
               <a:rPr lang="en-US" smtClean="0"/>
-              <a:t>7/16/2020</a:t>
+              <a:t>8/23/2020</a:t>
             </a:fld>
             <a:endParaRPr lang="en-US"/>
           </a:p>
@@ -349,10 +349,9 @@
           <a:lstStyle/>
           <a:p>
             <a:r>
-              <a:rPr lang="en-US" smtClean="0"/>
+              <a:rPr lang="en-US"/>
               <a:t>Click to edit Master title style</a:t>
             </a:r>
-            <a:endParaRPr lang="en-US"/>
           </a:p>
         </p:txBody>
       </p:sp>
@@ -373,38 +372,37 @@
           <a:p>
             <a:pPr lvl="0"/>
             <a:r>
-              <a:rPr lang="en-US" smtClean="0"/>
+              <a:rPr lang="en-US"/>
               <a:t>Edit Master text styles</a:t>
             </a:r>
           </a:p>
           <a:p>
             <a:pPr lvl="1"/>
             <a:r>
-              <a:rPr lang="en-US" smtClean="0"/>
+              <a:rPr lang="en-US"/>
               <a:t>Second level</a:t>
             </a:r>
           </a:p>
           <a:p>
             <a:pPr lvl="2"/>
             <a:r>
-              <a:rPr lang="en-US" smtClean="0"/>
+              <a:rPr lang="en-US"/>
               <a:t>Third level</a:t>
             </a:r>
           </a:p>
           <a:p>
             <a:pPr lvl="3"/>
             <a:r>
-              <a:rPr lang="en-US" smtClean="0"/>
+              <a:rPr lang="en-US"/>
               <a:t>Fourth level</a:t>
             </a:r>
           </a:p>
           <a:p>
             <a:pPr lvl="4"/>
             <a:r>
-              <a:rPr lang="en-US" smtClean="0"/>
+              <a:rPr lang="en-US"/>
               <a:t>Fifth level</a:t>
             </a:r>
-            <a:endParaRPr lang="en-US"/>
           </a:p>
         </p:txBody>
       </p:sp>
@@ -425,7 +423,7 @@
           <a:p>
             <a:fld id="{197F37DA-8307-451D-821E-16753DF74EA8}" type="datetimeFigureOut">
               <a:rPr lang="en-US" smtClean="0"/>
-              <a:t>7/16/2020</a:t>
+              <a:t>8/23/2020</a:t>
             </a:fld>
             <a:endParaRPr lang="en-US"/>
           </a:p>
@@ -524,10 +522,9 @@
           <a:lstStyle/>
           <a:p>
             <a:r>
-              <a:rPr lang="en-US" smtClean="0"/>
+              <a:rPr lang="en-US"/>
               <a:t>Click to edit Master title style</a:t>
             </a:r>
-            <a:endParaRPr lang="en-US"/>
           </a:p>
         </p:txBody>
       </p:sp>
@@ -553,38 +550,37 @@
           <a:p>
             <a:pPr lvl="0"/>
             <a:r>
-              <a:rPr lang="en-US" smtClean="0"/>
+              <a:rPr lang="en-US"/>
               <a:t>Edit Master text styles</a:t>
             </a:r>
           </a:p>
           <a:p>
             <a:pPr lvl="1"/>
             <a:r>
-              <a:rPr lang="en-US" smtClean="0"/>
+              <a:rPr lang="en-US"/>
               <a:t>Second level</a:t>
             </a:r>
           </a:p>
           <a:p>
             <a:pPr lvl="2"/>
             <a:r>
-              <a:rPr lang="en-US" smtClean="0"/>
+              <a:rPr lang="en-US"/>
               <a:t>Third level</a:t>
             </a:r>
           </a:p>
           <a:p>
             <a:pPr lvl="3"/>
             <a:r>
-              <a:rPr lang="en-US" smtClean="0"/>
+              <a:rPr lang="en-US"/>
               <a:t>Fourth level</a:t>
             </a:r>
           </a:p>
           <a:p>
             <a:pPr lvl="4"/>
             <a:r>
-              <a:rPr lang="en-US" smtClean="0"/>
+              <a:rPr lang="en-US"/>
               <a:t>Fifth level</a:t>
             </a:r>
-            <a:endParaRPr lang="en-US"/>
           </a:p>
         </p:txBody>
       </p:sp>
@@ -605,7 +601,7 @@
           <a:p>
             <a:fld id="{197F37DA-8307-451D-821E-16753DF74EA8}" type="datetimeFigureOut">
               <a:rPr lang="en-US" smtClean="0"/>
-              <a:t>7/16/2020</a:t>
+              <a:t>8/23/2020</a:t>
             </a:fld>
             <a:endParaRPr lang="en-US"/>
           </a:p>
@@ -657,6 +653,1088 @@
     <p:extLst>
       <p:ext uri="{BB962C8B-B14F-4D97-AF65-F5344CB8AC3E}">
         <p14:creationId xmlns:p14="http://schemas.microsoft.com/office/powerpoint/2010/main" val="3080566378"/>
+      </p:ext>
+    </p:extLst>
+  </p:cSld>
+  <p:clrMapOvr>
+    <a:masterClrMapping/>
+  </p:clrMapOvr>
+</p:sldLayout>
+</file>
+
+<file path=ppt/slideLayouts/slideLayout12.xml><?xml version="1.0" encoding="utf-8"?>
+<p:sldLayout xmlns:a="http://schemas.openxmlformats.org/drawingml/2006/main" xmlns:r="http://schemas.openxmlformats.org/officeDocument/2006/relationships" xmlns:p="http://schemas.openxmlformats.org/presentationml/2006/main" userDrawn="1">
+  <p:cSld name="5_Custom Layout">
+    <p:bg>
+      <p:bgPr>
+        <a:blipFill dpi="0" rotWithShape="1">
+          <a:blip r:embed="rId2">
+            <a:lum/>
+          </a:blip>
+          <a:srcRect/>
+          <a:stretch>
+            <a:fillRect/>
+          </a:stretch>
+        </a:blipFill>
+        <a:effectLst/>
+      </p:bgPr>
+    </p:bg>
+    <p:spTree>
+      <p:nvGrpSpPr>
+        <p:cNvPr id="1" name=""/>
+        <p:cNvGrpSpPr/>
+        <p:nvPr/>
+      </p:nvGrpSpPr>
+      <p:grpSpPr>
+        <a:xfrm>
+          <a:off x="0" y="0"/>
+          <a:ext cx="0" cy="0"/>
+          <a:chOff x="0" y="0"/>
+          <a:chExt cx="0" cy="0"/>
+        </a:xfrm>
+      </p:grpSpPr>
+      <p:pic>
+        <p:nvPicPr>
+          <p:cNvPr id="6" name="Picture 5"/>
+          <p:cNvPicPr>
+            <a:picLocks noChangeAspect="1"/>
+          </p:cNvPicPr>
+          <p:nvPr userDrawn="1"/>
+        </p:nvPicPr>
+        <p:blipFill>
+          <a:blip r:embed="rId3">
+            <a:extLst>
+              <a:ext uri="{28A0092B-C50C-407E-A947-70E740481C1C}">
+                <a14:useLocalDpi xmlns:a14="http://schemas.microsoft.com/office/drawing/2010/main" val="0"/>
+              </a:ext>
+            </a:extLst>
+          </a:blip>
+          <a:stretch>
+            <a:fillRect/>
+          </a:stretch>
+        </p:blipFill>
+        <p:spPr>
+          <a:xfrm>
+            <a:off x="4365943" y="2287162"/>
+            <a:ext cx="3460115" cy="2283676"/>
+          </a:xfrm>
+          <a:prstGeom prst="rect">
+            <a:avLst/>
+          </a:prstGeom>
+        </p:spPr>
+      </p:pic>
+    </p:spTree>
+    <p:extLst>
+      <p:ext uri="{BB962C8B-B14F-4D97-AF65-F5344CB8AC3E}">
+        <p14:creationId xmlns:p14="http://schemas.microsoft.com/office/powerpoint/2010/main" val="1283694503"/>
+      </p:ext>
+    </p:extLst>
+  </p:cSld>
+  <p:clrMapOvr>
+    <a:masterClrMapping/>
+  </p:clrMapOvr>
+</p:sldLayout>
+</file>
+
+<file path=ppt/slideLayouts/slideLayout13.xml><?xml version="1.0" encoding="utf-8"?>
+<p:sldLayout xmlns:a="http://schemas.openxmlformats.org/drawingml/2006/main" xmlns:r="http://schemas.openxmlformats.org/officeDocument/2006/relationships" xmlns:p="http://schemas.openxmlformats.org/presentationml/2006/main" userDrawn="1">
+  <p:cSld name="6_Custom Layout">
+    <p:spTree>
+      <p:nvGrpSpPr>
+        <p:cNvPr id="1" name=""/>
+        <p:cNvGrpSpPr/>
+        <p:nvPr/>
+      </p:nvGrpSpPr>
+      <p:grpSpPr>
+        <a:xfrm>
+          <a:off x="0" y="0"/>
+          <a:ext cx="0" cy="0"/>
+          <a:chOff x="0" y="0"/>
+          <a:chExt cx="0" cy="0"/>
+        </a:xfrm>
+      </p:grpSpPr>
+      <p:sp>
+        <p:nvSpPr>
+          <p:cNvPr id="6" name="Title 1"/>
+          <p:cNvSpPr>
+            <a:spLocks noGrp="1"/>
+          </p:cNvSpPr>
+          <p:nvPr>
+            <p:ph type="title" hasCustomPrompt="1"/>
+          </p:nvPr>
+        </p:nvSpPr>
+        <p:spPr>
+          <a:xfrm>
+            <a:off x="1971675" y="600429"/>
+            <a:ext cx="9382124" cy="533046"/>
+          </a:xfrm>
+        </p:spPr>
+        <p:txBody>
+          <a:bodyPr>
+            <a:noAutofit/>
+          </a:bodyPr>
+          <a:lstStyle>
+            <a:lvl1pPr algn="l">
+              <a:defRPr sz="4000" baseline="0"/>
+            </a:lvl1pPr>
+          </a:lstStyle>
+          <a:p>
+            <a:r>
+              <a:rPr lang="en-US" dirty="0"/>
+              <a:t>Title here</a:t>
+            </a:r>
+          </a:p>
+        </p:txBody>
+      </p:sp>
+      <p:sp>
+        <p:nvSpPr>
+          <p:cNvPr id="7" name="Subtitle 2"/>
+          <p:cNvSpPr>
+            <a:spLocks noGrp="1"/>
+          </p:cNvSpPr>
+          <p:nvPr>
+            <p:ph type="subTitle" idx="1" hasCustomPrompt="1"/>
+          </p:nvPr>
+        </p:nvSpPr>
+        <p:spPr>
+          <a:xfrm>
+            <a:off x="1971675" y="1133475"/>
+            <a:ext cx="3267075" cy="333375"/>
+          </a:xfrm>
+        </p:spPr>
+        <p:txBody>
+          <a:bodyPr>
+            <a:normAutofit/>
+          </a:bodyPr>
+          <a:lstStyle>
+            <a:lvl1pPr marL="0" indent="0" algn="l">
+              <a:buNone/>
+              <a:defRPr sz="1800" baseline="0"/>
+            </a:lvl1pPr>
+            <a:lvl2pPr marL="457200" indent="0" algn="ctr">
+              <a:buNone/>
+              <a:defRPr sz="2000"/>
+            </a:lvl2pPr>
+            <a:lvl3pPr marL="914400" indent="0" algn="ctr">
+              <a:buNone/>
+              <a:defRPr sz="1800"/>
+            </a:lvl3pPr>
+            <a:lvl4pPr marL="1371600" indent="0" algn="ctr">
+              <a:buNone/>
+              <a:defRPr sz="1600"/>
+            </a:lvl4pPr>
+            <a:lvl5pPr marL="1828800" indent="0" algn="ctr">
+              <a:buNone/>
+              <a:defRPr sz="1600"/>
+            </a:lvl5pPr>
+            <a:lvl6pPr marL="2286000" indent="0" algn="ctr">
+              <a:buNone/>
+              <a:defRPr sz="1600"/>
+            </a:lvl6pPr>
+            <a:lvl7pPr marL="2743200" indent="0" algn="ctr">
+              <a:buNone/>
+              <a:defRPr sz="1600"/>
+            </a:lvl7pPr>
+            <a:lvl8pPr marL="3200400" indent="0" algn="ctr">
+              <a:buNone/>
+              <a:defRPr sz="1600"/>
+            </a:lvl8pPr>
+            <a:lvl9pPr marL="3657600" indent="0" algn="ctr">
+              <a:buNone/>
+              <a:defRPr sz="1600"/>
+            </a:lvl9pPr>
+          </a:lstStyle>
+          <a:p>
+            <a:r>
+              <a:rPr lang="en-US" dirty="0"/>
+              <a:t>Subtitle here</a:t>
+            </a:r>
+          </a:p>
+        </p:txBody>
+      </p:sp>
+      <p:sp>
+        <p:nvSpPr>
+          <p:cNvPr id="8" name="Rectangle 7"/>
+          <p:cNvSpPr/>
+          <p:nvPr userDrawn="1"/>
+        </p:nvSpPr>
+        <p:spPr>
+          <a:xfrm>
+            <a:off x="0" y="1"/>
+            <a:ext cx="1533525" cy="6858000"/>
+          </a:xfrm>
+          <a:prstGeom prst="rect">
+            <a:avLst/>
+          </a:prstGeom>
+          <a:blipFill>
+            <a:blip r:embed="rId2"/>
+            <a:stretch>
+              <a:fillRect/>
+            </a:stretch>
+          </a:blipFill>
+        </p:spPr>
+        <p:style>
+          <a:lnRef idx="2">
+            <a:schemeClr val="accent1">
+              <a:shade val="50000"/>
+            </a:schemeClr>
+          </a:lnRef>
+          <a:fillRef idx="1">
+            <a:schemeClr val="accent1"/>
+          </a:fillRef>
+          <a:effectRef idx="0">
+            <a:schemeClr val="accent1"/>
+          </a:effectRef>
+          <a:fontRef idx="minor">
+            <a:schemeClr val="lt1"/>
+          </a:fontRef>
+        </p:style>
+        <p:txBody>
+          <a:bodyPr rtlCol="0" anchor="ctr"/>
+          <a:lstStyle/>
+          <a:p>
+            <a:pPr algn="ctr"/>
+            <a:endParaRPr lang="en-US"/>
+          </a:p>
+        </p:txBody>
+      </p:sp>
+      <p:pic>
+        <p:nvPicPr>
+          <p:cNvPr id="9" name="Picture 8"/>
+          <p:cNvPicPr>
+            <a:picLocks noChangeAspect="1"/>
+          </p:cNvPicPr>
+          <p:nvPr userDrawn="1"/>
+        </p:nvPicPr>
+        <p:blipFill>
+          <a:blip r:embed="rId3" cstate="print">
+            <a:extLst>
+              <a:ext uri="{28A0092B-C50C-407E-A947-70E740481C1C}">
+                <a14:useLocalDpi xmlns:a14="http://schemas.microsoft.com/office/drawing/2010/main" val="0"/>
+              </a:ext>
+            </a:extLst>
+          </a:blip>
+          <a:stretch>
+            <a:fillRect/>
+          </a:stretch>
+        </p:blipFill>
+        <p:spPr>
+          <a:xfrm>
+            <a:off x="203082" y="5962650"/>
+            <a:ext cx="1127359" cy="625684"/>
+          </a:xfrm>
+          <a:prstGeom prst="rect">
+            <a:avLst/>
+          </a:prstGeom>
+        </p:spPr>
+      </p:pic>
+      <p:sp>
+        <p:nvSpPr>
+          <p:cNvPr id="10" name="Rectangle 9"/>
+          <p:cNvSpPr/>
+          <p:nvPr userDrawn="1"/>
+        </p:nvSpPr>
+        <p:spPr>
+          <a:xfrm>
+            <a:off x="1533523" y="0"/>
+            <a:ext cx="95250" cy="6858000"/>
+          </a:xfrm>
+          <a:prstGeom prst="rect">
+            <a:avLst/>
+          </a:prstGeom>
+          <a:blipFill>
+            <a:blip r:embed="rId4"/>
+            <a:stretch>
+              <a:fillRect/>
+            </a:stretch>
+          </a:blipFill>
+        </p:spPr>
+        <p:style>
+          <a:lnRef idx="2">
+            <a:schemeClr val="accent1">
+              <a:shade val="50000"/>
+            </a:schemeClr>
+          </a:lnRef>
+          <a:fillRef idx="1">
+            <a:schemeClr val="accent1"/>
+          </a:fillRef>
+          <a:effectRef idx="0">
+            <a:schemeClr val="accent1"/>
+          </a:effectRef>
+          <a:fontRef idx="minor">
+            <a:schemeClr val="lt1"/>
+          </a:fontRef>
+        </p:style>
+        <p:txBody>
+          <a:bodyPr rtlCol="0" anchor="ctr"/>
+          <a:lstStyle/>
+          <a:p>
+            <a:pPr algn="ctr"/>
+            <a:endParaRPr lang="en-US"/>
+          </a:p>
+        </p:txBody>
+      </p:sp>
+      <p:sp>
+        <p:nvSpPr>
+          <p:cNvPr id="11" name="Rectangle 10"/>
+          <p:cNvSpPr/>
+          <p:nvPr userDrawn="1"/>
+        </p:nvSpPr>
+        <p:spPr>
+          <a:xfrm>
+            <a:off x="1971675" y="1648233"/>
+            <a:ext cx="9382124" cy="18288"/>
+          </a:xfrm>
+          <a:prstGeom prst="rect">
+            <a:avLst/>
+          </a:prstGeom>
+          <a:solidFill>
+            <a:schemeClr val="bg1">
+              <a:lumMod val="85000"/>
+            </a:schemeClr>
+          </a:solidFill>
+        </p:spPr>
+        <p:style>
+          <a:lnRef idx="2">
+            <a:schemeClr val="accent1">
+              <a:shade val="50000"/>
+            </a:schemeClr>
+          </a:lnRef>
+          <a:fillRef idx="1">
+            <a:schemeClr val="accent1"/>
+          </a:fillRef>
+          <a:effectRef idx="0">
+            <a:schemeClr val="accent1"/>
+          </a:effectRef>
+          <a:fontRef idx="minor">
+            <a:schemeClr val="lt1"/>
+          </a:fontRef>
+        </p:style>
+        <p:txBody>
+          <a:bodyPr rtlCol="0" anchor="ctr"/>
+          <a:lstStyle/>
+          <a:p>
+            <a:pPr algn="ctr"/>
+            <a:endParaRPr lang="en-US"/>
+          </a:p>
+        </p:txBody>
+      </p:sp>
+      <p:sp>
+        <p:nvSpPr>
+          <p:cNvPr id="14" name="Text Placeholder 3"/>
+          <p:cNvSpPr>
+            <a:spLocks noGrp="1"/>
+          </p:cNvSpPr>
+          <p:nvPr>
+            <p:ph type="body" sz="half" idx="2" hasCustomPrompt="1"/>
+          </p:nvPr>
+        </p:nvSpPr>
+        <p:spPr>
+          <a:xfrm>
+            <a:off x="1971675" y="1847904"/>
+            <a:ext cx="3017895" cy="4707711"/>
+          </a:xfrm>
+        </p:spPr>
+        <p:txBody>
+          <a:bodyPr/>
+          <a:lstStyle>
+            <a:lvl1pPr marL="0" indent="0">
+              <a:buNone/>
+              <a:defRPr sz="1600" baseline="0"/>
+            </a:lvl1pPr>
+            <a:lvl2pPr marL="457200" indent="0">
+              <a:buNone/>
+              <a:defRPr sz="1400"/>
+            </a:lvl2pPr>
+            <a:lvl3pPr marL="914400" indent="0">
+              <a:buNone/>
+              <a:defRPr sz="1200"/>
+            </a:lvl3pPr>
+            <a:lvl4pPr marL="1371600" indent="0">
+              <a:buNone/>
+              <a:defRPr sz="1000"/>
+            </a:lvl4pPr>
+            <a:lvl5pPr marL="1828800" indent="0">
+              <a:buNone/>
+              <a:defRPr sz="1000"/>
+            </a:lvl5pPr>
+            <a:lvl6pPr marL="2286000" indent="0">
+              <a:buNone/>
+              <a:defRPr sz="1000"/>
+            </a:lvl6pPr>
+            <a:lvl7pPr marL="2743200" indent="0">
+              <a:buNone/>
+              <a:defRPr sz="1000"/>
+            </a:lvl7pPr>
+            <a:lvl8pPr marL="3200400" indent="0">
+              <a:buNone/>
+              <a:defRPr sz="1000"/>
+            </a:lvl8pPr>
+            <a:lvl9pPr marL="3657600" indent="0">
+              <a:buNone/>
+              <a:defRPr sz="1000"/>
+            </a:lvl9pPr>
+          </a:lstStyle>
+          <a:p>
+            <a:pPr lvl="0"/>
+            <a:r>
+              <a:rPr lang="en-US" dirty="0"/>
+              <a:t>Content Here</a:t>
+            </a:r>
+          </a:p>
+        </p:txBody>
+      </p:sp>
+      <p:sp>
+        <p:nvSpPr>
+          <p:cNvPr id="15" name="Text Placeholder 3"/>
+          <p:cNvSpPr>
+            <a:spLocks noGrp="1"/>
+          </p:cNvSpPr>
+          <p:nvPr>
+            <p:ph type="body" sz="half" idx="10" hasCustomPrompt="1"/>
+          </p:nvPr>
+        </p:nvSpPr>
+        <p:spPr>
+          <a:xfrm>
+            <a:off x="5153789" y="1847904"/>
+            <a:ext cx="3017895" cy="4707711"/>
+          </a:xfrm>
+        </p:spPr>
+        <p:txBody>
+          <a:bodyPr/>
+          <a:lstStyle>
+            <a:lvl1pPr marL="0" indent="0">
+              <a:buNone/>
+              <a:defRPr sz="1600" baseline="0"/>
+            </a:lvl1pPr>
+            <a:lvl2pPr marL="457200" indent="0">
+              <a:buNone/>
+              <a:defRPr sz="1400"/>
+            </a:lvl2pPr>
+            <a:lvl3pPr marL="914400" indent="0">
+              <a:buNone/>
+              <a:defRPr sz="1200"/>
+            </a:lvl3pPr>
+            <a:lvl4pPr marL="1371600" indent="0">
+              <a:buNone/>
+              <a:defRPr sz="1000"/>
+            </a:lvl4pPr>
+            <a:lvl5pPr marL="1828800" indent="0">
+              <a:buNone/>
+              <a:defRPr sz="1000"/>
+            </a:lvl5pPr>
+            <a:lvl6pPr marL="2286000" indent="0">
+              <a:buNone/>
+              <a:defRPr sz="1000"/>
+            </a:lvl6pPr>
+            <a:lvl7pPr marL="2743200" indent="0">
+              <a:buNone/>
+              <a:defRPr sz="1000"/>
+            </a:lvl7pPr>
+            <a:lvl8pPr marL="3200400" indent="0">
+              <a:buNone/>
+              <a:defRPr sz="1000"/>
+            </a:lvl8pPr>
+            <a:lvl9pPr marL="3657600" indent="0">
+              <a:buNone/>
+              <a:defRPr sz="1000"/>
+            </a:lvl9pPr>
+          </a:lstStyle>
+          <a:p>
+            <a:pPr lvl="0"/>
+            <a:r>
+              <a:rPr lang="en-US" dirty="0"/>
+              <a:t>Content Here</a:t>
+            </a:r>
+          </a:p>
+        </p:txBody>
+      </p:sp>
+      <p:sp>
+        <p:nvSpPr>
+          <p:cNvPr id="16" name="Text Placeholder 3"/>
+          <p:cNvSpPr>
+            <a:spLocks noGrp="1"/>
+          </p:cNvSpPr>
+          <p:nvPr>
+            <p:ph type="body" sz="half" idx="11" hasCustomPrompt="1"/>
+          </p:nvPr>
+        </p:nvSpPr>
+        <p:spPr>
+          <a:xfrm>
+            <a:off x="8335904" y="1847904"/>
+            <a:ext cx="3017895" cy="4707711"/>
+          </a:xfrm>
+        </p:spPr>
+        <p:txBody>
+          <a:bodyPr/>
+          <a:lstStyle>
+            <a:lvl1pPr marL="0" indent="0">
+              <a:buNone/>
+              <a:defRPr sz="1600" baseline="0"/>
+            </a:lvl1pPr>
+            <a:lvl2pPr marL="457200" indent="0">
+              <a:buNone/>
+              <a:defRPr sz="1400"/>
+            </a:lvl2pPr>
+            <a:lvl3pPr marL="914400" indent="0">
+              <a:buNone/>
+              <a:defRPr sz="1200"/>
+            </a:lvl3pPr>
+            <a:lvl4pPr marL="1371600" indent="0">
+              <a:buNone/>
+              <a:defRPr sz="1000"/>
+            </a:lvl4pPr>
+            <a:lvl5pPr marL="1828800" indent="0">
+              <a:buNone/>
+              <a:defRPr sz="1000"/>
+            </a:lvl5pPr>
+            <a:lvl6pPr marL="2286000" indent="0">
+              <a:buNone/>
+              <a:defRPr sz="1000"/>
+            </a:lvl6pPr>
+            <a:lvl7pPr marL="2743200" indent="0">
+              <a:buNone/>
+              <a:defRPr sz="1000"/>
+            </a:lvl7pPr>
+            <a:lvl8pPr marL="3200400" indent="0">
+              <a:buNone/>
+              <a:defRPr sz="1000"/>
+            </a:lvl8pPr>
+            <a:lvl9pPr marL="3657600" indent="0">
+              <a:buNone/>
+              <a:defRPr sz="1000"/>
+            </a:lvl9pPr>
+          </a:lstStyle>
+          <a:p>
+            <a:pPr lvl="0"/>
+            <a:r>
+              <a:rPr lang="en-US" dirty="0"/>
+              <a:t>Content Here</a:t>
+            </a:r>
+          </a:p>
+        </p:txBody>
+      </p:sp>
+    </p:spTree>
+    <p:extLst>
+      <p:ext uri="{BB962C8B-B14F-4D97-AF65-F5344CB8AC3E}">
+        <p14:creationId xmlns:p14="http://schemas.microsoft.com/office/powerpoint/2010/main" val="2979907437"/>
+      </p:ext>
+    </p:extLst>
+  </p:cSld>
+  <p:clrMapOvr>
+    <a:masterClrMapping/>
+  </p:clrMapOvr>
+</p:sldLayout>
+</file>
+
+<file path=ppt/slideLayouts/slideLayout14.xml><?xml version="1.0" encoding="utf-8"?>
+<p:sldLayout xmlns:a="http://schemas.openxmlformats.org/drawingml/2006/main" xmlns:r="http://schemas.openxmlformats.org/officeDocument/2006/relationships" xmlns:p="http://schemas.openxmlformats.org/presentationml/2006/main" userDrawn="1">
+  <p:cSld name="3_Custom Layout">
+    <p:bg>
+      <p:bgPr>
+        <a:blipFill dpi="0" rotWithShape="1">
+          <a:blip r:embed="rId2">
+            <a:lum/>
+          </a:blip>
+          <a:srcRect/>
+          <a:stretch>
+            <a:fillRect/>
+          </a:stretch>
+        </a:blipFill>
+        <a:effectLst/>
+      </p:bgPr>
+    </p:bg>
+    <p:spTree>
+      <p:nvGrpSpPr>
+        <p:cNvPr id="1" name=""/>
+        <p:cNvGrpSpPr/>
+        <p:nvPr/>
+      </p:nvGrpSpPr>
+      <p:grpSpPr>
+        <a:xfrm>
+          <a:off x="0" y="0"/>
+          <a:ext cx="0" cy="0"/>
+          <a:chOff x="0" y="0"/>
+          <a:chExt cx="0" cy="0"/>
+        </a:xfrm>
+      </p:grpSpPr>
+      <p:sp>
+        <p:nvSpPr>
+          <p:cNvPr id="8" name="Rectangle 7"/>
+          <p:cNvSpPr/>
+          <p:nvPr userDrawn="1"/>
+        </p:nvSpPr>
+        <p:spPr>
+          <a:xfrm>
+            <a:off x="7639050" y="1"/>
+            <a:ext cx="3486150" cy="6858000"/>
+          </a:xfrm>
+          <a:prstGeom prst="rect">
+            <a:avLst/>
+          </a:prstGeom>
+          <a:blipFill>
+            <a:blip r:embed="rId3"/>
+            <a:stretch>
+              <a:fillRect/>
+            </a:stretch>
+          </a:blipFill>
+        </p:spPr>
+        <p:style>
+          <a:lnRef idx="2">
+            <a:schemeClr val="accent1">
+              <a:shade val="50000"/>
+            </a:schemeClr>
+          </a:lnRef>
+          <a:fillRef idx="1">
+            <a:schemeClr val="accent1"/>
+          </a:fillRef>
+          <a:effectRef idx="0">
+            <a:schemeClr val="accent1"/>
+          </a:effectRef>
+          <a:fontRef idx="minor">
+            <a:schemeClr val="lt1"/>
+          </a:fontRef>
+        </p:style>
+        <p:txBody>
+          <a:bodyPr rtlCol="0" anchor="ctr"/>
+          <a:lstStyle/>
+          <a:p>
+            <a:pPr algn="ctr"/>
+            <a:endParaRPr lang="en-US"/>
+          </a:p>
+        </p:txBody>
+      </p:sp>
+      <p:sp>
+        <p:nvSpPr>
+          <p:cNvPr id="9" name="Title 1"/>
+          <p:cNvSpPr>
+            <a:spLocks noGrp="1"/>
+          </p:cNvSpPr>
+          <p:nvPr>
+            <p:ph type="title" hasCustomPrompt="1"/>
+          </p:nvPr>
+        </p:nvSpPr>
+        <p:spPr>
+          <a:xfrm>
+            <a:off x="933450" y="1643144"/>
+            <a:ext cx="5915024" cy="1239839"/>
+          </a:xfrm>
+        </p:spPr>
+        <p:txBody>
+          <a:bodyPr>
+            <a:noAutofit/>
+          </a:bodyPr>
+          <a:lstStyle>
+            <a:lvl1pPr algn="r">
+              <a:defRPr sz="4000" baseline="0">
+                <a:solidFill>
+                  <a:schemeClr val="bg1"/>
+                </a:solidFill>
+              </a:defRPr>
+            </a:lvl1pPr>
+          </a:lstStyle>
+          <a:p>
+            <a:r>
+              <a:rPr lang="en-US" dirty="0"/>
+              <a:t>Thanks you !</a:t>
+            </a:r>
+          </a:p>
+        </p:txBody>
+      </p:sp>
+      <p:sp>
+        <p:nvSpPr>
+          <p:cNvPr id="13" name="Footer Placeholder 3"/>
+          <p:cNvSpPr>
+            <a:spLocks noGrp="1"/>
+          </p:cNvSpPr>
+          <p:nvPr>
+            <p:ph type="ftr" sz="quarter" idx="11"/>
+          </p:nvPr>
+        </p:nvSpPr>
+        <p:spPr>
+          <a:xfrm>
+            <a:off x="8515350" y="6356350"/>
+            <a:ext cx="1876424" cy="365125"/>
+          </a:xfrm>
+        </p:spPr>
+        <p:txBody>
+          <a:bodyPr/>
+          <a:lstStyle>
+            <a:lvl1pPr algn="ctr">
+              <a:defRPr>
+                <a:solidFill>
+                  <a:schemeClr val="bg1"/>
+                </a:solidFill>
+              </a:defRPr>
+            </a:lvl1pPr>
+          </a:lstStyle>
+          <a:p>
+            <a:r>
+              <a:rPr lang="en-US"/>
+              <a:t>www.indruino.com</a:t>
+            </a:r>
+            <a:endParaRPr lang="en-US" dirty="0"/>
+          </a:p>
+        </p:txBody>
+      </p:sp>
+      <p:pic>
+        <p:nvPicPr>
+          <p:cNvPr id="17" name="Picture 16"/>
+          <p:cNvPicPr>
+            <a:picLocks noChangeAspect="1"/>
+          </p:cNvPicPr>
+          <p:nvPr userDrawn="1"/>
+        </p:nvPicPr>
+        <p:blipFill>
+          <a:blip r:embed="rId4" cstate="print">
+            <a:extLst>
+              <a:ext uri="{28A0092B-C50C-407E-A947-70E740481C1C}">
+                <a14:useLocalDpi xmlns:a14="http://schemas.microsoft.com/office/drawing/2010/main" val="0"/>
+              </a:ext>
+            </a:extLst>
+          </a:blip>
+          <a:stretch>
+            <a:fillRect/>
+          </a:stretch>
+        </p:blipFill>
+        <p:spPr>
+          <a:xfrm>
+            <a:off x="8299672" y="1643144"/>
+            <a:ext cx="2164905" cy="1428837"/>
+          </a:xfrm>
+          <a:prstGeom prst="rect">
+            <a:avLst/>
+          </a:prstGeom>
+        </p:spPr>
+      </p:pic>
+      <p:sp>
+        <p:nvSpPr>
+          <p:cNvPr id="19" name="Subtitle 2"/>
+          <p:cNvSpPr txBox="1">
+            <a:spLocks/>
+          </p:cNvSpPr>
+          <p:nvPr userDrawn="1"/>
+        </p:nvSpPr>
+        <p:spPr>
+          <a:xfrm>
+            <a:off x="3581399" y="3071981"/>
+            <a:ext cx="3267075" cy="828674"/>
+          </a:xfrm>
+          <a:prstGeom prst="rect">
+            <a:avLst/>
+          </a:prstGeom>
+        </p:spPr>
+        <p:txBody>
+          <a:bodyPr vert="horz" lIns="91440" tIns="45720" rIns="91440" bIns="45720" rtlCol="0">
+            <a:normAutofit/>
+          </a:bodyPr>
+          <a:lstStyle>
+            <a:lvl1pPr marL="0" indent="0" algn="r" defTabSz="914400" rtl="0" eaLnBrk="1" latinLnBrk="0" hangingPunct="1">
+              <a:lnSpc>
+                <a:spcPct val="90000"/>
+              </a:lnSpc>
+              <a:spcBef>
+                <a:spcPts val="1000"/>
+              </a:spcBef>
+              <a:buFont typeface="Arial" panose="020B0604020202020204" pitchFamily="34" charset="0"/>
+              <a:buNone/>
+              <a:defRPr sz="1800" kern="1200" baseline="0">
+                <a:solidFill>
+                  <a:schemeClr val="tx1"/>
+                </a:solidFill>
+                <a:latin typeface="Roboto" panose="02000000000000000000" pitchFamily="2" charset="0"/>
+                <a:ea typeface="Roboto" panose="02000000000000000000" pitchFamily="2" charset="0"/>
+                <a:cs typeface="Roboto" panose="02000000000000000000" pitchFamily="2" charset="0"/>
+              </a:defRPr>
+            </a:lvl1pPr>
+            <a:lvl2pPr marL="457200" indent="0" algn="ctr" defTabSz="914400" rtl="0" eaLnBrk="1" latinLnBrk="0" hangingPunct="1">
+              <a:lnSpc>
+                <a:spcPct val="90000"/>
+              </a:lnSpc>
+              <a:spcBef>
+                <a:spcPts val="500"/>
+              </a:spcBef>
+              <a:buFont typeface="Arial" panose="020B0604020202020204" pitchFamily="34" charset="0"/>
+              <a:buNone/>
+              <a:defRPr sz="2000" kern="1200">
+                <a:solidFill>
+                  <a:schemeClr val="tx1"/>
+                </a:solidFill>
+                <a:latin typeface="Roboto" panose="02000000000000000000" pitchFamily="2" charset="0"/>
+                <a:ea typeface="Roboto" panose="02000000000000000000" pitchFamily="2" charset="0"/>
+                <a:cs typeface="Roboto" panose="02000000000000000000" pitchFamily="2" charset="0"/>
+              </a:defRPr>
+            </a:lvl2pPr>
+            <a:lvl3pPr marL="914400" indent="0" algn="ctr" defTabSz="914400" rtl="0" eaLnBrk="1" latinLnBrk="0" hangingPunct="1">
+              <a:lnSpc>
+                <a:spcPct val="90000"/>
+              </a:lnSpc>
+              <a:spcBef>
+                <a:spcPts val="500"/>
+              </a:spcBef>
+              <a:buFont typeface="Arial" panose="020B0604020202020204" pitchFamily="34" charset="0"/>
+              <a:buNone/>
+              <a:defRPr sz="1800" kern="1200">
+                <a:solidFill>
+                  <a:schemeClr val="tx1"/>
+                </a:solidFill>
+                <a:latin typeface="Roboto" panose="02000000000000000000" pitchFamily="2" charset="0"/>
+                <a:ea typeface="Roboto" panose="02000000000000000000" pitchFamily="2" charset="0"/>
+                <a:cs typeface="Roboto" panose="02000000000000000000" pitchFamily="2" charset="0"/>
+              </a:defRPr>
+            </a:lvl3pPr>
+            <a:lvl4pPr marL="1371600" indent="0" algn="ctr" defTabSz="914400" rtl="0" eaLnBrk="1" latinLnBrk="0" hangingPunct="1">
+              <a:lnSpc>
+                <a:spcPct val="90000"/>
+              </a:lnSpc>
+              <a:spcBef>
+                <a:spcPts val="500"/>
+              </a:spcBef>
+              <a:buFont typeface="Arial" panose="020B0604020202020204" pitchFamily="34" charset="0"/>
+              <a:buNone/>
+              <a:defRPr sz="1600" kern="1200">
+                <a:solidFill>
+                  <a:schemeClr val="tx1"/>
+                </a:solidFill>
+                <a:latin typeface="Roboto" panose="02000000000000000000" pitchFamily="2" charset="0"/>
+                <a:ea typeface="Roboto" panose="02000000000000000000" pitchFamily="2" charset="0"/>
+                <a:cs typeface="Roboto" panose="02000000000000000000" pitchFamily="2" charset="0"/>
+              </a:defRPr>
+            </a:lvl4pPr>
+            <a:lvl5pPr marL="1828800" indent="0" algn="ctr" defTabSz="914400" rtl="0" eaLnBrk="1" latinLnBrk="0" hangingPunct="1">
+              <a:lnSpc>
+                <a:spcPct val="90000"/>
+              </a:lnSpc>
+              <a:spcBef>
+                <a:spcPts val="500"/>
+              </a:spcBef>
+              <a:buFont typeface="Arial" panose="020B0604020202020204" pitchFamily="34" charset="0"/>
+              <a:buNone/>
+              <a:defRPr sz="1600" kern="1200">
+                <a:solidFill>
+                  <a:schemeClr val="tx1"/>
+                </a:solidFill>
+                <a:latin typeface="Roboto" panose="02000000000000000000" pitchFamily="2" charset="0"/>
+                <a:ea typeface="Roboto" panose="02000000000000000000" pitchFamily="2" charset="0"/>
+                <a:cs typeface="Roboto" panose="02000000000000000000" pitchFamily="2" charset="0"/>
+              </a:defRPr>
+            </a:lvl5pPr>
+            <a:lvl6pPr marL="2286000" indent="0" algn="ctr" defTabSz="914400" rtl="0" eaLnBrk="1" latinLnBrk="0" hangingPunct="1">
+              <a:lnSpc>
+                <a:spcPct val="90000"/>
+              </a:lnSpc>
+              <a:spcBef>
+                <a:spcPts val="500"/>
+              </a:spcBef>
+              <a:buFont typeface="Arial" panose="020B0604020202020204" pitchFamily="34" charset="0"/>
+              <a:buNone/>
+              <a:defRPr sz="1600" kern="1200">
+                <a:solidFill>
+                  <a:schemeClr val="tx1"/>
+                </a:solidFill>
+                <a:latin typeface="+mn-lt"/>
+                <a:ea typeface="+mn-ea"/>
+                <a:cs typeface="+mn-cs"/>
+              </a:defRPr>
+            </a:lvl6pPr>
+            <a:lvl7pPr marL="2743200" indent="0" algn="ctr" defTabSz="914400" rtl="0" eaLnBrk="1" latinLnBrk="0" hangingPunct="1">
+              <a:lnSpc>
+                <a:spcPct val="90000"/>
+              </a:lnSpc>
+              <a:spcBef>
+                <a:spcPts val="500"/>
+              </a:spcBef>
+              <a:buFont typeface="Arial" panose="020B0604020202020204" pitchFamily="34" charset="0"/>
+              <a:buNone/>
+              <a:defRPr sz="1600" kern="1200">
+                <a:solidFill>
+                  <a:schemeClr val="tx1"/>
+                </a:solidFill>
+                <a:latin typeface="+mn-lt"/>
+                <a:ea typeface="+mn-ea"/>
+                <a:cs typeface="+mn-cs"/>
+              </a:defRPr>
+            </a:lvl7pPr>
+            <a:lvl8pPr marL="3200400" indent="0" algn="ctr" defTabSz="914400" rtl="0" eaLnBrk="1" latinLnBrk="0" hangingPunct="1">
+              <a:lnSpc>
+                <a:spcPct val="90000"/>
+              </a:lnSpc>
+              <a:spcBef>
+                <a:spcPts val="500"/>
+              </a:spcBef>
+              <a:buFont typeface="Arial" panose="020B0604020202020204" pitchFamily="34" charset="0"/>
+              <a:buNone/>
+              <a:defRPr sz="1600" kern="1200">
+                <a:solidFill>
+                  <a:schemeClr val="tx1"/>
+                </a:solidFill>
+                <a:latin typeface="+mn-lt"/>
+                <a:ea typeface="+mn-ea"/>
+                <a:cs typeface="+mn-cs"/>
+              </a:defRPr>
+            </a:lvl8pPr>
+            <a:lvl9pPr marL="3657600" indent="0" algn="ctr" defTabSz="914400" rtl="0" eaLnBrk="1" latinLnBrk="0" hangingPunct="1">
+              <a:lnSpc>
+                <a:spcPct val="90000"/>
+              </a:lnSpc>
+              <a:spcBef>
+                <a:spcPts val="500"/>
+              </a:spcBef>
+              <a:buFont typeface="Arial" panose="020B0604020202020204" pitchFamily="34" charset="0"/>
+              <a:buNone/>
+              <a:defRPr sz="1600" kern="1200">
+                <a:solidFill>
+                  <a:schemeClr val="tx1"/>
+                </a:solidFill>
+                <a:latin typeface="+mn-lt"/>
+                <a:ea typeface="+mn-ea"/>
+                <a:cs typeface="+mn-cs"/>
+              </a:defRPr>
+            </a:lvl9pPr>
+          </a:lstStyle>
+          <a:p>
+            <a:r>
+              <a:rPr lang="en-US" dirty="0" err="1">
+                <a:solidFill>
+                  <a:schemeClr val="bg1"/>
+                </a:solidFill>
+              </a:rPr>
+              <a:t>Diễn</a:t>
+            </a:r>
+            <a:r>
+              <a:rPr lang="en-US" dirty="0">
+                <a:solidFill>
+                  <a:schemeClr val="bg1"/>
+                </a:solidFill>
+              </a:rPr>
+              <a:t> </a:t>
+            </a:r>
+            <a:r>
+              <a:rPr lang="en-US" dirty="0" err="1">
+                <a:solidFill>
+                  <a:schemeClr val="bg1"/>
+                </a:solidFill>
+              </a:rPr>
+              <a:t>giả</a:t>
+            </a:r>
+            <a:r>
+              <a:rPr lang="en-US" dirty="0">
+                <a:solidFill>
+                  <a:schemeClr val="bg1"/>
+                </a:solidFill>
+              </a:rPr>
+              <a:t>: </a:t>
+            </a:r>
+            <a:r>
+              <a:rPr lang="en-US" dirty="0" err="1">
+                <a:solidFill>
+                  <a:schemeClr val="bg1"/>
+                </a:solidFill>
+              </a:rPr>
+              <a:t>Indruino</a:t>
+            </a:r>
+            <a:endParaRPr lang="en-US" dirty="0">
+              <a:solidFill>
+                <a:schemeClr val="bg1"/>
+              </a:solidFill>
+            </a:endParaRPr>
+          </a:p>
+          <a:p>
+            <a:r>
+              <a:rPr lang="en-US" dirty="0" err="1">
+                <a:solidFill>
+                  <a:schemeClr val="bg1"/>
+                </a:solidFill>
+              </a:rPr>
+              <a:t>Bộ</a:t>
+            </a:r>
+            <a:r>
+              <a:rPr lang="en-US" dirty="0">
+                <a:solidFill>
+                  <a:schemeClr val="bg1"/>
+                </a:solidFill>
+              </a:rPr>
+              <a:t> </a:t>
+            </a:r>
+            <a:r>
+              <a:rPr lang="en-US" dirty="0" err="1">
+                <a:solidFill>
+                  <a:schemeClr val="bg1"/>
+                </a:solidFill>
+              </a:rPr>
+              <a:t>phận</a:t>
+            </a:r>
+            <a:r>
+              <a:rPr lang="en-US" dirty="0">
+                <a:solidFill>
+                  <a:schemeClr val="bg1"/>
+                </a:solidFill>
+              </a:rPr>
+              <a:t>: </a:t>
+            </a:r>
+            <a:r>
+              <a:rPr lang="en-US" dirty="0" err="1">
+                <a:solidFill>
+                  <a:schemeClr val="bg1"/>
+                </a:solidFill>
+              </a:rPr>
+              <a:t>Indruino</a:t>
+            </a:r>
+            <a:endParaRPr lang="en-US" dirty="0">
+              <a:solidFill>
+                <a:schemeClr val="bg1"/>
+              </a:solidFill>
+            </a:endParaRPr>
+          </a:p>
+        </p:txBody>
+      </p:sp>
+      <p:sp>
+        <p:nvSpPr>
+          <p:cNvPr id="20" name="Rectangle 19"/>
+          <p:cNvSpPr/>
+          <p:nvPr userDrawn="1"/>
+        </p:nvSpPr>
+        <p:spPr>
+          <a:xfrm>
+            <a:off x="933450" y="2863543"/>
+            <a:ext cx="5915024" cy="18288"/>
+          </a:xfrm>
+          <a:prstGeom prst="rect">
+            <a:avLst/>
+          </a:prstGeom>
+          <a:solidFill>
+            <a:schemeClr val="bg1"/>
+          </a:solidFill>
+        </p:spPr>
+        <p:style>
+          <a:lnRef idx="2">
+            <a:schemeClr val="accent1">
+              <a:shade val="50000"/>
+            </a:schemeClr>
+          </a:lnRef>
+          <a:fillRef idx="1">
+            <a:schemeClr val="accent1"/>
+          </a:fillRef>
+          <a:effectRef idx="0">
+            <a:schemeClr val="accent1"/>
+          </a:effectRef>
+          <a:fontRef idx="minor">
+            <a:schemeClr val="lt1"/>
+          </a:fontRef>
+        </p:style>
+        <p:txBody>
+          <a:bodyPr rtlCol="0" anchor="ctr"/>
+          <a:lstStyle/>
+          <a:p>
+            <a:pPr algn="ctr"/>
+            <a:endParaRPr lang="en-US"/>
+          </a:p>
+        </p:txBody>
+      </p:sp>
+    </p:spTree>
+    <p:extLst>
+      <p:ext uri="{BB962C8B-B14F-4D97-AF65-F5344CB8AC3E}">
+        <p14:creationId xmlns:p14="http://schemas.microsoft.com/office/powerpoint/2010/main" val="3157322974"/>
       </p:ext>
     </p:extLst>
   </p:cSld>
@@ -699,10 +1777,9 @@
           <a:lstStyle/>
           <a:p>
             <a:r>
-              <a:rPr lang="en-US" smtClean="0"/>
+              <a:rPr lang="en-US"/>
               <a:t>Click to edit Master title style</a:t>
             </a:r>
-            <a:endParaRPr lang="en-US"/>
           </a:p>
         </p:txBody>
       </p:sp>
@@ -723,38 +1800,37 @@
           <a:p>
             <a:pPr lvl="0"/>
             <a:r>
-              <a:rPr lang="en-US" smtClean="0"/>
+              <a:rPr lang="en-US"/>
               <a:t>Edit Master text styles</a:t>
             </a:r>
           </a:p>
           <a:p>
             <a:pPr lvl="1"/>
             <a:r>
-              <a:rPr lang="en-US" smtClean="0"/>
+              <a:rPr lang="en-US"/>
               <a:t>Second level</a:t>
             </a:r>
           </a:p>
           <a:p>
             <a:pPr lvl="2"/>
             <a:r>
-              <a:rPr lang="en-US" smtClean="0"/>
+              <a:rPr lang="en-US"/>
               <a:t>Third level</a:t>
             </a:r>
           </a:p>
           <a:p>
             <a:pPr lvl="3"/>
             <a:r>
-              <a:rPr lang="en-US" smtClean="0"/>
+              <a:rPr lang="en-US"/>
               <a:t>Fourth level</a:t>
             </a:r>
           </a:p>
           <a:p>
             <a:pPr lvl="4"/>
             <a:r>
-              <a:rPr lang="en-US" smtClean="0"/>
+              <a:rPr lang="en-US"/>
               <a:t>Fifth level</a:t>
             </a:r>
-            <a:endParaRPr lang="en-US"/>
           </a:p>
         </p:txBody>
       </p:sp>
@@ -775,7 +1851,7 @@
           <a:p>
             <a:fld id="{197F37DA-8307-451D-821E-16753DF74EA8}" type="datetimeFigureOut">
               <a:rPr lang="en-US" smtClean="0"/>
-              <a:t>7/16/2020</a:t>
+              <a:t>8/23/2020</a:t>
             </a:fld>
             <a:endParaRPr lang="en-US"/>
           </a:p>
@@ -878,10 +1954,9 @@
           </a:lstStyle>
           <a:p>
             <a:r>
-              <a:rPr lang="en-US" smtClean="0"/>
+              <a:rPr lang="en-US"/>
               <a:t>Click to edit Master title style</a:t>
             </a:r>
-            <a:endParaRPr lang="en-US"/>
           </a:p>
         </p:txBody>
       </p:sp>
@@ -998,7 +2073,7 @@
           <a:p>
             <a:pPr lvl="0"/>
             <a:r>
-              <a:rPr lang="en-US" smtClean="0"/>
+              <a:rPr lang="en-US"/>
               <a:t>Edit Master text styles</a:t>
             </a:r>
           </a:p>
@@ -1021,7 +2096,7 @@
           <a:p>
             <a:fld id="{197F37DA-8307-451D-821E-16753DF74EA8}" type="datetimeFigureOut">
               <a:rPr lang="en-US" smtClean="0"/>
-              <a:t>7/16/2020</a:t>
+              <a:t>8/23/2020</a:t>
             </a:fld>
             <a:endParaRPr lang="en-US"/>
           </a:p>
@@ -1115,10 +2190,9 @@
           <a:lstStyle/>
           <a:p>
             <a:r>
-              <a:rPr lang="en-US" smtClean="0"/>
+              <a:rPr lang="en-US"/>
               <a:t>Click to edit Master title style</a:t>
             </a:r>
-            <a:endParaRPr lang="en-US"/>
           </a:p>
         </p:txBody>
       </p:sp>
@@ -1144,38 +2218,37 @@
           <a:p>
             <a:pPr lvl="0"/>
             <a:r>
-              <a:rPr lang="en-US" smtClean="0"/>
+              <a:rPr lang="en-US"/>
               <a:t>Edit Master text styles</a:t>
             </a:r>
           </a:p>
           <a:p>
             <a:pPr lvl="1"/>
             <a:r>
-              <a:rPr lang="en-US" smtClean="0"/>
+              <a:rPr lang="en-US"/>
               <a:t>Second level</a:t>
             </a:r>
           </a:p>
           <a:p>
             <a:pPr lvl="2"/>
             <a:r>
-              <a:rPr lang="en-US" smtClean="0"/>
+              <a:rPr lang="en-US"/>
               <a:t>Third level</a:t>
             </a:r>
           </a:p>
           <a:p>
             <a:pPr lvl="3"/>
             <a:r>
-              <a:rPr lang="en-US" smtClean="0"/>
+              <a:rPr lang="en-US"/>
               <a:t>Fourth level</a:t>
             </a:r>
           </a:p>
           <a:p>
             <a:pPr lvl="4"/>
             <a:r>
-              <a:rPr lang="en-US" smtClean="0"/>
+              <a:rPr lang="en-US"/>
               <a:t>Fifth level</a:t>
             </a:r>
-            <a:endParaRPr lang="en-US"/>
           </a:p>
         </p:txBody>
       </p:sp>
@@ -1201,38 +2274,37 @@
           <a:p>
             <a:pPr lvl="0"/>
             <a:r>
-              <a:rPr lang="en-US" smtClean="0"/>
+              <a:rPr lang="en-US"/>
               <a:t>Edit Master text styles</a:t>
             </a:r>
           </a:p>
           <a:p>
             <a:pPr lvl="1"/>
             <a:r>
-              <a:rPr lang="en-US" smtClean="0"/>
+              <a:rPr lang="en-US"/>
               <a:t>Second level</a:t>
             </a:r>
           </a:p>
           <a:p>
             <a:pPr lvl="2"/>
             <a:r>
-              <a:rPr lang="en-US" smtClean="0"/>
+              <a:rPr lang="en-US"/>
               <a:t>Third level</a:t>
             </a:r>
           </a:p>
           <a:p>
             <a:pPr lvl="3"/>
             <a:r>
-              <a:rPr lang="en-US" smtClean="0"/>
+              <a:rPr lang="en-US"/>
               <a:t>Fourth level</a:t>
             </a:r>
           </a:p>
           <a:p>
             <a:pPr lvl="4"/>
             <a:r>
-              <a:rPr lang="en-US" smtClean="0"/>
+              <a:rPr lang="en-US"/>
               <a:t>Fifth level</a:t>
             </a:r>
-            <a:endParaRPr lang="en-US"/>
           </a:p>
         </p:txBody>
       </p:sp>
@@ -1253,7 +2325,7 @@
           <a:p>
             <a:fld id="{197F37DA-8307-451D-821E-16753DF74EA8}" type="datetimeFigureOut">
               <a:rPr lang="en-US" smtClean="0"/>
-              <a:t>7/16/2020</a:t>
+              <a:t>8/23/2020</a:t>
             </a:fld>
             <a:endParaRPr lang="en-US"/>
           </a:p>
@@ -1352,10 +2424,9 @@
           <a:lstStyle/>
           <a:p>
             <a:r>
-              <a:rPr lang="en-US" smtClean="0"/>
+              <a:rPr lang="en-US"/>
               <a:t>Click to edit Master title style</a:t>
             </a:r>
-            <a:endParaRPr lang="en-US"/>
           </a:p>
         </p:txBody>
       </p:sp>
@@ -1418,7 +2489,7 @@
           <a:p>
             <a:pPr lvl="0"/>
             <a:r>
-              <a:rPr lang="en-US" smtClean="0"/>
+              <a:rPr lang="en-US"/>
               <a:t>Edit Master text styles</a:t>
             </a:r>
           </a:p>
@@ -1446,38 +2517,37 @@
           <a:p>
             <a:pPr lvl="0"/>
             <a:r>
-              <a:rPr lang="en-US" smtClean="0"/>
+              <a:rPr lang="en-US"/>
               <a:t>Edit Master text styles</a:t>
             </a:r>
           </a:p>
           <a:p>
             <a:pPr lvl="1"/>
             <a:r>
-              <a:rPr lang="en-US" smtClean="0"/>
+              <a:rPr lang="en-US"/>
               <a:t>Second level</a:t>
             </a:r>
           </a:p>
           <a:p>
             <a:pPr lvl="2"/>
             <a:r>
-              <a:rPr lang="en-US" smtClean="0"/>
+              <a:rPr lang="en-US"/>
               <a:t>Third level</a:t>
             </a:r>
           </a:p>
           <a:p>
             <a:pPr lvl="3"/>
             <a:r>
-              <a:rPr lang="en-US" smtClean="0"/>
+              <a:rPr lang="en-US"/>
               <a:t>Fourth level</a:t>
             </a:r>
           </a:p>
           <a:p>
             <a:pPr lvl="4"/>
             <a:r>
-              <a:rPr lang="en-US" smtClean="0"/>
+              <a:rPr lang="en-US"/>
               <a:t>Fifth level</a:t>
             </a:r>
-            <a:endParaRPr lang="en-US"/>
           </a:p>
         </p:txBody>
       </p:sp>
@@ -1540,7 +2610,7 @@
           <a:p>
             <a:pPr lvl="0"/>
             <a:r>
-              <a:rPr lang="en-US" smtClean="0"/>
+              <a:rPr lang="en-US"/>
               <a:t>Edit Master text styles</a:t>
             </a:r>
           </a:p>
@@ -1568,38 +2638,37 @@
           <a:p>
             <a:pPr lvl="0"/>
             <a:r>
-              <a:rPr lang="en-US" smtClean="0"/>
+              <a:rPr lang="en-US"/>
               <a:t>Edit Master text styles</a:t>
             </a:r>
           </a:p>
           <a:p>
             <a:pPr lvl="1"/>
             <a:r>
-              <a:rPr lang="en-US" smtClean="0"/>
+              <a:rPr lang="en-US"/>
               <a:t>Second level</a:t>
             </a:r>
           </a:p>
           <a:p>
             <a:pPr lvl="2"/>
             <a:r>
-              <a:rPr lang="en-US" smtClean="0"/>
+              <a:rPr lang="en-US"/>
               <a:t>Third level</a:t>
             </a:r>
           </a:p>
           <a:p>
             <a:pPr lvl="3"/>
             <a:r>
-              <a:rPr lang="en-US" smtClean="0"/>
+              <a:rPr lang="en-US"/>
               <a:t>Fourth level</a:t>
             </a:r>
           </a:p>
           <a:p>
             <a:pPr lvl="4"/>
             <a:r>
-              <a:rPr lang="en-US" smtClean="0"/>
+              <a:rPr lang="en-US"/>
               <a:t>Fifth level</a:t>
             </a:r>
-            <a:endParaRPr lang="en-US"/>
           </a:p>
         </p:txBody>
       </p:sp>
@@ -1620,7 +2689,7 @@
           <a:p>
             <a:fld id="{197F37DA-8307-451D-821E-16753DF74EA8}" type="datetimeFigureOut">
               <a:rPr lang="en-US" smtClean="0"/>
-              <a:t>7/16/2020</a:t>
+              <a:t>8/23/2020</a:t>
             </a:fld>
             <a:endParaRPr lang="en-US"/>
           </a:p>
@@ -1714,10 +2783,9 @@
           <a:lstStyle/>
           <a:p>
             <a:r>
-              <a:rPr lang="en-US" smtClean="0"/>
+              <a:rPr lang="en-US"/>
               <a:t>Click to edit Master title style</a:t>
             </a:r>
-            <a:endParaRPr lang="en-US"/>
           </a:p>
         </p:txBody>
       </p:sp>
@@ -1738,7 +2806,7 @@
           <a:p>
             <a:fld id="{197F37DA-8307-451D-821E-16753DF74EA8}" type="datetimeFigureOut">
               <a:rPr lang="en-US" smtClean="0"/>
-              <a:t>7/16/2020</a:t>
+              <a:t>8/23/2020</a:t>
             </a:fld>
             <a:endParaRPr lang="en-US"/>
           </a:p>
@@ -1833,7 +2901,7 @@
           <a:p>
             <a:fld id="{197F37DA-8307-451D-821E-16753DF74EA8}" type="datetimeFigureOut">
               <a:rPr lang="en-US" smtClean="0"/>
-              <a:t>7/16/2020</a:t>
+              <a:t>8/23/2020</a:t>
             </a:fld>
             <a:endParaRPr lang="en-US"/>
           </a:p>
@@ -1936,10 +3004,9 @@
           </a:lstStyle>
           <a:p>
             <a:r>
-              <a:rPr lang="en-US" smtClean="0"/>
+              <a:rPr lang="en-US"/>
               <a:t>Click to edit Master title style</a:t>
             </a:r>
-            <a:endParaRPr lang="en-US"/>
           </a:p>
         </p:txBody>
       </p:sp>
@@ -1993,38 +3060,37 @@
           <a:p>
             <a:pPr lvl="0"/>
             <a:r>
-              <a:rPr lang="en-US" smtClean="0"/>
+              <a:rPr lang="en-US"/>
               <a:t>Edit Master text styles</a:t>
             </a:r>
           </a:p>
           <a:p>
             <a:pPr lvl="1"/>
             <a:r>
-              <a:rPr lang="en-US" smtClean="0"/>
+              <a:rPr lang="en-US"/>
               <a:t>Second level</a:t>
             </a:r>
           </a:p>
           <a:p>
             <a:pPr lvl="2"/>
             <a:r>
-              <a:rPr lang="en-US" smtClean="0"/>
+              <a:rPr lang="en-US"/>
               <a:t>Third level</a:t>
             </a:r>
           </a:p>
           <a:p>
             <a:pPr lvl="3"/>
             <a:r>
-              <a:rPr lang="en-US" smtClean="0"/>
+              <a:rPr lang="en-US"/>
               <a:t>Fourth level</a:t>
             </a:r>
           </a:p>
           <a:p>
             <a:pPr lvl="4"/>
             <a:r>
-              <a:rPr lang="en-US" smtClean="0"/>
+              <a:rPr lang="en-US"/>
               <a:t>Fifth level</a:t>
             </a:r>
-            <a:endParaRPr lang="en-US"/>
           </a:p>
         </p:txBody>
       </p:sp>
@@ -2087,7 +3153,7 @@
           <a:p>
             <a:pPr lvl="0"/>
             <a:r>
-              <a:rPr lang="en-US" smtClean="0"/>
+              <a:rPr lang="en-US"/>
               <a:t>Edit Master text styles</a:t>
             </a:r>
           </a:p>
@@ -2110,7 +3176,7 @@
           <a:p>
             <a:fld id="{197F37DA-8307-451D-821E-16753DF74EA8}" type="datetimeFigureOut">
               <a:rPr lang="en-US" smtClean="0"/>
-              <a:t>7/16/2020</a:t>
+              <a:t>8/23/2020</a:t>
             </a:fld>
             <a:endParaRPr lang="en-US"/>
           </a:p>
@@ -2213,10 +3279,9 @@
           </a:lstStyle>
           <a:p>
             <a:r>
-              <a:rPr lang="en-US" smtClean="0"/>
+              <a:rPr lang="en-US"/>
               <a:t>Click to edit Master title style</a:t>
             </a:r>
-            <a:endParaRPr lang="en-US"/>
           </a:p>
         </p:txBody>
       </p:sp>
@@ -2340,7 +3405,7 @@
           <a:p>
             <a:pPr lvl="0"/>
             <a:r>
-              <a:rPr lang="en-US" smtClean="0"/>
+              <a:rPr lang="en-US"/>
               <a:t>Edit Master text styles</a:t>
             </a:r>
           </a:p>
@@ -2363,7 +3428,7 @@
           <a:p>
             <a:fld id="{197F37DA-8307-451D-821E-16753DF74EA8}" type="datetimeFigureOut">
               <a:rPr lang="en-US" smtClean="0"/>
-              <a:t>7/16/2020</a:t>
+              <a:t>8/23/2020</a:t>
             </a:fld>
             <a:endParaRPr lang="en-US"/>
           </a:p>
@@ -2472,10 +3537,9 @@
           <a:lstStyle/>
           <a:p>
             <a:r>
-              <a:rPr lang="en-US" smtClean="0"/>
+              <a:rPr lang="en-US"/>
               <a:t>Click to edit Master title style</a:t>
             </a:r>
-            <a:endParaRPr lang="en-US"/>
           </a:p>
         </p:txBody>
       </p:sp>
@@ -2506,38 +3570,37 @@
           <a:p>
             <a:pPr lvl="0"/>
             <a:r>
-              <a:rPr lang="en-US" smtClean="0"/>
+              <a:rPr lang="en-US"/>
               <a:t>Edit Master text styles</a:t>
             </a:r>
           </a:p>
           <a:p>
             <a:pPr lvl="1"/>
             <a:r>
-              <a:rPr lang="en-US" smtClean="0"/>
+              <a:rPr lang="en-US"/>
               <a:t>Second level</a:t>
             </a:r>
           </a:p>
           <a:p>
             <a:pPr lvl="2"/>
             <a:r>
-              <a:rPr lang="en-US" smtClean="0"/>
+              <a:rPr lang="en-US"/>
               <a:t>Third level</a:t>
             </a:r>
           </a:p>
           <a:p>
             <a:pPr lvl="3"/>
             <a:r>
-              <a:rPr lang="en-US" smtClean="0"/>
+              <a:rPr lang="en-US"/>
               <a:t>Fourth level</a:t>
             </a:r>
           </a:p>
           <a:p>
             <a:pPr lvl="4"/>
             <a:r>
-              <a:rPr lang="en-US" smtClean="0"/>
+              <a:rPr lang="en-US"/>
               <a:t>Fifth level</a:t>
             </a:r>
-            <a:endParaRPr lang="en-US"/>
           </a:p>
         </p:txBody>
       </p:sp>
@@ -2576,7 +3639,7 @@
           <a:p>
             <a:fld id="{197F37DA-8307-451D-821E-16753DF74EA8}" type="datetimeFigureOut">
               <a:rPr lang="en-US" smtClean="0"/>
-              <a:t>7/16/2020</a:t>
+              <a:t>8/23/2020</a:t>
             </a:fld>
             <a:endParaRPr lang="en-US"/>
           </a:p>
@@ -2680,6 +3743,9 @@
     <p:sldLayoutId id="2147483657" r:id="rId9"/>
     <p:sldLayoutId id="2147483658" r:id="rId10"/>
     <p:sldLayoutId id="2147483659" r:id="rId11"/>
+    <p:sldLayoutId id="2147483660" r:id="rId12"/>
+    <p:sldLayoutId id="2147483662" r:id="rId13"/>
+    <p:sldLayoutId id="2147483663" r:id="rId14"/>
   </p:sldLayoutIdLst>
   <p:txStyles>
     <p:titleStyle>
@@ -2981,16 +4047,46 @@
           <a:chExt cx="0" cy="0"/>
         </a:xfrm>
       </p:grpSpPr>
-      <p:sp>
-        <p:nvSpPr>
-          <p:cNvPr id="4" name="TextBox 3"/>
+    </p:spTree>
+    <p:extLst>
+      <p:ext uri="{BB962C8B-B14F-4D97-AF65-F5344CB8AC3E}">
+        <p14:creationId xmlns:p14="http://schemas.microsoft.com/office/powerpoint/2010/main" val="37879161"/>
+      </p:ext>
+    </p:extLst>
+  </p:cSld>
+  <p:clrMapOvr>
+    <a:masterClrMapping/>
+  </p:clrMapOvr>
+</p:sld>
+</file>
+
+<file path=ppt/slides/slide10.xml><?xml version="1.0" encoding="utf-8"?>
+<p:sld xmlns:a="http://schemas.openxmlformats.org/drawingml/2006/main" xmlns:r="http://schemas.openxmlformats.org/officeDocument/2006/relationships" xmlns:p="http://schemas.openxmlformats.org/presentationml/2006/main">
+  <p:cSld>
+    <p:spTree>
+      <p:nvGrpSpPr>
+        <p:cNvPr id="1" name=""/>
+        <p:cNvGrpSpPr/>
+        <p:nvPr/>
+      </p:nvGrpSpPr>
+      <p:grpSpPr>
+        <a:xfrm>
+          <a:off x="0" y="0"/>
+          <a:ext cx="0" cy="0"/>
+          <a:chOff x="0" y="0"/>
+          <a:chExt cx="0" cy="0"/>
+        </a:xfrm>
+      </p:grpSpPr>
+      <p:sp>
+        <p:nvSpPr>
+          <p:cNvPr id="2" name="TextBox 1"/>
           <p:cNvSpPr txBox="1"/>
           <p:nvPr/>
         </p:nvSpPr>
         <p:spPr>
           <a:xfrm>
-            <a:off x="0" y="-49794"/>
-            <a:ext cx="5422446" cy="646331"/>
+            <a:off x="1971675" y="-47848"/>
+            <a:ext cx="5599610" cy="646331"/>
           </a:xfrm>
           <a:prstGeom prst="rect">
             <a:avLst/>
@@ -3004,7 +4100,7 @@
           <a:lstStyle/>
           <a:p>
             <a:r>
-              <a:rPr lang="en-US" sz="3600" b="1" dirty="0" smtClean="0">
+              <a:rPr lang="en-US" sz="3600" b="1" dirty="0">
                 <a:solidFill>
                   <a:srgbClr val="FF0000"/>
                 </a:solidFill>
@@ -3015,37 +4111,23 @@
                     </a:srgbClr>
                   </a:outerShdw>
                 </a:effectLst>
-                <a:latin typeface="Times New Roman" panose="02020603050405020304" pitchFamily="18" charset="0"/>
+                <a:latin typeface="Segoe UI Black" panose="020B0A02040204020203" pitchFamily="34" charset="0"/>
                 <a:cs typeface="Times New Roman" panose="02020603050405020304" pitchFamily="18" charset="0"/>
               </a:rPr>
               <a:t>1. PIN PORT IoT BROAD</a:t>
             </a:r>
-            <a:endParaRPr lang="en-US" sz="3600" b="1" dirty="0">
-              <a:solidFill>
-                <a:srgbClr val="FF0000"/>
-              </a:solidFill>
-              <a:effectLst>
-                <a:outerShdw blurRad="38100" dist="38100" dir="2700000" algn="tl">
-                  <a:srgbClr val="000000">
-                    <a:alpha val="43137"/>
-                  </a:srgbClr>
-                </a:outerShdw>
-              </a:effectLst>
-              <a:latin typeface="Times New Roman" panose="02020603050405020304" pitchFamily="18" charset="0"/>
-              <a:cs typeface="Times New Roman" panose="02020603050405020304" pitchFamily="18" charset="0"/>
-            </a:endParaRPr>
-          </a:p>
-        </p:txBody>
-      </p:sp>
-      <p:sp>
-        <p:nvSpPr>
-          <p:cNvPr id="5" name="TextBox 4"/>
+          </a:p>
+        </p:txBody>
+      </p:sp>
+      <p:sp>
+        <p:nvSpPr>
+          <p:cNvPr id="3" name="TextBox 2"/>
           <p:cNvSpPr txBox="1"/>
           <p:nvPr/>
         </p:nvSpPr>
         <p:spPr>
           <a:xfrm>
-            <a:off x="348343" y="597709"/>
+            <a:off x="1971675" y="607665"/>
             <a:ext cx="11843657" cy="461665"/>
           </a:xfrm>
           <a:prstGeom prst="rect">
@@ -3060,7 +4142,7 @@
           <a:lstStyle/>
           <a:p>
             <a:r>
-              <a:rPr lang="en-US" sz="2400" b="1" dirty="0" smtClean="0">
+              <a:rPr lang="en-US" sz="2400" b="1" dirty="0">
                 <a:effectLst>
                   <a:outerShdw blurRad="38100" dist="38100" dir="2700000" algn="tl">
                     <a:srgbClr val="000000">
@@ -3068,28 +4150,66 @@
                     </a:srgbClr>
                   </a:outerShdw>
                 </a:effectLst>
-                <a:latin typeface="Times New Roman" panose="02020603050405020304" pitchFamily="18" charset="0"/>
+                <a:latin typeface="Segoe UI Black" panose="020B0A02040204020203" pitchFamily="34" charset="0"/>
                 <a:cs typeface="Times New Roman" panose="02020603050405020304" pitchFamily="18" charset="0"/>
               </a:rPr>
-              <a:t>1.1 Sơ đồ chân wifi kit</a:t>
-            </a:r>
-            <a:endParaRPr lang="en-US" sz="2400" b="1" dirty="0">
-              <a:effectLst>
-                <a:outerShdw blurRad="38100" dist="38100" dir="2700000" algn="tl">
-                  <a:srgbClr val="000000">
-                    <a:alpha val="43137"/>
-                  </a:srgbClr>
-                </a:outerShdw>
-              </a:effectLst>
-              <a:latin typeface="Times New Roman" panose="02020603050405020304" pitchFamily="18" charset="0"/>
-              <a:cs typeface="Times New Roman" panose="02020603050405020304" pitchFamily="18" charset="0"/>
-            </a:endParaRPr>
+              <a:t>1.7 ON BROAD COMMUNICATION</a:t>
+            </a:r>
+          </a:p>
+        </p:txBody>
+      </p:sp>
+      <p:sp>
+        <p:nvSpPr>
+          <p:cNvPr id="4" name="TextBox 3"/>
+          <p:cNvSpPr txBox="1"/>
+          <p:nvPr/>
+        </p:nvSpPr>
+        <p:spPr>
+          <a:xfrm>
+            <a:off x="2817768" y="2777727"/>
+            <a:ext cx="11843657" cy="830997"/>
+          </a:xfrm>
+          <a:prstGeom prst="rect">
+            <a:avLst/>
+          </a:prstGeom>
+          <a:noFill/>
+        </p:spPr>
+        <p:txBody>
+          <a:bodyPr wrap="square" rtlCol="0">
+            <a:spAutoFit/>
+          </a:bodyPr>
+          <a:lstStyle/>
+          <a:p>
+            <a:pPr marL="342900" indent="-342900">
+              <a:buFont typeface="Arial" panose="020B0604020202020204" pitchFamily="34" charset="0"/>
+              <a:buChar char="•"/>
+            </a:pPr>
+            <a:r>
+              <a:rPr lang="en-US" sz="2400" dirty="0">
+                <a:latin typeface="Segoe UI Black" panose="020B0A02040204020203" pitchFamily="34" charset="0"/>
+                <a:cs typeface="Times New Roman" panose="02020603050405020304" pitchFamily="18" charset="0"/>
+              </a:rPr>
+              <a:t>Chức năng phát hiện nguồn (power detection)</a:t>
+            </a:r>
+          </a:p>
+          <a:p>
+            <a:pPr marL="342900" indent="-342900">
+              <a:buFont typeface="Arial" panose="020B0604020202020204" pitchFamily="34" charset="0"/>
+              <a:buChar char="•"/>
+            </a:pPr>
+            <a:r>
+              <a:rPr lang="en-US" sz="2400" dirty="0">
+                <a:latin typeface="Segoe UI Black" panose="020B0A02040204020203" pitchFamily="34" charset="0"/>
+                <a:cs typeface="Times New Roman" panose="02020603050405020304" pitchFamily="18" charset="0"/>
+              </a:rPr>
+              <a:t>Điều khiển nguồn ngoài Vext (Vext control)</a:t>
+            </a:r>
           </a:p>
         </p:txBody>
       </p:sp>
       <p:pic>
         <p:nvPicPr>
-          <p:cNvPr id="6" name="Picture 5"/>
+          <p:cNvPr id="5" name="Picture 4"/>
           <p:cNvPicPr>
             <a:picLocks noChangeAspect="1"/>
           </p:cNvPicPr>
@@ -3103,8 +4223,32 @@
         </p:blipFill>
         <p:spPr>
           <a:xfrm>
-            <a:off x="722811" y="1000040"/>
-            <a:ext cx="10894423" cy="5857960"/>
+            <a:off x="2817768" y="4143716"/>
+            <a:ext cx="7277100" cy="581025"/>
+          </a:xfrm>
+          <a:prstGeom prst="rect">
+            <a:avLst/>
+          </a:prstGeom>
+        </p:spPr>
+      </p:pic>
+      <p:pic>
+        <p:nvPicPr>
+          <p:cNvPr id="6" name="Picture 5"/>
+          <p:cNvPicPr>
+            <a:picLocks noChangeAspect="1"/>
+          </p:cNvPicPr>
+          <p:nvPr/>
+        </p:nvPicPr>
+        <p:blipFill>
+          <a:blip r:embed="rId3"/>
+          <a:stretch>
+            <a:fillRect/>
+          </a:stretch>
+        </p:blipFill>
+        <p:spPr>
+          <a:xfrm>
+            <a:off x="2817768" y="5481637"/>
+            <a:ext cx="7524750" cy="485775"/>
           </a:xfrm>
           <a:prstGeom prst="rect">
             <a:avLst/>
@@ -3114,7 +4258,7 @@
     </p:spTree>
     <p:extLst>
       <p:ext uri="{BB962C8B-B14F-4D97-AF65-F5344CB8AC3E}">
-        <p14:creationId xmlns:p14="http://schemas.microsoft.com/office/powerpoint/2010/main" val="50032627"/>
+        <p14:creationId xmlns:p14="http://schemas.microsoft.com/office/powerpoint/2010/main" val="85100687"/>
       </p:ext>
     </p:extLst>
   </p:cSld>
@@ -3155,7 +4299,7 @@
                                           </p:stCondLst>
                                         </p:cTn>
                                         <p:tgtEl>
-                                          <p:spTgt spid="4"/>
+                                          <p:spTgt spid="2"/>
                                         </p:tgtEl>
                                         <p:attrNameLst>
                                           <p:attrName>style.visibility</p:attrName>
@@ -3169,7 +4313,7 @@
                                       <p:cBhvr>
                                         <p:cTn id="7" dur="500"/>
                                         <p:tgtEl>
-                                          <p:spTgt spid="4"/>
+                                          <p:spTgt spid="2"/>
                                         </p:tgtEl>
                                       </p:cBhvr>
                                     </p:animEffect>
@@ -3208,518 +4352,6 @@
                                           </p:stCondLst>
                                         </p:cTn>
                                         <p:tgtEl>
-                                          <p:spTgt spid="5"/>
-                                        </p:tgtEl>
-                                        <p:attrNameLst>
-                                          <p:attrName>style.visibility</p:attrName>
-                                        </p:attrNameLst>
-                                      </p:cBhvr>
-                                      <p:to>
-                                        <p:strVal val="visible"/>
-                                      </p:to>
-                                    </p:set>
-                                    <p:animEffect transition="in" filter="randombar(horizontal)">
-                                      <p:cBhvr>
-                                        <p:cTn id="12" dur="500"/>
-                                        <p:tgtEl>
-                                          <p:spTgt spid="5"/>
-                                        </p:tgtEl>
-                                      </p:cBhvr>
-                                    </p:animEffect>
-                                  </p:childTnLst>
-                                </p:cTn>
-                              </p:par>
-                            </p:childTnLst>
-                          </p:cTn>
-                        </p:par>
-                      </p:childTnLst>
-                    </p:cTn>
-                  </p:par>
-                  <p:par>
-                    <p:cTn id="13" fill="hold">
-                      <p:stCondLst>
-                        <p:cond delay="indefinite"/>
-                      </p:stCondLst>
-                      <p:childTnLst>
-                        <p:par>
-                          <p:cTn id="14" fill="hold">
-                            <p:stCondLst>
-                              <p:cond delay="0"/>
-                            </p:stCondLst>
-                            <p:childTnLst>
-                              <p:par>
-                                <p:cTn id="15" presetID="22" presetClass="entr" presetSubtype="4" fill="hold" nodeType="clickEffect">
-                                  <p:stCondLst>
-                                    <p:cond delay="0"/>
-                                  </p:stCondLst>
-                                  <p:childTnLst>
-                                    <p:set>
-                                      <p:cBhvr>
-                                        <p:cTn id="16" dur="1" fill="hold">
-                                          <p:stCondLst>
-                                            <p:cond delay="0"/>
-                                          </p:stCondLst>
-                                        </p:cTn>
-                                        <p:tgtEl>
-                                          <p:spTgt spid="6"/>
-                                        </p:tgtEl>
-                                        <p:attrNameLst>
-                                          <p:attrName>style.visibility</p:attrName>
-                                        </p:attrNameLst>
-                                      </p:cBhvr>
-                                      <p:to>
-                                        <p:strVal val="visible"/>
-                                      </p:to>
-                                    </p:set>
-                                    <p:animEffect transition="in" filter="wipe(down)">
-                                      <p:cBhvr>
-                                        <p:cTn id="17" dur="500"/>
-                                        <p:tgtEl>
-                                          <p:spTgt spid="6"/>
-                                        </p:tgtEl>
-                                      </p:cBhvr>
-                                    </p:animEffect>
-                                  </p:childTnLst>
-                                </p:cTn>
-                              </p:par>
-                            </p:childTnLst>
-                          </p:cTn>
-                        </p:par>
-                      </p:childTnLst>
-                    </p:cTn>
-                  </p:par>
-                </p:childTnLst>
-              </p:cTn>
-              <p:prevCondLst>
-                <p:cond evt="onPrev" delay="0">
-                  <p:tgtEl>
-                    <p:sldTgt/>
-                  </p:tgtEl>
-                </p:cond>
-              </p:prevCondLst>
-              <p:nextCondLst>
-                <p:cond evt="onNext" delay="0">
-                  <p:tgtEl>
-                    <p:sldTgt/>
-                  </p:tgtEl>
-                </p:cond>
-              </p:nextCondLst>
-            </p:seq>
-          </p:childTnLst>
-        </p:cTn>
-      </p:par>
-    </p:tnLst>
-    <p:bldLst>
-      <p:bldP spid="4" grpId="0"/>
-      <p:bldP spid="5" grpId="0"/>
-    </p:bldLst>
-  </p:timing>
-</p:sld>
-</file>
-
-<file path=ppt/slides/slide10.xml><?xml version="1.0" encoding="utf-8"?>
-<p:sld xmlns:a="http://schemas.openxmlformats.org/drawingml/2006/main" xmlns:r="http://schemas.openxmlformats.org/officeDocument/2006/relationships" xmlns:p="http://schemas.openxmlformats.org/presentationml/2006/main">
-  <p:cSld>
-    <p:spTree>
-      <p:nvGrpSpPr>
-        <p:cNvPr id="1" name=""/>
-        <p:cNvGrpSpPr/>
-        <p:nvPr/>
-      </p:nvGrpSpPr>
-      <p:grpSpPr>
-        <a:xfrm>
-          <a:off x="0" y="0"/>
-          <a:ext cx="0" cy="0"/>
-          <a:chOff x="0" y="0"/>
-          <a:chExt cx="0" cy="0"/>
-        </a:xfrm>
-      </p:grpSpPr>
-      <p:sp>
-        <p:nvSpPr>
-          <p:cNvPr id="2" name="TextBox 1"/>
-          <p:cNvSpPr txBox="1"/>
-          <p:nvPr/>
-        </p:nvSpPr>
-        <p:spPr>
-          <a:xfrm>
-            <a:off x="0" y="-49794"/>
-            <a:ext cx="5422446" cy="646331"/>
-          </a:xfrm>
-          <a:prstGeom prst="rect">
-            <a:avLst/>
-          </a:prstGeom>
-          <a:noFill/>
-        </p:spPr>
-        <p:txBody>
-          <a:bodyPr wrap="none" rtlCol="0">
-            <a:spAutoFit/>
-          </a:bodyPr>
-          <a:lstStyle/>
-          <a:p>
-            <a:r>
-              <a:rPr lang="en-US" sz="3600" b="1" dirty="0" smtClean="0">
-                <a:solidFill>
-                  <a:srgbClr val="FF0000"/>
-                </a:solidFill>
-                <a:effectLst>
-                  <a:outerShdw blurRad="38100" dist="38100" dir="2700000" algn="tl">
-                    <a:srgbClr val="000000">
-                      <a:alpha val="43137"/>
-                    </a:srgbClr>
-                  </a:outerShdw>
-                </a:effectLst>
-                <a:latin typeface="Times New Roman" panose="02020603050405020304" pitchFamily="18" charset="0"/>
-                <a:cs typeface="Times New Roman" panose="02020603050405020304" pitchFamily="18" charset="0"/>
-              </a:rPr>
-              <a:t>1. PIN PORT IoT BROAD</a:t>
-            </a:r>
-            <a:endParaRPr lang="en-US" sz="3600" b="1" dirty="0">
-              <a:solidFill>
-                <a:srgbClr val="FF0000"/>
-              </a:solidFill>
-              <a:effectLst>
-                <a:outerShdw blurRad="38100" dist="38100" dir="2700000" algn="tl">
-                  <a:srgbClr val="000000">
-                    <a:alpha val="43137"/>
-                  </a:srgbClr>
-                </a:outerShdw>
-              </a:effectLst>
-              <a:latin typeface="Times New Roman" panose="02020603050405020304" pitchFamily="18" charset="0"/>
-              <a:cs typeface="Times New Roman" panose="02020603050405020304" pitchFamily="18" charset="0"/>
-            </a:endParaRPr>
-          </a:p>
-        </p:txBody>
-      </p:sp>
-      <p:sp>
-        <p:nvSpPr>
-          <p:cNvPr id="3" name="TextBox 2"/>
-          <p:cNvSpPr txBox="1"/>
-          <p:nvPr/>
-        </p:nvSpPr>
-        <p:spPr>
-          <a:xfrm>
-            <a:off x="348343" y="596537"/>
-            <a:ext cx="11843657" cy="461665"/>
-          </a:xfrm>
-          <a:prstGeom prst="rect">
-            <a:avLst/>
-          </a:prstGeom>
-          <a:noFill/>
-        </p:spPr>
-        <p:txBody>
-          <a:bodyPr wrap="square" rtlCol="0">
-            <a:spAutoFit/>
-          </a:bodyPr>
-          <a:lstStyle/>
-          <a:p>
-            <a:r>
-              <a:rPr lang="en-US" sz="2400" b="1" dirty="0" smtClean="0">
-                <a:effectLst>
-                  <a:outerShdw blurRad="38100" dist="38100" dir="2700000" algn="tl">
-                    <a:srgbClr val="000000">
-                      <a:alpha val="43137"/>
-                    </a:srgbClr>
-                  </a:outerShdw>
-                </a:effectLst>
-                <a:latin typeface="Times New Roman" panose="02020603050405020304" pitchFamily="18" charset="0"/>
-                <a:cs typeface="Times New Roman" panose="02020603050405020304" pitchFamily="18" charset="0"/>
-              </a:rPr>
-              <a:t>1.8 OUTSIDE BROAD COMMUNICATION</a:t>
-            </a:r>
-            <a:endParaRPr lang="en-US" sz="2400" b="1" dirty="0">
-              <a:effectLst>
-                <a:outerShdw blurRad="38100" dist="38100" dir="2700000" algn="tl">
-                  <a:srgbClr val="000000">
-                    <a:alpha val="43137"/>
-                  </a:srgbClr>
-                </a:outerShdw>
-              </a:effectLst>
-              <a:latin typeface="Times New Roman" panose="02020603050405020304" pitchFamily="18" charset="0"/>
-              <a:cs typeface="Times New Roman" panose="02020603050405020304" pitchFamily="18" charset="0"/>
-            </a:endParaRPr>
-          </a:p>
-        </p:txBody>
-      </p:sp>
-      <p:sp>
-        <p:nvSpPr>
-          <p:cNvPr id="4" name="TextBox 3"/>
-          <p:cNvSpPr txBox="1"/>
-          <p:nvPr/>
-        </p:nvSpPr>
-        <p:spPr>
-          <a:xfrm>
-            <a:off x="348342" y="1059374"/>
-            <a:ext cx="11843657" cy="3785652"/>
-          </a:xfrm>
-          <a:prstGeom prst="rect">
-            <a:avLst/>
-          </a:prstGeom>
-          <a:noFill/>
-        </p:spPr>
-        <p:txBody>
-          <a:bodyPr wrap="square" rtlCol="0">
-            <a:spAutoFit/>
-          </a:bodyPr>
-          <a:lstStyle/>
-          <a:p>
-            <a:pPr marL="342900" indent="-342900">
-              <a:buFont typeface="Arial" panose="020B0604020202020204" pitchFamily="34" charset="0"/>
-              <a:buChar char="•"/>
-            </a:pPr>
-            <a:r>
-              <a:rPr lang="en-US" sz="2400" dirty="0" smtClean="0">
-                <a:latin typeface="Times New Roman" panose="02020603050405020304" pitchFamily="18" charset="0"/>
-                <a:cs typeface="Times New Roman" panose="02020603050405020304" pitchFamily="18" charset="0"/>
-              </a:rPr>
-              <a:t>Giao tiếp UART</a:t>
-            </a:r>
-          </a:p>
-          <a:p>
-            <a:pPr marL="800100" lvl="1" indent="-342900">
-              <a:buFont typeface="Wingdings" panose="05000000000000000000" pitchFamily="2" charset="2"/>
-              <a:buChar char="Ø"/>
-            </a:pPr>
-            <a:r>
-              <a:rPr lang="en-US" sz="2400" dirty="0" smtClean="0">
-                <a:latin typeface="Times New Roman" panose="02020603050405020304" pitchFamily="18" charset="0"/>
-                <a:cs typeface="Times New Roman" panose="02020603050405020304" pitchFamily="18" charset="0"/>
-              </a:rPr>
-              <a:t>Gồm có 4 chân.</a:t>
-            </a:r>
-          </a:p>
-          <a:p>
-            <a:pPr marL="800100" lvl="1" indent="-342900">
-              <a:buFont typeface="Wingdings" panose="05000000000000000000" pitchFamily="2" charset="2"/>
-              <a:buChar char="Ø"/>
-            </a:pPr>
-            <a:r>
-              <a:rPr lang="en-US" sz="2400" dirty="0" smtClean="0">
-                <a:latin typeface="Times New Roman" panose="02020603050405020304" pitchFamily="18" charset="0"/>
-                <a:cs typeface="Times New Roman" panose="02020603050405020304" pitchFamily="18" charset="0"/>
-              </a:rPr>
-              <a:t>Được chia làm 2 kênh.</a:t>
-            </a:r>
-          </a:p>
-          <a:p>
-            <a:pPr marL="800100" lvl="1" indent="-342900">
-              <a:buFont typeface="Wingdings" panose="05000000000000000000" pitchFamily="2" charset="2"/>
-              <a:buChar char="Ø"/>
-            </a:pPr>
-            <a:endParaRPr lang="en-US" sz="2400" dirty="0">
-              <a:latin typeface="Times New Roman" panose="02020603050405020304" pitchFamily="18" charset="0"/>
-              <a:cs typeface="Times New Roman" panose="02020603050405020304" pitchFamily="18" charset="0"/>
-            </a:endParaRPr>
-          </a:p>
-          <a:p>
-            <a:pPr marL="800100" lvl="1" indent="-342900">
-              <a:buFont typeface="Wingdings" panose="05000000000000000000" pitchFamily="2" charset="2"/>
-              <a:buChar char="Ø"/>
-            </a:pPr>
-            <a:endParaRPr lang="en-US" sz="2400" dirty="0" smtClean="0">
-              <a:latin typeface="Times New Roman" panose="02020603050405020304" pitchFamily="18" charset="0"/>
-              <a:cs typeface="Times New Roman" panose="02020603050405020304" pitchFamily="18" charset="0"/>
-            </a:endParaRPr>
-          </a:p>
-          <a:p>
-            <a:pPr lvl="1"/>
-            <a:endParaRPr lang="en-US" sz="2400" dirty="0" smtClean="0">
-              <a:latin typeface="Times New Roman" panose="02020603050405020304" pitchFamily="18" charset="0"/>
-              <a:cs typeface="Times New Roman" panose="02020603050405020304" pitchFamily="18" charset="0"/>
-            </a:endParaRPr>
-          </a:p>
-          <a:p>
-            <a:pPr lvl="1"/>
-            <a:endParaRPr lang="en-US" sz="2400" dirty="0" smtClean="0">
-              <a:latin typeface="Times New Roman" panose="02020603050405020304" pitchFamily="18" charset="0"/>
-              <a:cs typeface="Times New Roman" panose="02020603050405020304" pitchFamily="18" charset="0"/>
-            </a:endParaRPr>
-          </a:p>
-          <a:p>
-            <a:pPr marL="342900" indent="-342900">
-              <a:buFont typeface="Arial" panose="020B0604020202020204" pitchFamily="34" charset="0"/>
-              <a:buChar char="•"/>
-            </a:pPr>
-            <a:r>
-              <a:rPr lang="en-US" sz="2400" dirty="0" smtClean="0">
-                <a:latin typeface="Times New Roman" panose="02020603050405020304" pitchFamily="18" charset="0"/>
-                <a:cs typeface="Times New Roman" panose="02020603050405020304" pitchFamily="18" charset="0"/>
-              </a:rPr>
-              <a:t>Giao tiếp I2C</a:t>
-            </a:r>
-          </a:p>
-          <a:p>
-            <a:pPr marL="800100" lvl="1" indent="-342900">
-              <a:buFont typeface="Wingdings" panose="05000000000000000000" pitchFamily="2" charset="2"/>
-              <a:buChar char="Ø"/>
-            </a:pPr>
-            <a:r>
-              <a:rPr lang="en-US" sz="2400" dirty="0" smtClean="0">
-                <a:latin typeface="Times New Roman" panose="02020603050405020304" pitchFamily="18" charset="0"/>
-                <a:cs typeface="Times New Roman" panose="02020603050405020304" pitchFamily="18" charset="0"/>
-              </a:rPr>
-              <a:t>Gồm có 2 chân</a:t>
-            </a:r>
-          </a:p>
-          <a:p>
-            <a:pPr marL="800100" lvl="1" indent="-342900">
-              <a:buFont typeface="Wingdings" panose="05000000000000000000" pitchFamily="2" charset="2"/>
-              <a:buChar char="Ø"/>
-            </a:pPr>
-            <a:r>
-              <a:rPr lang="en-US" sz="2400" dirty="0" smtClean="0">
-                <a:latin typeface="Times New Roman" panose="02020603050405020304" pitchFamily="18" charset="0"/>
-                <a:cs typeface="Times New Roman" panose="02020603050405020304" pitchFamily="18" charset="0"/>
-              </a:rPr>
-              <a:t>SCL (22), SDA (21)</a:t>
-            </a:r>
-          </a:p>
-        </p:txBody>
-      </p:sp>
-      <p:pic>
-        <p:nvPicPr>
-          <p:cNvPr id="7" name="Picture 6"/>
-          <p:cNvPicPr>
-            <a:picLocks noChangeAspect="1"/>
-          </p:cNvPicPr>
-          <p:nvPr/>
-        </p:nvPicPr>
-        <p:blipFill>
-          <a:blip r:embed="rId2"/>
-          <a:stretch>
-            <a:fillRect/>
-          </a:stretch>
-        </p:blipFill>
-        <p:spPr>
-          <a:xfrm>
-            <a:off x="5422446" y="1058202"/>
-            <a:ext cx="5400675" cy="1695450"/>
-          </a:xfrm>
-          <a:prstGeom prst="rect">
-            <a:avLst/>
-          </a:prstGeom>
-        </p:spPr>
-      </p:pic>
-      <p:pic>
-        <p:nvPicPr>
-          <p:cNvPr id="8" name="Picture 7"/>
-          <p:cNvPicPr>
-            <a:picLocks noChangeAspect="1"/>
-          </p:cNvPicPr>
-          <p:nvPr/>
-        </p:nvPicPr>
-        <p:blipFill>
-          <a:blip r:embed="rId3"/>
-          <a:stretch>
-            <a:fillRect/>
-          </a:stretch>
-        </p:blipFill>
-        <p:spPr>
-          <a:xfrm>
-            <a:off x="5422446" y="3929309"/>
-            <a:ext cx="4215543" cy="828608"/>
-          </a:xfrm>
-          <a:prstGeom prst="rect">
-            <a:avLst/>
-          </a:prstGeom>
-        </p:spPr>
-      </p:pic>
-    </p:spTree>
-    <p:extLst>
-      <p:ext uri="{BB962C8B-B14F-4D97-AF65-F5344CB8AC3E}">
-        <p14:creationId xmlns:p14="http://schemas.microsoft.com/office/powerpoint/2010/main" val="3393430553"/>
-      </p:ext>
-    </p:extLst>
-  </p:cSld>
-  <p:clrMapOvr>
-    <a:masterClrMapping/>
-  </p:clrMapOvr>
-  <p:timing>
-    <p:tnLst>
-      <p:par>
-        <p:cTn id="1" dur="indefinite" restart="never" nodeType="tmRoot">
-          <p:childTnLst>
-            <p:seq concurrent="1" nextAc="seek">
-              <p:cTn id="2" dur="indefinite" nodeType="mainSeq">
-                <p:childTnLst>
-                  <p:par>
-                    <p:cTn id="3" fill="hold">
-                      <p:stCondLst>
-                        <p:cond delay="indefinite"/>
-                      </p:stCondLst>
-                      <p:childTnLst>
-                        <p:par>
-                          <p:cTn id="4" fill="hold">
-                            <p:stCondLst>
-                              <p:cond delay="0"/>
-                            </p:stCondLst>
-                            <p:childTnLst>
-                              <p:par>
-                                <p:cTn id="5" presetID="14" presetClass="entr" presetSubtype="10" fill="hold" grpId="0" nodeType="clickEffect">
-                                  <p:stCondLst>
-                                    <p:cond delay="0"/>
-                                  </p:stCondLst>
-                                  <p:childTnLst>
-                                    <p:set>
-                                      <p:cBhvr>
-                                        <p:cTn id="6" dur="1" fill="hold">
-                                          <p:stCondLst>
-                                            <p:cond delay="0"/>
-                                          </p:stCondLst>
-                                        </p:cTn>
-                                        <p:tgtEl>
-                                          <p:spTgt spid="2"/>
-                                        </p:tgtEl>
-                                        <p:attrNameLst>
-                                          <p:attrName>style.visibility</p:attrName>
-                                        </p:attrNameLst>
-                                      </p:cBhvr>
-                                      <p:to>
-                                        <p:strVal val="visible"/>
-                                      </p:to>
-                                    </p:set>
-                                    <p:animEffect transition="in" filter="randombar(horizontal)">
-                                      <p:cBhvr>
-                                        <p:cTn id="7" dur="500"/>
-                                        <p:tgtEl>
-                                          <p:spTgt spid="2"/>
-                                        </p:tgtEl>
-                                      </p:cBhvr>
-                                    </p:animEffect>
-                                  </p:childTnLst>
-                                </p:cTn>
-                              </p:par>
-                            </p:childTnLst>
-                          </p:cTn>
-                        </p:par>
-                      </p:childTnLst>
-                    </p:cTn>
-                  </p:par>
-                  <p:par>
-                    <p:cTn id="8" fill="hold">
-                      <p:stCondLst>
-                        <p:cond delay="indefinite"/>
-                      </p:stCondLst>
-                      <p:childTnLst>
-                        <p:par>
-                          <p:cTn id="9" fill="hold">
-                            <p:stCondLst>
-                              <p:cond delay="0"/>
-                            </p:stCondLst>
-                            <p:childTnLst>
-                              <p:par>
-                                <p:cTn id="10" presetID="14" presetClass="entr" presetSubtype="10" fill="hold" grpId="0" nodeType="clickEffect">
-                                  <p:stCondLst>
-                                    <p:cond delay="0"/>
-                                  </p:stCondLst>
-                                  <p:childTnLst>
-                                    <p:set>
-                                      <p:cBhvr>
-                                        <p:cTn id="11" dur="1" fill="hold">
-                                          <p:stCondLst>
-                                            <p:cond delay="0"/>
-                                          </p:stCondLst>
-                                        </p:cTn>
-                                        <p:tgtEl>
                                           <p:spTgt spid="3"/>
                                         </p:tgtEl>
                                         <p:attrNameLst>
@@ -3813,7 +4445,7 @@
                             </p:stCondLst>
                             <p:childTnLst>
                               <p:par>
-                                <p:cTn id="20" presetID="52" presetClass="entr" presetSubtype="0" fill="hold" nodeType="clickEffect">
+                                <p:cTn id="20" presetID="43" presetClass="entr" presetSubtype="0" fill="hold" nodeType="clickEffect">
                                   <p:stCondLst>
                                     <p:cond delay="0"/>
                                   </p:stCondLst>
@@ -3826,7 +4458,7 @@
                                           </p:stCondLst>
                                         </p:cTn>
                                         <p:tgtEl>
-                                          <p:spTgt spid="7"/>
+                                          <p:spTgt spid="5"/>
                                         </p:tgtEl>
                                         <p:attrNameLst>
                                           <p:attrName>style.visibility</p:attrName>
@@ -3836,44 +4468,304 @@
                                         <p:strVal val="visible"/>
                                       </p:to>
                                     </p:set>
-                                    <p:animScale>
-                                      <p:cBhvr>
-                                        <p:cTn id="22" dur="1000" decel="50000" fill="hold">
+                                    <p:animEffect transition="in" filter="fade">
+                                      <p:cBhvr>
+                                        <p:cTn id="22" dur="100"/>
+                                        <p:tgtEl>
+                                          <p:spTgt spid="5"/>
+                                        </p:tgtEl>
+                                      </p:cBhvr>
+                                    </p:animEffect>
+                                    <p:anim calcmode="lin" valueType="num">
+                                      <p:cBhvr>
+                                        <p:cTn id="23" dur="400" fill="hold"/>
+                                        <p:tgtEl>
+                                          <p:spTgt spid="5"/>
+                                        </p:tgtEl>
+                                        <p:attrNameLst>
+                                          <p:attrName>ppt_x</p:attrName>
+                                        </p:attrNameLst>
+                                      </p:cBhvr>
+                                      <p:tavLst>
+                                        <p:tav tm="0">
+                                          <p:val>
+                                            <p:strVal val="#ppt_x"/>
+                                          </p:val>
+                                        </p:tav>
+                                        <p:tav tm="100000">
+                                          <p:val>
+                                            <p:strVal val="#ppt_x"/>
+                                          </p:val>
+                                        </p:tav>
+                                      </p:tavLst>
+                                    </p:anim>
+                                    <p:anim calcmode="lin" valueType="num">
+                                      <p:cBhvr>
+                                        <p:cTn id="24" dur="400" fill="hold"/>
+                                        <p:tgtEl>
+                                          <p:spTgt spid="5"/>
+                                        </p:tgtEl>
+                                        <p:attrNameLst>
+                                          <p:attrName>ppt_y</p:attrName>
+                                        </p:attrNameLst>
+                                      </p:cBhvr>
+                                      <p:tavLst>
+                                        <p:tav tm="0">
+                                          <p:val>
+                                            <p:strVal val="#ppt_y+0.31"/>
+                                          </p:val>
+                                        </p:tav>
+                                        <p:tav tm="100000">
+                                          <p:val>
+                                            <p:strVal val="#ppt_y+0.31"/>
+                                          </p:val>
+                                        </p:tav>
+                                      </p:tavLst>
+                                    </p:anim>
+                                    <p:anim calcmode="lin" valueType="num">
+                                      <p:cBhvr>
+                                        <p:cTn id="25" dur="600" decel="50000" fill="hold">
                                           <p:stCondLst>
-                                            <p:cond delay="0"/>
+                                            <p:cond delay="400"/>
                                           </p:stCondLst>
                                         </p:cTn>
                                         <p:tgtEl>
-                                          <p:spTgt spid="7"/>
-                                        </p:tgtEl>
-                                      </p:cBhvr>
-                                      <p:from x="250000" y="250000"/>
-                                      <p:to x="100000" y="100000"/>
-                                    </p:animScale>
-                                    <p:animMotion origin="layout" path="M -0.46736 0.92887  C -0.37517 0.88508  -0.02552 0.75279  0.0908 0.66613  C  0.20747 0.57948  0.21649 0.50394  0.23177 0.40825  C 0.24705 0.31256  0.22118 0.15964   0.18264 0.09152  C 0.1441 0.02341  0.03802 0.0  0.0 0.0  " pathEditMode="relative" ptsTypes="">
-                                      <p:cBhvr>
-                                        <p:cTn id="23" dur="1000" decel="50000" fill="hold">
+                                          <p:spTgt spid="5"/>
+                                        </p:tgtEl>
+                                        <p:attrNameLst>
+                                          <p:attrName>ppt_x</p:attrName>
+                                        </p:attrNameLst>
+                                      </p:cBhvr>
+                                      <p:tavLst>
+                                        <p:tav tm="0">
+                                          <p:val>
+                                            <p:strVal val="#ppt_x"/>
+                                          </p:val>
+                                        </p:tav>
+                                        <p:tav tm="5000">
+                                          <p:val>
+                                            <p:strVal val="#ppt_x+0.0242"/>
+                                          </p:val>
+                                        </p:tav>
+                                        <p:tav tm="10000">
+                                          <p:val>
+                                            <p:strVal val="#ppt_x+0.0479"/>
+                                          </p:val>
+                                        </p:tav>
+                                        <p:tav tm="15000">
+                                          <p:val>
+                                            <p:strVal val="#ppt_x+0.0704"/>
+                                          </p:val>
+                                        </p:tav>
+                                        <p:tav tm="20000">
+                                          <p:val>
+                                            <p:strVal val="#ppt_x+0.0911"/>
+                                          </p:val>
+                                        </p:tav>
+                                        <p:tav tm="25000">
+                                          <p:val>
+                                            <p:strVal val="#ppt_x+0.1096"/>
+                                          </p:val>
+                                        </p:tav>
+                                        <p:tav tm="30000">
+                                          <p:val>
+                                            <p:strVal val="#ppt_x+0.1254"/>
+                                          </p:val>
+                                        </p:tav>
+                                        <p:tav tm="35000">
+                                          <p:val>
+                                            <p:strVal val="#ppt_x+0.1381"/>
+                                          </p:val>
+                                        </p:tav>
+                                        <p:tav tm="40000">
+                                          <p:val>
+                                            <p:strVal val="#ppt_x+0.1474"/>
+                                          </p:val>
+                                        </p:tav>
+                                        <p:tav tm="45000">
+                                          <p:val>
+                                            <p:strVal val="#ppt_x+0.1531"/>
+                                          </p:val>
+                                        </p:tav>
+                                        <p:tav tm="50000">
+                                          <p:val>
+                                            <p:strVal val="#ppt_x+0.1550"/>
+                                          </p:val>
+                                        </p:tav>
+                                        <p:tav tm="55000">
+                                          <p:val>
+                                            <p:strVal val="#ppt_x+0.1531"/>
+                                          </p:val>
+                                        </p:tav>
+                                        <p:tav tm="60000">
+                                          <p:val>
+                                            <p:strVal val="#ppt_x+0.1474"/>
+                                          </p:val>
+                                        </p:tav>
+                                        <p:tav tm="65000">
+                                          <p:val>
+                                            <p:strVal val="#ppt_x+0.1381"/>
+                                          </p:val>
+                                        </p:tav>
+                                        <p:tav tm="70000">
+                                          <p:val>
+                                            <p:strVal val="#ppt_x+0.1254"/>
+                                          </p:val>
+                                        </p:tav>
+                                        <p:tav tm="75000">
+                                          <p:val>
+                                            <p:strVal val="#ppt_x+0.1096"/>
+                                          </p:val>
+                                        </p:tav>
+                                        <p:tav tm="80000">
+                                          <p:val>
+                                            <p:strVal val="#ppt_x+0.0911"/>
+                                          </p:val>
+                                        </p:tav>
+                                        <p:tav tm="85000">
+                                          <p:val>
+                                            <p:strVal val="#ppt_x+0.0704"/>
+                                          </p:val>
+                                        </p:tav>
+                                        <p:tav tm="90000">
+                                          <p:val>
+                                            <p:strVal val="#ppt_x+0.0479"/>
+                                          </p:val>
+                                        </p:tav>
+                                        <p:tav tm="95000">
+                                          <p:val>
+                                            <p:strVal val="#ppt_x+0.0242"/>
+                                          </p:val>
+                                        </p:tav>
+                                        <p:tav tm="100000">
+                                          <p:val>
+                                            <p:strVal val="#ppt_x"/>
+                                          </p:val>
+                                        </p:tav>
+                                      </p:tavLst>
+                                    </p:anim>
+                                    <p:anim calcmode="lin" valueType="num">
+                                      <p:cBhvr>
+                                        <p:cTn id="26" dur="600" decel="50000" fill="hold">
                                           <p:stCondLst>
-                                            <p:cond delay="0"/>
+                                            <p:cond delay="400"/>
                                           </p:stCondLst>
                                         </p:cTn>
                                         <p:tgtEl>
-                                          <p:spTgt spid="7"/>
+                                          <p:spTgt spid="5"/>
                                         </p:tgtEl>
                                         <p:attrNameLst>
-                                          <p:attrName>ppt_x</p:attrName>
                                           <p:attrName>ppt_y</p:attrName>
                                         </p:attrNameLst>
                                       </p:cBhvr>
-                                    </p:animMotion>
-                                    <p:animEffect transition="in" filter="fade">
-                                      <p:cBhvr>
-                                        <p:cTn id="24" dur="1000"/>
-                                        <p:tgtEl>
-                                          <p:spTgt spid="7"/>
-                                        </p:tgtEl>
-                                      </p:cBhvr>
-                                    </p:animEffect>
+                                      <p:tavLst>
+                                        <p:tav tm="0">
+                                          <p:val>
+                                            <p:strVal val="#ppt_y+0.31"/>
+                                          </p:val>
+                                        </p:tav>
+                                        <p:tav tm="5000">
+                                          <p:val>
+                                            <p:strVal val="#ppt_y+0.308"/>
+                                          </p:val>
+                                        </p:tav>
+                                        <p:tav tm="10000">
+                                          <p:val>
+                                            <p:strVal val="#ppt_y+0.3024"/>
+                                          </p:val>
+                                        </p:tav>
+                                        <p:tav tm="15000">
+                                          <p:val>
+                                            <p:strVal val="#ppt_y+0.2931"/>
+                                          </p:val>
+                                        </p:tav>
+                                        <p:tav tm="20000">
+                                          <p:val>
+                                            <p:strVal val="#ppt_y+0.2804"/>
+                                          </p:val>
+                                        </p:tav>
+                                        <p:tav tm="25000">
+                                          <p:val>
+                                            <p:strVal val="#ppt_y+0.2646"/>
+                                          </p:val>
+                                        </p:tav>
+                                        <p:tav tm="30000">
+                                          <p:val>
+                                            <p:strVal val="#ppt_y+0.2461"/>
+                                          </p:val>
+                                        </p:tav>
+                                        <p:tav tm="35000">
+                                          <p:val>
+                                            <p:strVal val="#ppt_y+0.2253"/>
+                                          </p:val>
+                                        </p:tav>
+                                        <p:tav tm="40000">
+                                          <p:val>
+                                            <p:strVal val="#ppt_y+0.2029"/>
+                                          </p:val>
+                                        </p:tav>
+                                        <p:tav tm="45000">
+                                          <p:val>
+                                            <p:strVal val="#ppt_y+0.1792"/>
+                                          </p:val>
+                                        </p:tav>
+                                        <p:tav tm="50000">
+                                          <p:val>
+                                            <p:strVal val="#ppt_y+0.155"/>
+                                          </p:val>
+                                        </p:tav>
+                                        <p:tav tm="55000">
+                                          <p:val>
+                                            <p:strVal val="#ppt_y+0.1307"/>
+                                          </p:val>
+                                        </p:tav>
+                                        <p:tav tm="60000">
+                                          <p:val>
+                                            <p:strVal val="#ppt_y+0.1071"/>
+                                          </p:val>
+                                        </p:tav>
+                                        <p:tav tm="65000">
+                                          <p:val>
+                                            <p:strVal val="#ppt_y+0.0846"/>
+                                          </p:val>
+                                        </p:tav>
+                                        <p:tav tm="70000">
+                                          <p:val>
+                                            <p:strVal val="#ppt_y+0.0639"/>
+                                          </p:val>
+                                        </p:tav>
+                                        <p:tav tm="75000">
+                                          <p:val>
+                                            <p:strVal val="#ppt_y+0.0454"/>
+                                          </p:val>
+                                        </p:tav>
+                                        <p:tav tm="80000">
+                                          <p:val>
+                                            <p:strVal val="#ppt_y+0.0296"/>
+                                          </p:val>
+                                        </p:tav>
+                                        <p:tav tm="85000">
+                                          <p:val>
+                                            <p:strVal val="#ppt_y+0.0169"/>
+                                          </p:val>
+                                        </p:tav>
+                                        <p:tav tm="90000">
+                                          <p:val>
+                                            <p:strVal val="#ppt_y+0.0076"/>
+                                          </p:val>
+                                        </p:tav>
+                                        <p:tav tm="95000">
+                                          <p:val>
+                                            <p:strVal val="#ppt_y+0.0019"/>
+                                          </p:val>
+                                        </p:tav>
+                                        <p:tav tm="100000">
+                                          <p:val>
+                                            <p:strVal val="#ppt_y"/>
+                                          </p:val>
+                                        </p:tav>
+                                      </p:tavLst>
+                                    </p:anim>
                                   </p:childTnLst>
                                 </p:cTn>
                               </p:par>
@@ -3884,32 +4776,32 @@
                     </p:cTn>
                   </p:par>
                   <p:par>
-                    <p:cTn id="25" fill="hold">
+                    <p:cTn id="27" fill="hold">
                       <p:stCondLst>
                         <p:cond delay="indefinite"/>
                       </p:stCondLst>
                       <p:childTnLst>
                         <p:par>
-                          <p:cTn id="26" fill="hold">
+                          <p:cTn id="28" fill="hold">
                             <p:stCondLst>
                               <p:cond delay="0"/>
                             </p:stCondLst>
                             <p:childTnLst>
                               <p:par>
-                                <p:cTn id="27" presetID="52" presetClass="entr" presetSubtype="0" fill="hold" nodeType="clickEffect">
+                                <p:cTn id="29" presetID="43" presetClass="entr" presetSubtype="0" fill="hold" nodeType="clickEffect">
                                   <p:stCondLst>
                                     <p:cond delay="0"/>
                                   </p:stCondLst>
                                   <p:childTnLst>
                                     <p:set>
                                       <p:cBhvr>
-                                        <p:cTn id="28" dur="1" fill="hold">
+                                        <p:cTn id="30" dur="1" fill="hold">
                                           <p:stCondLst>
                                             <p:cond delay="0"/>
                                           </p:stCondLst>
                                         </p:cTn>
                                         <p:tgtEl>
-                                          <p:spTgt spid="8"/>
+                                          <p:spTgt spid="6"/>
                                         </p:tgtEl>
                                         <p:attrNameLst>
                                           <p:attrName>style.visibility</p:attrName>
@@ -3919,44 +4811,304 @@
                                         <p:strVal val="visible"/>
                                       </p:to>
                                     </p:set>
-                                    <p:animScale>
-                                      <p:cBhvr>
-                                        <p:cTn id="29" dur="1000" decel="50000" fill="hold">
+                                    <p:animEffect transition="in" filter="fade">
+                                      <p:cBhvr>
+                                        <p:cTn id="31" dur="100"/>
+                                        <p:tgtEl>
+                                          <p:spTgt spid="6"/>
+                                        </p:tgtEl>
+                                      </p:cBhvr>
+                                    </p:animEffect>
+                                    <p:anim calcmode="lin" valueType="num">
+                                      <p:cBhvr>
+                                        <p:cTn id="32" dur="400" fill="hold"/>
+                                        <p:tgtEl>
+                                          <p:spTgt spid="6"/>
+                                        </p:tgtEl>
+                                        <p:attrNameLst>
+                                          <p:attrName>ppt_x</p:attrName>
+                                        </p:attrNameLst>
+                                      </p:cBhvr>
+                                      <p:tavLst>
+                                        <p:tav tm="0">
+                                          <p:val>
+                                            <p:strVal val="#ppt_x"/>
+                                          </p:val>
+                                        </p:tav>
+                                        <p:tav tm="100000">
+                                          <p:val>
+                                            <p:strVal val="#ppt_x"/>
+                                          </p:val>
+                                        </p:tav>
+                                      </p:tavLst>
+                                    </p:anim>
+                                    <p:anim calcmode="lin" valueType="num">
+                                      <p:cBhvr>
+                                        <p:cTn id="33" dur="400" fill="hold"/>
+                                        <p:tgtEl>
+                                          <p:spTgt spid="6"/>
+                                        </p:tgtEl>
+                                        <p:attrNameLst>
+                                          <p:attrName>ppt_y</p:attrName>
+                                        </p:attrNameLst>
+                                      </p:cBhvr>
+                                      <p:tavLst>
+                                        <p:tav tm="0">
+                                          <p:val>
+                                            <p:strVal val="#ppt_y+0.31"/>
+                                          </p:val>
+                                        </p:tav>
+                                        <p:tav tm="100000">
+                                          <p:val>
+                                            <p:strVal val="#ppt_y+0.31"/>
+                                          </p:val>
+                                        </p:tav>
+                                      </p:tavLst>
+                                    </p:anim>
+                                    <p:anim calcmode="lin" valueType="num">
+                                      <p:cBhvr>
+                                        <p:cTn id="34" dur="600" decel="50000" fill="hold">
                                           <p:stCondLst>
-                                            <p:cond delay="0"/>
+                                            <p:cond delay="400"/>
                                           </p:stCondLst>
                                         </p:cTn>
                                         <p:tgtEl>
-                                          <p:spTgt spid="8"/>
-                                        </p:tgtEl>
-                                      </p:cBhvr>
-                                      <p:from x="250000" y="250000"/>
-                                      <p:to x="100000" y="100000"/>
-                                    </p:animScale>
-                                    <p:animMotion origin="layout" path="M -0.46736 0.92887  C -0.37517 0.88508  -0.02552 0.75279  0.0908 0.66613  C  0.20747 0.57948  0.21649 0.50394  0.23177 0.40825  C 0.24705 0.31256  0.22118 0.15964   0.18264 0.09152  C 0.1441 0.02341  0.03802 0.0  0.0 0.0  " pathEditMode="relative" ptsTypes="">
-                                      <p:cBhvr>
-                                        <p:cTn id="30" dur="1000" decel="50000" fill="hold">
+                                          <p:spTgt spid="6"/>
+                                        </p:tgtEl>
+                                        <p:attrNameLst>
+                                          <p:attrName>ppt_x</p:attrName>
+                                        </p:attrNameLst>
+                                      </p:cBhvr>
+                                      <p:tavLst>
+                                        <p:tav tm="0">
+                                          <p:val>
+                                            <p:strVal val="#ppt_x"/>
+                                          </p:val>
+                                        </p:tav>
+                                        <p:tav tm="5000">
+                                          <p:val>
+                                            <p:strVal val="#ppt_x+0.0242"/>
+                                          </p:val>
+                                        </p:tav>
+                                        <p:tav tm="10000">
+                                          <p:val>
+                                            <p:strVal val="#ppt_x+0.0479"/>
+                                          </p:val>
+                                        </p:tav>
+                                        <p:tav tm="15000">
+                                          <p:val>
+                                            <p:strVal val="#ppt_x+0.0704"/>
+                                          </p:val>
+                                        </p:tav>
+                                        <p:tav tm="20000">
+                                          <p:val>
+                                            <p:strVal val="#ppt_x+0.0911"/>
+                                          </p:val>
+                                        </p:tav>
+                                        <p:tav tm="25000">
+                                          <p:val>
+                                            <p:strVal val="#ppt_x+0.1096"/>
+                                          </p:val>
+                                        </p:tav>
+                                        <p:tav tm="30000">
+                                          <p:val>
+                                            <p:strVal val="#ppt_x+0.1254"/>
+                                          </p:val>
+                                        </p:tav>
+                                        <p:tav tm="35000">
+                                          <p:val>
+                                            <p:strVal val="#ppt_x+0.1381"/>
+                                          </p:val>
+                                        </p:tav>
+                                        <p:tav tm="40000">
+                                          <p:val>
+                                            <p:strVal val="#ppt_x+0.1474"/>
+                                          </p:val>
+                                        </p:tav>
+                                        <p:tav tm="45000">
+                                          <p:val>
+                                            <p:strVal val="#ppt_x+0.1531"/>
+                                          </p:val>
+                                        </p:tav>
+                                        <p:tav tm="50000">
+                                          <p:val>
+                                            <p:strVal val="#ppt_x+0.1550"/>
+                                          </p:val>
+                                        </p:tav>
+                                        <p:tav tm="55000">
+                                          <p:val>
+                                            <p:strVal val="#ppt_x+0.1531"/>
+                                          </p:val>
+                                        </p:tav>
+                                        <p:tav tm="60000">
+                                          <p:val>
+                                            <p:strVal val="#ppt_x+0.1474"/>
+                                          </p:val>
+                                        </p:tav>
+                                        <p:tav tm="65000">
+                                          <p:val>
+                                            <p:strVal val="#ppt_x+0.1381"/>
+                                          </p:val>
+                                        </p:tav>
+                                        <p:tav tm="70000">
+                                          <p:val>
+                                            <p:strVal val="#ppt_x+0.1254"/>
+                                          </p:val>
+                                        </p:tav>
+                                        <p:tav tm="75000">
+                                          <p:val>
+                                            <p:strVal val="#ppt_x+0.1096"/>
+                                          </p:val>
+                                        </p:tav>
+                                        <p:tav tm="80000">
+                                          <p:val>
+                                            <p:strVal val="#ppt_x+0.0911"/>
+                                          </p:val>
+                                        </p:tav>
+                                        <p:tav tm="85000">
+                                          <p:val>
+                                            <p:strVal val="#ppt_x+0.0704"/>
+                                          </p:val>
+                                        </p:tav>
+                                        <p:tav tm="90000">
+                                          <p:val>
+                                            <p:strVal val="#ppt_x+0.0479"/>
+                                          </p:val>
+                                        </p:tav>
+                                        <p:tav tm="95000">
+                                          <p:val>
+                                            <p:strVal val="#ppt_x+0.0242"/>
+                                          </p:val>
+                                        </p:tav>
+                                        <p:tav tm="100000">
+                                          <p:val>
+                                            <p:strVal val="#ppt_x"/>
+                                          </p:val>
+                                        </p:tav>
+                                      </p:tavLst>
+                                    </p:anim>
+                                    <p:anim calcmode="lin" valueType="num">
+                                      <p:cBhvr>
+                                        <p:cTn id="35" dur="600" decel="50000" fill="hold">
                                           <p:stCondLst>
-                                            <p:cond delay="0"/>
+                                            <p:cond delay="400"/>
                                           </p:stCondLst>
                                         </p:cTn>
                                         <p:tgtEl>
-                                          <p:spTgt spid="8"/>
+                                          <p:spTgt spid="6"/>
                                         </p:tgtEl>
                                         <p:attrNameLst>
-                                          <p:attrName>ppt_x</p:attrName>
                                           <p:attrName>ppt_y</p:attrName>
                                         </p:attrNameLst>
                                       </p:cBhvr>
-                                    </p:animMotion>
-                                    <p:animEffect transition="in" filter="fade">
-                                      <p:cBhvr>
-                                        <p:cTn id="31" dur="1000"/>
-                                        <p:tgtEl>
-                                          <p:spTgt spid="8"/>
-                                        </p:tgtEl>
-                                      </p:cBhvr>
-                                    </p:animEffect>
+                                      <p:tavLst>
+                                        <p:tav tm="0">
+                                          <p:val>
+                                            <p:strVal val="#ppt_y+0.31"/>
+                                          </p:val>
+                                        </p:tav>
+                                        <p:tav tm="5000">
+                                          <p:val>
+                                            <p:strVal val="#ppt_y+0.308"/>
+                                          </p:val>
+                                        </p:tav>
+                                        <p:tav tm="10000">
+                                          <p:val>
+                                            <p:strVal val="#ppt_y+0.3024"/>
+                                          </p:val>
+                                        </p:tav>
+                                        <p:tav tm="15000">
+                                          <p:val>
+                                            <p:strVal val="#ppt_y+0.2931"/>
+                                          </p:val>
+                                        </p:tav>
+                                        <p:tav tm="20000">
+                                          <p:val>
+                                            <p:strVal val="#ppt_y+0.2804"/>
+                                          </p:val>
+                                        </p:tav>
+                                        <p:tav tm="25000">
+                                          <p:val>
+                                            <p:strVal val="#ppt_y+0.2646"/>
+                                          </p:val>
+                                        </p:tav>
+                                        <p:tav tm="30000">
+                                          <p:val>
+                                            <p:strVal val="#ppt_y+0.2461"/>
+                                          </p:val>
+                                        </p:tav>
+                                        <p:tav tm="35000">
+                                          <p:val>
+                                            <p:strVal val="#ppt_y+0.2253"/>
+                                          </p:val>
+                                        </p:tav>
+                                        <p:tav tm="40000">
+                                          <p:val>
+                                            <p:strVal val="#ppt_y+0.2029"/>
+                                          </p:val>
+                                        </p:tav>
+                                        <p:tav tm="45000">
+                                          <p:val>
+                                            <p:strVal val="#ppt_y+0.1792"/>
+                                          </p:val>
+                                        </p:tav>
+                                        <p:tav tm="50000">
+                                          <p:val>
+                                            <p:strVal val="#ppt_y+0.155"/>
+                                          </p:val>
+                                        </p:tav>
+                                        <p:tav tm="55000">
+                                          <p:val>
+                                            <p:strVal val="#ppt_y+0.1307"/>
+                                          </p:val>
+                                        </p:tav>
+                                        <p:tav tm="60000">
+                                          <p:val>
+                                            <p:strVal val="#ppt_y+0.1071"/>
+                                          </p:val>
+                                        </p:tav>
+                                        <p:tav tm="65000">
+                                          <p:val>
+                                            <p:strVal val="#ppt_y+0.0846"/>
+                                          </p:val>
+                                        </p:tav>
+                                        <p:tav tm="70000">
+                                          <p:val>
+                                            <p:strVal val="#ppt_y+0.0639"/>
+                                          </p:val>
+                                        </p:tav>
+                                        <p:tav tm="75000">
+                                          <p:val>
+                                            <p:strVal val="#ppt_y+0.0454"/>
+                                          </p:val>
+                                        </p:tav>
+                                        <p:tav tm="80000">
+                                          <p:val>
+                                            <p:strVal val="#ppt_y+0.0296"/>
+                                          </p:val>
+                                        </p:tav>
+                                        <p:tav tm="85000">
+                                          <p:val>
+                                            <p:strVal val="#ppt_y+0.0169"/>
+                                          </p:val>
+                                        </p:tav>
+                                        <p:tav tm="90000">
+                                          <p:val>
+                                            <p:strVal val="#ppt_y+0.0076"/>
+                                          </p:val>
+                                        </p:tav>
+                                        <p:tav tm="95000">
+                                          <p:val>
+                                            <p:strVal val="#ppt_y+0.0019"/>
+                                          </p:val>
+                                        </p:tav>
+                                        <p:tav tm="100000">
+                                          <p:val>
+                                            <p:strVal val="#ppt_y"/>
+                                          </p:val>
+                                        </p:tav>
+                                      </p:tavLst>
+                                    </p:anim>
                                   </p:childTnLst>
                                 </p:cTn>
                               </p:par>
@@ -4021,8 +5173,8 @@
         </p:nvSpPr>
         <p:spPr>
           <a:xfrm>
-            <a:off x="0" y="-49794"/>
-            <a:ext cx="5422446" cy="646331"/>
+            <a:off x="2177141" y="120027"/>
+            <a:ext cx="5599610" cy="646331"/>
           </a:xfrm>
           <a:prstGeom prst="rect">
             <a:avLst/>
@@ -4036,7 +5188,7 @@
           <a:lstStyle/>
           <a:p>
             <a:r>
-              <a:rPr lang="en-US" sz="3600" b="1" dirty="0" smtClean="0">
+              <a:rPr lang="en-US" sz="3600" b="1" dirty="0">
                 <a:solidFill>
                   <a:srgbClr val="FF0000"/>
                 </a:solidFill>
@@ -4047,25 +5199,11 @@
                     </a:srgbClr>
                   </a:outerShdw>
                 </a:effectLst>
-                <a:latin typeface="Times New Roman" panose="02020603050405020304" pitchFamily="18" charset="0"/>
+                <a:latin typeface="Segoe UI Black" panose="020B0A02040204020203" pitchFamily="34" charset="0"/>
                 <a:cs typeface="Times New Roman" panose="02020603050405020304" pitchFamily="18" charset="0"/>
               </a:rPr>
               <a:t>1. PIN PORT IoT BROAD</a:t>
             </a:r>
-            <a:endParaRPr lang="en-US" sz="3600" b="1" dirty="0">
-              <a:solidFill>
-                <a:srgbClr val="FF0000"/>
-              </a:solidFill>
-              <a:effectLst>
-                <a:outerShdw blurRad="38100" dist="38100" dir="2700000" algn="tl">
-                  <a:srgbClr val="000000">
-                    <a:alpha val="43137"/>
-                  </a:srgbClr>
-                </a:outerShdw>
-              </a:effectLst>
-              <a:latin typeface="Times New Roman" panose="02020603050405020304" pitchFamily="18" charset="0"/>
-              <a:cs typeface="Times New Roman" panose="02020603050405020304" pitchFamily="18" charset="0"/>
-            </a:endParaRPr>
           </a:p>
         </p:txBody>
       </p:sp>
@@ -4077,7 +5215,7 @@
         </p:nvSpPr>
         <p:spPr>
           <a:xfrm>
-            <a:off x="348343" y="596537"/>
+            <a:off x="2177141" y="928728"/>
             <a:ext cx="11843657" cy="461665"/>
           </a:xfrm>
           <a:prstGeom prst="rect">
@@ -4092,7 +5230,7 @@
           <a:lstStyle/>
           <a:p>
             <a:r>
-              <a:rPr lang="en-US" sz="2400" b="1" dirty="0" smtClean="0">
+              <a:rPr lang="en-US" sz="2400" b="1" dirty="0">
                 <a:effectLst>
                   <a:outerShdw blurRad="38100" dist="38100" dir="2700000" algn="tl">
                     <a:srgbClr val="000000">
@@ -4100,22 +5238,11 @@
                     </a:srgbClr>
                   </a:outerShdw>
                 </a:effectLst>
-                <a:latin typeface="Times New Roman" panose="02020603050405020304" pitchFamily="18" charset="0"/>
+                <a:latin typeface="Segoe UI Black" panose="020B0A02040204020203" pitchFamily="34" charset="0"/>
                 <a:cs typeface="Times New Roman" panose="02020603050405020304" pitchFamily="18" charset="0"/>
               </a:rPr>
               <a:t>1.8 OUTSIDE BROAD COMMUNICATION</a:t>
             </a:r>
-            <a:endParaRPr lang="en-US" sz="2400" b="1" dirty="0">
-              <a:effectLst>
-                <a:outerShdw blurRad="38100" dist="38100" dir="2700000" algn="tl">
-                  <a:srgbClr val="000000">
-                    <a:alpha val="43137"/>
-                  </a:srgbClr>
-                </a:outerShdw>
-              </a:effectLst>
-              <a:latin typeface="Times New Roman" panose="02020603050405020304" pitchFamily="18" charset="0"/>
-              <a:cs typeface="Times New Roman" panose="02020603050405020304" pitchFamily="18" charset="0"/>
-            </a:endParaRPr>
           </a:p>
         </p:txBody>
       </p:sp>
@@ -4127,8 +5254,8 @@
         </p:nvSpPr>
         <p:spPr>
           <a:xfrm>
-            <a:off x="348342" y="1059374"/>
-            <a:ext cx="11843657" cy="1200329"/>
+            <a:off x="2177142" y="2110254"/>
+            <a:ext cx="11843657" cy="3046988"/>
           </a:xfrm>
           <a:prstGeom prst="rect">
             <a:avLst/>
@@ -4146,11 +5273,11 @@
               <a:buChar char="•"/>
             </a:pPr>
             <a:r>
-              <a:rPr lang="en-US" sz="2400" dirty="0" smtClean="0">
-                <a:latin typeface="Times New Roman" panose="02020603050405020304" pitchFamily="18" charset="0"/>
+              <a:rPr lang="en-US" sz="2400" dirty="0">
+                <a:latin typeface="Segoe UI Black" panose="020B0A02040204020203" pitchFamily="34" charset="0"/>
                 <a:cs typeface="Times New Roman" panose="02020603050405020304" pitchFamily="18" charset="0"/>
               </a:rPr>
-              <a:t>Giao tiếp SPI</a:t>
+              <a:t>Giao tiếp UART</a:t>
             </a:r>
           </a:p>
           <a:p>
@@ -4159,11 +5286,11 @@
               <a:buChar char="Ø"/>
             </a:pPr>
             <a:r>
-              <a:rPr lang="en-US" sz="2400" dirty="0" smtClean="0">
-                <a:latin typeface="Times New Roman" panose="02020603050405020304" pitchFamily="18" charset="0"/>
+              <a:rPr lang="en-US" sz="2400" dirty="0">
+                <a:latin typeface="Segoe UI Black" panose="020B0A02040204020203" pitchFamily="34" charset="0"/>
                 <a:cs typeface="Times New Roman" panose="02020603050405020304" pitchFamily="18" charset="0"/>
               </a:rPr>
-              <a:t>Gồm có 4 chân </a:t>
+              <a:t>Gồm có 4 chân.</a:t>
             </a:r>
           </a:p>
           <a:p>
@@ -4172,18 +5299,71 @@
               <a:buChar char="Ø"/>
             </a:pPr>
             <a:r>
-              <a:rPr lang="en-US" sz="2400" dirty="0" smtClean="0">
-                <a:latin typeface="Times New Roman" panose="02020603050405020304" pitchFamily="18" charset="0"/>
+              <a:rPr lang="en-US" sz="2400" dirty="0">
+                <a:latin typeface="Segoe UI Black" panose="020B0A02040204020203" pitchFamily="34" charset="0"/>
                 <a:cs typeface="Times New Roman" panose="02020603050405020304" pitchFamily="18" charset="0"/>
               </a:rPr>
-              <a:t>SCK (18), MOSI (23), MISO(19), Chọn Salve CSO (5).</a:t>
+              <a:t>Được chia làm 2 kênh.</a:t>
+            </a:r>
+          </a:p>
+          <a:p>
+            <a:pPr lvl="1"/>
+            <a:endParaRPr lang="en-US" sz="2400" dirty="0">
+              <a:latin typeface="Segoe UI Black" panose="020B0A02040204020203" pitchFamily="34" charset="0"/>
+              <a:cs typeface="Times New Roman" panose="02020603050405020304" pitchFamily="18" charset="0"/>
+            </a:endParaRPr>
+          </a:p>
+          <a:p>
+            <a:pPr lvl="1"/>
+            <a:endParaRPr lang="en-US" sz="2400" dirty="0">
+              <a:latin typeface="Segoe UI Black" panose="020B0A02040204020203" pitchFamily="34" charset="0"/>
+              <a:cs typeface="Times New Roman" panose="02020603050405020304" pitchFamily="18" charset="0"/>
+            </a:endParaRPr>
+          </a:p>
+          <a:p>
+            <a:pPr marL="342900" indent="-342900">
+              <a:buFont typeface="Arial" panose="020B0604020202020204" pitchFamily="34" charset="0"/>
+              <a:buChar char="•"/>
+            </a:pPr>
+            <a:r>
+              <a:rPr lang="en-US" sz="2400" dirty="0">
+                <a:latin typeface="Segoe UI Black" panose="020B0A02040204020203" pitchFamily="34" charset="0"/>
+                <a:cs typeface="Times New Roman" panose="02020603050405020304" pitchFamily="18" charset="0"/>
+              </a:rPr>
+              <a:t>Giao tiếp I2C</a:t>
+            </a:r>
+          </a:p>
+          <a:p>
+            <a:pPr marL="800100" lvl="1" indent="-342900">
+              <a:buFont typeface="Wingdings" panose="05000000000000000000" pitchFamily="2" charset="2"/>
+              <a:buChar char="Ø"/>
+            </a:pPr>
+            <a:r>
+              <a:rPr lang="en-US" sz="2400" dirty="0">
+                <a:latin typeface="Segoe UI Black" panose="020B0A02040204020203" pitchFamily="34" charset="0"/>
+                <a:cs typeface="Times New Roman" panose="02020603050405020304" pitchFamily="18" charset="0"/>
+              </a:rPr>
+              <a:t>Gồm có 2 chân</a:t>
+            </a:r>
+          </a:p>
+          <a:p>
+            <a:pPr marL="800100" lvl="1" indent="-342900">
+              <a:buFont typeface="Wingdings" panose="05000000000000000000" pitchFamily="2" charset="2"/>
+              <a:buChar char="Ø"/>
+            </a:pPr>
+            <a:r>
+              <a:rPr lang="en-US" sz="2400" dirty="0">
+                <a:latin typeface="Segoe UI Black" panose="020B0A02040204020203" pitchFamily="34" charset="0"/>
+                <a:cs typeface="Times New Roman" panose="02020603050405020304" pitchFamily="18" charset="0"/>
+              </a:rPr>
+              <a:t>SCL (22), SDA (21)</a:t>
             </a:r>
           </a:p>
         </p:txBody>
       </p:sp>
       <p:pic>
         <p:nvPicPr>
-          <p:cNvPr id="6" name="Picture 5"/>
+          <p:cNvPr id="7" name="Picture 6"/>
           <p:cNvPicPr>
             <a:picLocks noChangeAspect="1"/>
           </p:cNvPicPr>
@@ -4197,8 +5377,32 @@
         </p:blipFill>
         <p:spPr>
           <a:xfrm>
-            <a:off x="1831113" y="2722540"/>
-            <a:ext cx="7959840" cy="1657871"/>
+            <a:off x="6442983" y="2104475"/>
+            <a:ext cx="5400675" cy="1695450"/>
+          </a:xfrm>
+          <a:prstGeom prst="rect">
+            <a:avLst/>
+          </a:prstGeom>
+        </p:spPr>
+      </p:pic>
+      <p:pic>
+        <p:nvPicPr>
+          <p:cNvPr id="8" name="Picture 7"/>
+          <p:cNvPicPr>
+            <a:picLocks noChangeAspect="1"/>
+          </p:cNvPicPr>
+          <p:nvPr/>
+        </p:nvPicPr>
+        <p:blipFill>
+          <a:blip r:embed="rId3"/>
+          <a:stretch>
+            <a:fillRect/>
+          </a:stretch>
+        </p:blipFill>
+        <p:spPr>
+          <a:xfrm>
+            <a:off x="6442983" y="4124664"/>
+            <a:ext cx="4215543" cy="828608"/>
           </a:xfrm>
           <a:prstGeom prst="rect">
             <a:avLst/>
@@ -4208,7 +5412,7 @@
     </p:spTree>
     <p:extLst>
       <p:ext uri="{BB962C8B-B14F-4D97-AF65-F5344CB8AC3E}">
-        <p14:creationId xmlns:p14="http://schemas.microsoft.com/office/powerpoint/2010/main" val="4124882769"/>
+        <p14:creationId xmlns:p14="http://schemas.microsoft.com/office/powerpoint/2010/main" val="3393430553"/>
       </p:ext>
     </p:extLst>
   </p:cSld>
@@ -4395,7 +5599,7 @@
                             </p:stCondLst>
                             <p:childTnLst>
                               <p:par>
-                                <p:cTn id="20" presetID="47" presetClass="entr" presetSubtype="0" fill="hold" nodeType="clickEffect">
+                                <p:cTn id="20" presetID="52" presetClass="entr" presetSubtype="0" fill="hold" nodeType="clickEffect">
                                   <p:stCondLst>
                                     <p:cond delay="0"/>
                                   </p:stCondLst>
@@ -4408,7 +5612,7 @@
                                           </p:stCondLst>
                                         </p:cTn>
                                         <p:tgtEl>
-                                          <p:spTgt spid="6"/>
+                                          <p:spTgt spid="7"/>
                                         </p:tgtEl>
                                         <p:attrNameLst>
                                           <p:attrName>style.visibility</p:attrName>
@@ -4418,60 +5622,127 @@
                                         <p:strVal val="visible"/>
                                       </p:to>
                                     </p:set>
-                                    <p:animEffect transition="in" filter="fade">
-                                      <p:cBhvr>
-                                        <p:cTn id="22" dur="1000"/>
-                                        <p:tgtEl>
-                                          <p:spTgt spid="6"/>
-                                        </p:tgtEl>
-                                      </p:cBhvr>
-                                    </p:animEffect>
-                                    <p:anim calcmode="lin" valueType="num">
-                                      <p:cBhvr>
-                                        <p:cTn id="23" dur="1000" fill="hold"/>
-                                        <p:tgtEl>
-                                          <p:spTgt spid="6"/>
+                                    <p:animScale>
+                                      <p:cBhvr>
+                                        <p:cTn id="22" dur="1000" decel="50000" fill="hold">
+                                          <p:stCondLst>
+                                            <p:cond delay="0"/>
+                                          </p:stCondLst>
+                                        </p:cTn>
+                                        <p:tgtEl>
+                                          <p:spTgt spid="7"/>
+                                        </p:tgtEl>
+                                      </p:cBhvr>
+                                      <p:from x="250000" y="250000"/>
+                                      <p:to x="100000" y="100000"/>
+                                    </p:animScale>
+                                    <p:animMotion origin="layout" path="M -0.46736 0.92887  C -0.37517 0.88508  -0.02552 0.75279  0.0908 0.66613  C  0.20747 0.57948  0.21649 0.50394  0.23177 0.40825  C 0.24705 0.31256  0.22118 0.15964   0.18264 0.09152  C 0.1441 0.02341  0.03802 0.0  0.0 0.0  " pathEditMode="relative" ptsTypes="">
+                                      <p:cBhvr>
+                                        <p:cTn id="23" dur="1000" decel="50000" fill="hold">
+                                          <p:stCondLst>
+                                            <p:cond delay="0"/>
+                                          </p:stCondLst>
+                                        </p:cTn>
+                                        <p:tgtEl>
+                                          <p:spTgt spid="7"/>
                                         </p:tgtEl>
                                         <p:attrNameLst>
                                           <p:attrName>ppt_x</p:attrName>
-                                        </p:attrNameLst>
-                                      </p:cBhvr>
-                                      <p:tavLst>
-                                        <p:tav tm="0">
-                                          <p:val>
-                                            <p:strVal val="#ppt_x"/>
-                                          </p:val>
-                                        </p:tav>
-                                        <p:tav tm="100000">
-                                          <p:val>
-                                            <p:strVal val="#ppt_x"/>
-                                          </p:val>
-                                        </p:tav>
-                                      </p:tavLst>
-                                    </p:anim>
-                                    <p:anim calcmode="lin" valueType="num">
-                                      <p:cBhvr>
-                                        <p:cTn id="24" dur="1000" fill="hold"/>
-                                        <p:tgtEl>
-                                          <p:spTgt spid="6"/>
-                                        </p:tgtEl>
-                                        <p:attrNameLst>
                                           <p:attrName>ppt_y</p:attrName>
                                         </p:attrNameLst>
                                       </p:cBhvr>
-                                      <p:tavLst>
-                                        <p:tav tm="0">
-                                          <p:val>
-                                            <p:strVal val="#ppt_y-.1"/>
-                                          </p:val>
-                                        </p:tav>
-                                        <p:tav tm="100000">
-                                          <p:val>
-                                            <p:strVal val="#ppt_y"/>
-                                          </p:val>
-                                        </p:tav>
-                                      </p:tavLst>
-                                    </p:anim>
+                                    </p:animMotion>
+                                    <p:animEffect transition="in" filter="fade">
+                                      <p:cBhvr>
+                                        <p:cTn id="24" dur="1000"/>
+                                        <p:tgtEl>
+                                          <p:spTgt spid="7"/>
+                                        </p:tgtEl>
+                                      </p:cBhvr>
+                                    </p:animEffect>
+                                  </p:childTnLst>
+                                </p:cTn>
+                              </p:par>
+                            </p:childTnLst>
+                          </p:cTn>
+                        </p:par>
+                      </p:childTnLst>
+                    </p:cTn>
+                  </p:par>
+                  <p:par>
+                    <p:cTn id="25" fill="hold">
+                      <p:stCondLst>
+                        <p:cond delay="indefinite"/>
+                      </p:stCondLst>
+                      <p:childTnLst>
+                        <p:par>
+                          <p:cTn id="26" fill="hold">
+                            <p:stCondLst>
+                              <p:cond delay="0"/>
+                            </p:stCondLst>
+                            <p:childTnLst>
+                              <p:par>
+                                <p:cTn id="27" presetID="52" presetClass="entr" presetSubtype="0" fill="hold" nodeType="clickEffect">
+                                  <p:stCondLst>
+                                    <p:cond delay="0"/>
+                                  </p:stCondLst>
+                                  <p:childTnLst>
+                                    <p:set>
+                                      <p:cBhvr>
+                                        <p:cTn id="28" dur="1" fill="hold">
+                                          <p:stCondLst>
+                                            <p:cond delay="0"/>
+                                          </p:stCondLst>
+                                        </p:cTn>
+                                        <p:tgtEl>
+                                          <p:spTgt spid="8"/>
+                                        </p:tgtEl>
+                                        <p:attrNameLst>
+                                          <p:attrName>style.visibility</p:attrName>
+                                        </p:attrNameLst>
+                                      </p:cBhvr>
+                                      <p:to>
+                                        <p:strVal val="visible"/>
+                                      </p:to>
+                                    </p:set>
+                                    <p:animScale>
+                                      <p:cBhvr>
+                                        <p:cTn id="29" dur="1000" decel="50000" fill="hold">
+                                          <p:stCondLst>
+                                            <p:cond delay="0"/>
+                                          </p:stCondLst>
+                                        </p:cTn>
+                                        <p:tgtEl>
+                                          <p:spTgt spid="8"/>
+                                        </p:tgtEl>
+                                      </p:cBhvr>
+                                      <p:from x="250000" y="250000"/>
+                                      <p:to x="100000" y="100000"/>
+                                    </p:animScale>
+                                    <p:animMotion origin="layout" path="M -0.46736 0.92887  C -0.37517 0.88508  -0.02552 0.75279  0.0908 0.66613  C  0.20747 0.57948  0.21649 0.50394  0.23177 0.40825  C 0.24705 0.31256  0.22118 0.15964   0.18264 0.09152  C 0.1441 0.02341  0.03802 0.0  0.0 0.0  " pathEditMode="relative" ptsTypes="">
+                                      <p:cBhvr>
+                                        <p:cTn id="30" dur="1000" decel="50000" fill="hold">
+                                          <p:stCondLst>
+                                            <p:cond delay="0"/>
+                                          </p:stCondLst>
+                                        </p:cTn>
+                                        <p:tgtEl>
+                                          <p:spTgt spid="8"/>
+                                        </p:tgtEl>
+                                        <p:attrNameLst>
+                                          <p:attrName>ppt_x</p:attrName>
+                                          <p:attrName>ppt_y</p:attrName>
+                                        </p:attrNameLst>
+                                      </p:cBhvr>
+                                    </p:animMotion>
+                                    <p:animEffect transition="in" filter="fade">
+                                      <p:cBhvr>
+                                        <p:cTn id="31" dur="1000"/>
+                                        <p:tgtEl>
+                                          <p:spTgt spid="8"/>
+                                        </p:tgtEl>
+                                      </p:cBhvr>
+                                    </p:animEffect>
                                   </p:childTnLst>
                                 </p:cTn>
                               </p:par>
@@ -4536,8 +5807,8 @@
         </p:nvSpPr>
         <p:spPr>
           <a:xfrm>
-            <a:off x="0" y="-49794"/>
-            <a:ext cx="2672526" cy="646331"/>
+            <a:off x="1932317" y="-49794"/>
+            <a:ext cx="5599610" cy="646331"/>
           </a:xfrm>
           <a:prstGeom prst="rect">
             <a:avLst/>
@@ -4562,13 +5833,486 @@
                     </a:srgbClr>
                   </a:outerShdw>
                 </a:effectLst>
-                <a:latin typeface="Times New Roman" panose="02020603050405020304" pitchFamily="18" charset="0"/>
+                <a:latin typeface="Segoe UI Black" panose="020B0A02040204020203" pitchFamily="34" charset="0"/>
                 <a:cs typeface="Times New Roman" panose="02020603050405020304" pitchFamily="18" charset="0"/>
               </a:rPr>
-              <a:t>2</a:t>
-            </a:r>
-            <a:r>
-              <a:rPr lang="en-US" sz="3600" b="1" dirty="0" smtClean="0">
+              <a:t>1. PIN PORT IoT BROAD</a:t>
+            </a:r>
+          </a:p>
+        </p:txBody>
+      </p:sp>
+      <p:sp>
+        <p:nvSpPr>
+          <p:cNvPr id="3" name="TextBox 2"/>
+          <p:cNvSpPr txBox="1"/>
+          <p:nvPr/>
+        </p:nvSpPr>
+        <p:spPr>
+          <a:xfrm>
+            <a:off x="1932317" y="597709"/>
+            <a:ext cx="11843657" cy="461665"/>
+          </a:xfrm>
+          <a:prstGeom prst="rect">
+            <a:avLst/>
+          </a:prstGeom>
+          <a:noFill/>
+        </p:spPr>
+        <p:txBody>
+          <a:bodyPr wrap="square" rtlCol="0">
+            <a:spAutoFit/>
+          </a:bodyPr>
+          <a:lstStyle/>
+          <a:p>
+            <a:r>
+              <a:rPr lang="en-US" sz="2400" b="1" dirty="0">
+                <a:effectLst>
+                  <a:outerShdw blurRad="38100" dist="38100" dir="2700000" algn="tl">
+                    <a:srgbClr val="000000">
+                      <a:alpha val="43137"/>
+                    </a:srgbClr>
+                  </a:outerShdw>
+                </a:effectLst>
+                <a:latin typeface="Segoe UI Black" panose="020B0A02040204020203" pitchFamily="34" charset="0"/>
+                <a:cs typeface="Times New Roman" panose="02020603050405020304" pitchFamily="18" charset="0"/>
+              </a:rPr>
+              <a:t>1.8 OUTSIDE BROAD COMMUNICATION</a:t>
+            </a:r>
+          </a:p>
+        </p:txBody>
+      </p:sp>
+      <p:sp>
+        <p:nvSpPr>
+          <p:cNvPr id="4" name="TextBox 3"/>
+          <p:cNvSpPr txBox="1"/>
+          <p:nvPr/>
+        </p:nvSpPr>
+        <p:spPr>
+          <a:xfrm>
+            <a:off x="1932316" y="2055722"/>
+            <a:ext cx="11843657" cy="1200329"/>
+          </a:xfrm>
+          <a:prstGeom prst="rect">
+            <a:avLst/>
+          </a:prstGeom>
+          <a:noFill/>
+        </p:spPr>
+        <p:txBody>
+          <a:bodyPr wrap="square" rtlCol="0">
+            <a:spAutoFit/>
+          </a:bodyPr>
+          <a:lstStyle/>
+          <a:p>
+            <a:pPr marL="342900" indent="-342900">
+              <a:buFont typeface="Arial" panose="020B0604020202020204" pitchFamily="34" charset="0"/>
+              <a:buChar char="•"/>
+            </a:pPr>
+            <a:r>
+              <a:rPr lang="en-US" sz="2400" dirty="0">
+                <a:latin typeface="Segoe UI Black" panose="020B0A02040204020203" pitchFamily="34" charset="0"/>
+                <a:cs typeface="Times New Roman" panose="02020603050405020304" pitchFamily="18" charset="0"/>
+              </a:rPr>
+              <a:t>Giao tiếp SPI</a:t>
+            </a:r>
+          </a:p>
+          <a:p>
+            <a:pPr marL="800100" lvl="1" indent="-342900">
+              <a:buFont typeface="Wingdings" panose="05000000000000000000" pitchFamily="2" charset="2"/>
+              <a:buChar char="Ø"/>
+            </a:pPr>
+            <a:r>
+              <a:rPr lang="en-US" sz="2400" dirty="0">
+                <a:latin typeface="Segoe UI Black" panose="020B0A02040204020203" pitchFamily="34" charset="0"/>
+                <a:cs typeface="Times New Roman" panose="02020603050405020304" pitchFamily="18" charset="0"/>
+              </a:rPr>
+              <a:t>Gồm có 4 chân </a:t>
+            </a:r>
+          </a:p>
+          <a:p>
+            <a:pPr marL="800100" lvl="1" indent="-342900">
+              <a:buFont typeface="Wingdings" panose="05000000000000000000" pitchFamily="2" charset="2"/>
+              <a:buChar char="Ø"/>
+            </a:pPr>
+            <a:r>
+              <a:rPr lang="en-US" sz="2400" dirty="0">
+                <a:latin typeface="Segoe UI Black" panose="020B0A02040204020203" pitchFamily="34" charset="0"/>
+                <a:cs typeface="Times New Roman" panose="02020603050405020304" pitchFamily="18" charset="0"/>
+              </a:rPr>
+              <a:t>SCK (18), MOSI (23), MISO(19), Chọn Salve CSO (5).</a:t>
+            </a:r>
+          </a:p>
+        </p:txBody>
+      </p:sp>
+      <p:pic>
+        <p:nvPicPr>
+          <p:cNvPr id="6" name="Picture 5"/>
+          <p:cNvPicPr>
+            <a:picLocks noChangeAspect="1"/>
+          </p:cNvPicPr>
+          <p:nvPr/>
+        </p:nvPicPr>
+        <p:blipFill>
+          <a:blip r:embed="rId2"/>
+          <a:stretch>
+            <a:fillRect/>
+          </a:stretch>
+        </p:blipFill>
+        <p:spPr>
+          <a:xfrm>
+            <a:off x="1932317" y="3909337"/>
+            <a:ext cx="7959840" cy="1657871"/>
+          </a:xfrm>
+          <a:prstGeom prst="rect">
+            <a:avLst/>
+          </a:prstGeom>
+        </p:spPr>
+      </p:pic>
+    </p:spTree>
+    <p:extLst>
+      <p:ext uri="{BB962C8B-B14F-4D97-AF65-F5344CB8AC3E}">
+        <p14:creationId xmlns:p14="http://schemas.microsoft.com/office/powerpoint/2010/main" val="4124882769"/>
+      </p:ext>
+    </p:extLst>
+  </p:cSld>
+  <p:clrMapOvr>
+    <a:masterClrMapping/>
+  </p:clrMapOvr>
+  <p:timing>
+    <p:tnLst>
+      <p:par>
+        <p:cTn id="1" dur="indefinite" restart="never" nodeType="tmRoot">
+          <p:childTnLst>
+            <p:seq concurrent="1" nextAc="seek">
+              <p:cTn id="2" dur="indefinite" nodeType="mainSeq">
+                <p:childTnLst>
+                  <p:par>
+                    <p:cTn id="3" fill="hold">
+                      <p:stCondLst>
+                        <p:cond delay="indefinite"/>
+                      </p:stCondLst>
+                      <p:childTnLst>
+                        <p:par>
+                          <p:cTn id="4" fill="hold">
+                            <p:stCondLst>
+                              <p:cond delay="0"/>
+                            </p:stCondLst>
+                            <p:childTnLst>
+                              <p:par>
+                                <p:cTn id="5" presetID="14" presetClass="entr" presetSubtype="10" fill="hold" grpId="0" nodeType="clickEffect">
+                                  <p:stCondLst>
+                                    <p:cond delay="0"/>
+                                  </p:stCondLst>
+                                  <p:childTnLst>
+                                    <p:set>
+                                      <p:cBhvr>
+                                        <p:cTn id="6" dur="1" fill="hold">
+                                          <p:stCondLst>
+                                            <p:cond delay="0"/>
+                                          </p:stCondLst>
+                                        </p:cTn>
+                                        <p:tgtEl>
+                                          <p:spTgt spid="2"/>
+                                        </p:tgtEl>
+                                        <p:attrNameLst>
+                                          <p:attrName>style.visibility</p:attrName>
+                                        </p:attrNameLst>
+                                      </p:cBhvr>
+                                      <p:to>
+                                        <p:strVal val="visible"/>
+                                      </p:to>
+                                    </p:set>
+                                    <p:animEffect transition="in" filter="randombar(horizontal)">
+                                      <p:cBhvr>
+                                        <p:cTn id="7" dur="500"/>
+                                        <p:tgtEl>
+                                          <p:spTgt spid="2"/>
+                                        </p:tgtEl>
+                                      </p:cBhvr>
+                                    </p:animEffect>
+                                  </p:childTnLst>
+                                </p:cTn>
+                              </p:par>
+                            </p:childTnLst>
+                          </p:cTn>
+                        </p:par>
+                      </p:childTnLst>
+                    </p:cTn>
+                  </p:par>
+                  <p:par>
+                    <p:cTn id="8" fill="hold">
+                      <p:stCondLst>
+                        <p:cond delay="indefinite"/>
+                      </p:stCondLst>
+                      <p:childTnLst>
+                        <p:par>
+                          <p:cTn id="9" fill="hold">
+                            <p:stCondLst>
+                              <p:cond delay="0"/>
+                            </p:stCondLst>
+                            <p:childTnLst>
+                              <p:par>
+                                <p:cTn id="10" presetID="14" presetClass="entr" presetSubtype="10" fill="hold" grpId="0" nodeType="clickEffect">
+                                  <p:stCondLst>
+                                    <p:cond delay="0"/>
+                                  </p:stCondLst>
+                                  <p:childTnLst>
+                                    <p:set>
+                                      <p:cBhvr>
+                                        <p:cTn id="11" dur="1" fill="hold">
+                                          <p:stCondLst>
+                                            <p:cond delay="0"/>
+                                          </p:stCondLst>
+                                        </p:cTn>
+                                        <p:tgtEl>
+                                          <p:spTgt spid="3"/>
+                                        </p:tgtEl>
+                                        <p:attrNameLst>
+                                          <p:attrName>style.visibility</p:attrName>
+                                        </p:attrNameLst>
+                                      </p:cBhvr>
+                                      <p:to>
+                                        <p:strVal val="visible"/>
+                                      </p:to>
+                                    </p:set>
+                                    <p:animEffect transition="in" filter="randombar(horizontal)">
+                                      <p:cBhvr>
+                                        <p:cTn id="12" dur="500"/>
+                                        <p:tgtEl>
+                                          <p:spTgt spid="3"/>
+                                        </p:tgtEl>
+                                      </p:cBhvr>
+                                    </p:animEffect>
+                                  </p:childTnLst>
+                                </p:cTn>
+                              </p:par>
+                            </p:childTnLst>
+                          </p:cTn>
+                        </p:par>
+                      </p:childTnLst>
+                    </p:cTn>
+                  </p:par>
+                  <p:par>
+                    <p:cTn id="13" fill="hold">
+                      <p:stCondLst>
+                        <p:cond delay="indefinite"/>
+                      </p:stCondLst>
+                      <p:childTnLst>
+                        <p:par>
+                          <p:cTn id="14" fill="hold">
+                            <p:stCondLst>
+                              <p:cond delay="0"/>
+                            </p:stCondLst>
+                            <p:childTnLst>
+                              <p:par>
+                                <p:cTn id="15" presetID="14" presetClass="entr" presetSubtype="10" fill="hold" grpId="0" nodeType="clickEffect">
+                                  <p:stCondLst>
+                                    <p:cond delay="0"/>
+                                  </p:stCondLst>
+                                  <p:childTnLst>
+                                    <p:set>
+                                      <p:cBhvr>
+                                        <p:cTn id="16" dur="1" fill="hold">
+                                          <p:stCondLst>
+                                            <p:cond delay="0"/>
+                                          </p:stCondLst>
+                                        </p:cTn>
+                                        <p:tgtEl>
+                                          <p:spTgt spid="4"/>
+                                        </p:tgtEl>
+                                        <p:attrNameLst>
+                                          <p:attrName>style.visibility</p:attrName>
+                                        </p:attrNameLst>
+                                      </p:cBhvr>
+                                      <p:to>
+                                        <p:strVal val="visible"/>
+                                      </p:to>
+                                    </p:set>
+                                    <p:animEffect transition="in" filter="randombar(horizontal)">
+                                      <p:cBhvr>
+                                        <p:cTn id="17" dur="500"/>
+                                        <p:tgtEl>
+                                          <p:spTgt spid="4"/>
+                                        </p:tgtEl>
+                                      </p:cBhvr>
+                                    </p:animEffect>
+                                  </p:childTnLst>
+                                </p:cTn>
+                              </p:par>
+                            </p:childTnLst>
+                          </p:cTn>
+                        </p:par>
+                      </p:childTnLst>
+                    </p:cTn>
+                  </p:par>
+                  <p:par>
+                    <p:cTn id="18" fill="hold">
+                      <p:stCondLst>
+                        <p:cond delay="indefinite"/>
+                      </p:stCondLst>
+                      <p:childTnLst>
+                        <p:par>
+                          <p:cTn id="19" fill="hold">
+                            <p:stCondLst>
+                              <p:cond delay="0"/>
+                            </p:stCondLst>
+                            <p:childTnLst>
+                              <p:par>
+                                <p:cTn id="20" presetID="47" presetClass="entr" presetSubtype="0" fill="hold" nodeType="clickEffect">
+                                  <p:stCondLst>
+                                    <p:cond delay="0"/>
+                                  </p:stCondLst>
+                                  <p:childTnLst>
+                                    <p:set>
+                                      <p:cBhvr>
+                                        <p:cTn id="21" dur="1" fill="hold">
+                                          <p:stCondLst>
+                                            <p:cond delay="0"/>
+                                          </p:stCondLst>
+                                        </p:cTn>
+                                        <p:tgtEl>
+                                          <p:spTgt spid="6"/>
+                                        </p:tgtEl>
+                                        <p:attrNameLst>
+                                          <p:attrName>style.visibility</p:attrName>
+                                        </p:attrNameLst>
+                                      </p:cBhvr>
+                                      <p:to>
+                                        <p:strVal val="visible"/>
+                                      </p:to>
+                                    </p:set>
+                                    <p:animEffect transition="in" filter="fade">
+                                      <p:cBhvr>
+                                        <p:cTn id="22" dur="1000"/>
+                                        <p:tgtEl>
+                                          <p:spTgt spid="6"/>
+                                        </p:tgtEl>
+                                      </p:cBhvr>
+                                    </p:animEffect>
+                                    <p:anim calcmode="lin" valueType="num">
+                                      <p:cBhvr>
+                                        <p:cTn id="23" dur="1000" fill="hold"/>
+                                        <p:tgtEl>
+                                          <p:spTgt spid="6"/>
+                                        </p:tgtEl>
+                                        <p:attrNameLst>
+                                          <p:attrName>ppt_x</p:attrName>
+                                        </p:attrNameLst>
+                                      </p:cBhvr>
+                                      <p:tavLst>
+                                        <p:tav tm="0">
+                                          <p:val>
+                                            <p:strVal val="#ppt_x"/>
+                                          </p:val>
+                                        </p:tav>
+                                        <p:tav tm="100000">
+                                          <p:val>
+                                            <p:strVal val="#ppt_x"/>
+                                          </p:val>
+                                        </p:tav>
+                                      </p:tavLst>
+                                    </p:anim>
+                                    <p:anim calcmode="lin" valueType="num">
+                                      <p:cBhvr>
+                                        <p:cTn id="24" dur="1000" fill="hold"/>
+                                        <p:tgtEl>
+                                          <p:spTgt spid="6"/>
+                                        </p:tgtEl>
+                                        <p:attrNameLst>
+                                          <p:attrName>ppt_y</p:attrName>
+                                        </p:attrNameLst>
+                                      </p:cBhvr>
+                                      <p:tavLst>
+                                        <p:tav tm="0">
+                                          <p:val>
+                                            <p:strVal val="#ppt_y-.1"/>
+                                          </p:val>
+                                        </p:tav>
+                                        <p:tav tm="100000">
+                                          <p:val>
+                                            <p:strVal val="#ppt_y"/>
+                                          </p:val>
+                                        </p:tav>
+                                      </p:tavLst>
+                                    </p:anim>
+                                  </p:childTnLst>
+                                </p:cTn>
+                              </p:par>
+                            </p:childTnLst>
+                          </p:cTn>
+                        </p:par>
+                      </p:childTnLst>
+                    </p:cTn>
+                  </p:par>
+                </p:childTnLst>
+              </p:cTn>
+              <p:prevCondLst>
+                <p:cond evt="onPrev" delay="0">
+                  <p:tgtEl>
+                    <p:sldTgt/>
+                  </p:tgtEl>
+                </p:cond>
+              </p:prevCondLst>
+              <p:nextCondLst>
+                <p:cond evt="onNext" delay="0">
+                  <p:tgtEl>
+                    <p:sldTgt/>
+                  </p:tgtEl>
+                </p:cond>
+              </p:nextCondLst>
+            </p:seq>
+          </p:childTnLst>
+        </p:cTn>
+      </p:par>
+    </p:tnLst>
+    <p:bldLst>
+      <p:bldP spid="2" grpId="0"/>
+      <p:bldP spid="3" grpId="0"/>
+      <p:bldP spid="4" grpId="0"/>
+    </p:bldLst>
+  </p:timing>
+</p:sld>
+</file>
+
+<file path=ppt/slides/slide13.xml><?xml version="1.0" encoding="utf-8"?>
+<p:sld xmlns:a="http://schemas.openxmlformats.org/drawingml/2006/main" xmlns:r="http://schemas.openxmlformats.org/officeDocument/2006/relationships" xmlns:p="http://schemas.openxmlformats.org/presentationml/2006/main">
+  <p:cSld>
+    <p:spTree>
+      <p:nvGrpSpPr>
+        <p:cNvPr id="1" name=""/>
+        <p:cNvGrpSpPr/>
+        <p:nvPr/>
+      </p:nvGrpSpPr>
+      <p:grpSpPr>
+        <a:xfrm>
+          <a:off x="0" y="0"/>
+          <a:ext cx="0" cy="0"/>
+          <a:chOff x="0" y="0"/>
+          <a:chExt cx="0" cy="0"/>
+        </a:xfrm>
+      </p:grpSpPr>
+      <p:sp>
+        <p:nvSpPr>
+          <p:cNvPr id="2" name="TextBox 1"/>
+          <p:cNvSpPr txBox="1"/>
+          <p:nvPr/>
+        </p:nvSpPr>
+        <p:spPr>
+          <a:xfrm>
+            <a:off x="1907042" y="0"/>
+            <a:ext cx="3038011" cy="646331"/>
+          </a:xfrm>
+          <a:prstGeom prst="rect">
+            <a:avLst/>
+          </a:prstGeom>
+          <a:noFill/>
+        </p:spPr>
+        <p:txBody>
+          <a:bodyPr wrap="none" rtlCol="0">
+            <a:spAutoFit/>
+          </a:bodyPr>
+          <a:lstStyle/>
+          <a:p>
+            <a:r>
+              <a:rPr lang="en-US" sz="3600" b="1" dirty="0">
                 <a:solidFill>
                   <a:srgbClr val="FF0000"/>
                 </a:solidFill>
@@ -4579,25 +6323,11 @@
                     </a:srgbClr>
                   </a:outerShdw>
                 </a:effectLst>
-                <a:latin typeface="Times New Roman" panose="02020603050405020304" pitchFamily="18" charset="0"/>
+                <a:latin typeface="Segoe UI Black" panose="020B0A02040204020203" pitchFamily="34" charset="0"/>
                 <a:cs typeface="Times New Roman" panose="02020603050405020304" pitchFamily="18" charset="0"/>
               </a:rPr>
-              <a:t>. Schematic</a:t>
-            </a:r>
-            <a:endParaRPr lang="en-US" sz="3600" b="1" dirty="0">
-              <a:solidFill>
-                <a:srgbClr val="FF0000"/>
-              </a:solidFill>
-              <a:effectLst>
-                <a:outerShdw blurRad="38100" dist="38100" dir="2700000" algn="tl">
-                  <a:srgbClr val="000000">
-                    <a:alpha val="43137"/>
-                  </a:srgbClr>
-                </a:outerShdw>
-              </a:effectLst>
-              <a:latin typeface="Times New Roman" panose="02020603050405020304" pitchFamily="18" charset="0"/>
-              <a:cs typeface="Times New Roman" panose="02020603050405020304" pitchFamily="18" charset="0"/>
-            </a:endParaRPr>
+              <a:t>2. Schematic</a:t>
+            </a:r>
           </a:p>
         </p:txBody>
       </p:sp>
@@ -4609,7 +6339,7 @@
         </p:nvSpPr>
         <p:spPr>
           <a:xfrm>
-            <a:off x="348343" y="596537"/>
+            <a:off x="1907042" y="515985"/>
             <a:ext cx="11843657" cy="461665"/>
           </a:xfrm>
           <a:prstGeom prst="rect">
@@ -4624,7 +6354,7 @@
           <a:lstStyle/>
           <a:p>
             <a:r>
-              <a:rPr lang="en-US" sz="2400" b="1" dirty="0" smtClean="0">
+              <a:rPr lang="en-US" sz="2400" b="1" dirty="0">
                 <a:effectLst>
                   <a:outerShdw blurRad="38100" dist="38100" dir="2700000" algn="tl">
                     <a:srgbClr val="000000">
@@ -4632,36 +6362,11 @@
                     </a:srgbClr>
                   </a:outerShdw>
                 </a:effectLst>
-                <a:latin typeface="Times New Roman" panose="02020603050405020304" pitchFamily="18" charset="0"/>
+                <a:latin typeface="Segoe UI Black" panose="020B0A02040204020203" pitchFamily="34" charset="0"/>
                 <a:cs typeface="Times New Roman" panose="02020603050405020304" pitchFamily="18" charset="0"/>
               </a:rPr>
-              <a:t>2</a:t>
-            </a:r>
-            <a:r>
-              <a:rPr lang="en-US" sz="2400" b="1" dirty="0" smtClean="0">
-                <a:effectLst>
-                  <a:outerShdw blurRad="38100" dist="38100" dir="2700000" algn="tl">
-                    <a:srgbClr val="000000">
-                      <a:alpha val="43137"/>
-                    </a:srgbClr>
-                  </a:outerShdw>
-                </a:effectLst>
-                <a:latin typeface="Times New Roman" panose="02020603050405020304" pitchFamily="18" charset="0"/>
-                <a:cs typeface="Times New Roman" panose="02020603050405020304" pitchFamily="18" charset="0"/>
-              </a:rPr>
-              <a:t>.1 SCHEMATIC BROAD</a:t>
-            </a:r>
-            <a:endParaRPr lang="en-US" sz="2400" b="1" dirty="0">
-              <a:effectLst>
-                <a:outerShdw blurRad="38100" dist="38100" dir="2700000" algn="tl">
-                  <a:srgbClr val="000000">
-                    <a:alpha val="43137"/>
-                  </a:srgbClr>
-                </a:outerShdw>
-              </a:effectLst>
-              <a:latin typeface="Times New Roman" panose="02020603050405020304" pitchFamily="18" charset="0"/>
-              <a:cs typeface="Times New Roman" panose="02020603050405020304" pitchFamily="18" charset="0"/>
-            </a:endParaRPr>
+              <a:t>2.1 SCHEMATIC BROAD</a:t>
+            </a:r>
           </a:p>
         </p:txBody>
       </p:sp>
@@ -4842,7 +6547,7 @@
 </p:sld>
 </file>
 
-<file path=ppt/slides/slide13.xml><?xml version="1.0" encoding="utf-8"?>
+<file path=ppt/slides/slide14.xml><?xml version="1.0" encoding="utf-8"?>
 <p:sld xmlns:a="http://schemas.openxmlformats.org/drawingml/2006/main" xmlns:r="http://schemas.openxmlformats.org/officeDocument/2006/relationships" xmlns:p="http://schemas.openxmlformats.org/presentationml/2006/main">
   <p:cSld>
     <p:spTree>
@@ -4867,8 +6572,8 @@
         </p:nvSpPr>
         <p:spPr>
           <a:xfrm>
-            <a:off x="0" y="-49794"/>
-            <a:ext cx="2672526" cy="646331"/>
+            <a:off x="2080876" y="0"/>
+            <a:ext cx="3038011" cy="646331"/>
           </a:xfrm>
           <a:prstGeom prst="rect">
             <a:avLst/>
@@ -4893,16 +6598,38 @@
                     </a:srgbClr>
                   </a:outerShdw>
                 </a:effectLst>
-                <a:latin typeface="Times New Roman" panose="02020603050405020304" pitchFamily="18" charset="0"/>
+                <a:latin typeface="Segoe UI Black" panose="020B0A02040204020203" pitchFamily="34" charset="0"/>
                 <a:cs typeface="Times New Roman" panose="02020603050405020304" pitchFamily="18" charset="0"/>
               </a:rPr>
-              <a:t>2</a:t>
-            </a:r>
-            <a:r>
-              <a:rPr lang="en-US" sz="3600" b="1" dirty="0" smtClean="0">
-                <a:solidFill>
-                  <a:srgbClr val="FF0000"/>
-                </a:solidFill>
+              <a:t>2. Schematic</a:t>
+            </a:r>
+          </a:p>
+        </p:txBody>
+      </p:sp>
+      <p:sp>
+        <p:nvSpPr>
+          <p:cNvPr id="3" name="TextBox 2"/>
+          <p:cNvSpPr txBox="1"/>
+          <p:nvPr/>
+        </p:nvSpPr>
+        <p:spPr>
+          <a:xfrm>
+            <a:off x="2153589" y="728051"/>
+            <a:ext cx="11843657" cy="461665"/>
+          </a:xfrm>
+          <a:prstGeom prst="rect">
+            <a:avLst/>
+          </a:prstGeom>
+          <a:noFill/>
+        </p:spPr>
+        <p:txBody>
+          <a:bodyPr wrap="square" rtlCol="0">
+            <a:spAutoFit/>
+          </a:bodyPr>
+          <a:lstStyle/>
+          <a:p>
+            <a:r>
+              <a:rPr lang="en-US" sz="2400" b="1" dirty="0">
                 <a:effectLst>
                   <a:outerShdw blurRad="38100" dist="38100" dir="2700000" algn="tl">
                     <a:srgbClr val="000000">
@@ -4910,77 +6637,10 @@
                     </a:srgbClr>
                   </a:outerShdw>
                 </a:effectLst>
-                <a:latin typeface="Times New Roman" panose="02020603050405020304" pitchFamily="18" charset="0"/>
+                <a:latin typeface="Segoe UI Black" panose="020B0A02040204020203" pitchFamily="34" charset="0"/>
                 <a:cs typeface="Times New Roman" panose="02020603050405020304" pitchFamily="18" charset="0"/>
               </a:rPr>
-              <a:t>. Schematic</a:t>
-            </a:r>
-            <a:endParaRPr lang="en-US" sz="3600" b="1" dirty="0">
-              <a:solidFill>
-                <a:srgbClr val="FF0000"/>
-              </a:solidFill>
-              <a:effectLst>
-                <a:outerShdw blurRad="38100" dist="38100" dir="2700000" algn="tl">
-                  <a:srgbClr val="000000">
-                    <a:alpha val="43137"/>
-                  </a:srgbClr>
-                </a:outerShdw>
-              </a:effectLst>
-              <a:latin typeface="Times New Roman" panose="02020603050405020304" pitchFamily="18" charset="0"/>
-              <a:cs typeface="Times New Roman" panose="02020603050405020304" pitchFamily="18" charset="0"/>
-            </a:endParaRPr>
-          </a:p>
-        </p:txBody>
-      </p:sp>
-      <p:sp>
-        <p:nvSpPr>
-          <p:cNvPr id="3" name="TextBox 2"/>
-          <p:cNvSpPr txBox="1"/>
-          <p:nvPr/>
-        </p:nvSpPr>
-        <p:spPr>
-          <a:xfrm>
-            <a:off x="348343" y="596537"/>
-            <a:ext cx="11843657" cy="461665"/>
-          </a:xfrm>
-          <a:prstGeom prst="rect">
-            <a:avLst/>
-          </a:prstGeom>
-          <a:noFill/>
-        </p:spPr>
-        <p:txBody>
-          <a:bodyPr wrap="square" rtlCol="0">
-            <a:spAutoFit/>
-          </a:bodyPr>
-          <a:lstStyle/>
-          <a:p>
-            <a:r>
-              <a:rPr lang="en-US" sz="2400" b="1" dirty="0" smtClean="0">
-                <a:effectLst>
-                  <a:outerShdw blurRad="38100" dist="38100" dir="2700000" algn="tl">
-                    <a:srgbClr val="000000">
-                      <a:alpha val="43137"/>
-                    </a:srgbClr>
-                  </a:outerShdw>
-                </a:effectLst>
-                <a:latin typeface="Times New Roman" panose="02020603050405020304" pitchFamily="18" charset="0"/>
-                <a:cs typeface="Times New Roman" panose="02020603050405020304" pitchFamily="18" charset="0"/>
-              </a:rPr>
-              <a:t>2</a:t>
-            </a:r>
-            <a:r>
-              <a:rPr lang="en-US" sz="2400" b="1" dirty="0" smtClean="0">
-                <a:effectLst>
-                  <a:outerShdw blurRad="38100" dist="38100" dir="2700000" algn="tl">
-                    <a:srgbClr val="000000">
-                      <a:alpha val="43137"/>
-                    </a:srgbClr>
-                  </a:outerShdw>
-                </a:effectLst>
-                <a:latin typeface="Times New Roman" panose="02020603050405020304" pitchFamily="18" charset="0"/>
-                <a:cs typeface="Times New Roman" panose="02020603050405020304" pitchFamily="18" charset="0"/>
-              </a:rPr>
-              <a:t>.2 ĐẦU VÀO</a:t>
+              <a:t>2.2 ĐẦU VÀO</a:t>
             </a:r>
           </a:p>
         </p:txBody>
@@ -5001,7 +6661,7 @@
         </p:blipFill>
         <p:spPr>
           <a:xfrm>
-            <a:off x="88174" y="1058202"/>
+            <a:off x="2080876" y="1271436"/>
             <a:ext cx="11963400" cy="5181600"/>
           </a:xfrm>
           <a:prstGeom prst="rect">
@@ -5162,6 +6822,78 @@
 </p:sld>
 </file>
 
+<file path=ppt/slides/slide15.xml><?xml version="1.0" encoding="utf-8"?>
+<p:sld xmlns:a="http://schemas.openxmlformats.org/drawingml/2006/main" xmlns:r="http://schemas.openxmlformats.org/officeDocument/2006/relationships" xmlns:p="http://schemas.openxmlformats.org/presentationml/2006/main">
+  <p:cSld>
+    <p:spTree>
+      <p:nvGrpSpPr>
+        <p:cNvPr id="1" name=""/>
+        <p:cNvGrpSpPr/>
+        <p:nvPr/>
+      </p:nvGrpSpPr>
+      <p:grpSpPr>
+        <a:xfrm>
+          <a:off x="0" y="0"/>
+          <a:ext cx="0" cy="0"/>
+          <a:chOff x="0" y="0"/>
+          <a:chExt cx="0" cy="0"/>
+        </a:xfrm>
+      </p:grpSpPr>
+      <p:sp>
+        <p:nvSpPr>
+          <p:cNvPr id="2" name="Title 1"/>
+          <p:cNvSpPr>
+            <a:spLocks noGrp="1"/>
+          </p:cNvSpPr>
+          <p:nvPr>
+            <p:ph type="title"/>
+          </p:nvPr>
+        </p:nvSpPr>
+        <p:spPr/>
+        <p:txBody>
+          <a:bodyPr/>
+          <a:lstStyle/>
+          <a:p>
+            <a:endParaRPr lang="en-US"/>
+          </a:p>
+        </p:txBody>
+      </p:sp>
+      <p:sp>
+        <p:nvSpPr>
+          <p:cNvPr id="3" name="Footer Placeholder 2"/>
+          <p:cNvSpPr>
+            <a:spLocks noGrp="1"/>
+          </p:cNvSpPr>
+          <p:nvPr>
+            <p:ph type="ftr" sz="quarter" idx="11"/>
+          </p:nvPr>
+        </p:nvSpPr>
+        <p:spPr/>
+        <p:txBody>
+          <a:bodyPr/>
+          <a:lstStyle/>
+          <a:p>
+            <a:r>
+              <a:rPr lang="en-US"/>
+              <a:t>www.indruino.com</a:t>
+            </a:r>
+            <a:endParaRPr lang="en-US" dirty="0"/>
+          </a:p>
+        </p:txBody>
+      </p:sp>
+    </p:spTree>
+    <p:extLst>
+      <p:ext uri="{BB962C8B-B14F-4D97-AF65-F5344CB8AC3E}">
+        <p14:creationId xmlns:p14="http://schemas.microsoft.com/office/powerpoint/2010/main" val="2861137814"/>
+      </p:ext>
+    </p:extLst>
+  </p:cSld>
+  <p:clrMapOvr>
+    <a:masterClrMapping/>
+  </p:clrMapOvr>
+</p:sld>
+</file>
+
 <file path=ppt/slides/slide2.xml><?xml version="1.0" encoding="utf-8"?>
 <p:sld xmlns:a="http://schemas.openxmlformats.org/drawingml/2006/main" xmlns:r="http://schemas.openxmlformats.org/officeDocument/2006/relationships" xmlns:p="http://schemas.openxmlformats.org/presentationml/2006/main">
   <p:cSld>
@@ -5181,14 +6913,14 @@
       </p:grpSpPr>
       <p:sp>
         <p:nvSpPr>
-          <p:cNvPr id="2" name="TextBox 1"/>
+          <p:cNvPr id="4" name="TextBox 3"/>
           <p:cNvSpPr txBox="1"/>
           <p:nvPr/>
         </p:nvSpPr>
         <p:spPr>
           <a:xfrm>
-            <a:off x="0" y="-49794"/>
-            <a:ext cx="5422446" cy="646331"/>
+            <a:off x="1725283" y="43711"/>
+            <a:ext cx="5599610" cy="646331"/>
           </a:xfrm>
           <a:prstGeom prst="rect">
             <a:avLst/>
@@ -5202,7 +6934,7 @@
           <a:lstStyle/>
           <a:p>
             <a:r>
-              <a:rPr lang="en-US" sz="3600" b="1" dirty="0" smtClean="0">
+              <a:rPr lang="en-US" sz="3600" b="1" dirty="0">
                 <a:solidFill>
                   <a:srgbClr val="FF0000"/>
                 </a:solidFill>
@@ -5213,37 +6945,23 @@
                     </a:srgbClr>
                   </a:outerShdw>
                 </a:effectLst>
-                <a:latin typeface="Times New Roman" panose="02020603050405020304" pitchFamily="18" charset="0"/>
+                <a:latin typeface="Segoe UI Black" panose="020B0A02040204020203" pitchFamily="34" charset="0"/>
                 <a:cs typeface="Times New Roman" panose="02020603050405020304" pitchFamily="18" charset="0"/>
               </a:rPr>
               <a:t>1. PIN PORT IoT BROAD</a:t>
             </a:r>
-            <a:endParaRPr lang="en-US" sz="3600" b="1" dirty="0">
-              <a:solidFill>
-                <a:srgbClr val="FF0000"/>
-              </a:solidFill>
-              <a:effectLst>
-                <a:outerShdw blurRad="38100" dist="38100" dir="2700000" algn="tl">
-                  <a:srgbClr val="000000">
-                    <a:alpha val="43137"/>
-                  </a:srgbClr>
-                </a:outerShdw>
-              </a:effectLst>
-              <a:latin typeface="Times New Roman" panose="02020603050405020304" pitchFamily="18" charset="0"/>
-              <a:cs typeface="Times New Roman" panose="02020603050405020304" pitchFamily="18" charset="0"/>
-            </a:endParaRPr>
-          </a:p>
-        </p:txBody>
-      </p:sp>
-      <p:sp>
-        <p:nvSpPr>
-          <p:cNvPr id="3" name="TextBox 2"/>
+          </a:p>
+        </p:txBody>
+      </p:sp>
+      <p:sp>
+        <p:nvSpPr>
+          <p:cNvPr id="5" name="TextBox 4"/>
           <p:cNvSpPr txBox="1"/>
           <p:nvPr/>
         </p:nvSpPr>
         <p:spPr>
           <a:xfrm>
-            <a:off x="348343" y="596537"/>
+            <a:off x="1725283" y="695563"/>
             <a:ext cx="11843657" cy="461665"/>
           </a:xfrm>
           <a:prstGeom prst="rect">
@@ -5258,7 +6976,7 @@
           <a:lstStyle/>
           <a:p>
             <a:r>
-              <a:rPr lang="en-US" sz="2400" b="1" dirty="0" smtClean="0">
+              <a:rPr lang="en-US" sz="2400" b="1" dirty="0">
                 <a:effectLst>
                   <a:outerShdw blurRad="38100" dist="38100" dir="2700000" algn="tl">
                     <a:srgbClr val="000000">
@@ -5266,22 +6984,339 @@
                     </a:srgbClr>
                   </a:outerShdw>
                 </a:effectLst>
-                <a:latin typeface="Times New Roman" panose="02020603050405020304" pitchFamily="18" charset="0"/>
+                <a:latin typeface="Segoe UI Black" panose="020B0A02040204020203" pitchFamily="34" charset="0"/>
+                <a:cs typeface="Times New Roman" panose="02020603050405020304" pitchFamily="18" charset="0"/>
+              </a:rPr>
+              <a:t>1.1 Sơ đồ chân wifi kit</a:t>
+            </a:r>
+          </a:p>
+        </p:txBody>
+      </p:sp>
+      <p:pic>
+        <p:nvPicPr>
+          <p:cNvPr id="6" name="Picture 5"/>
+          <p:cNvPicPr>
+            <a:picLocks noChangeAspect="1"/>
+          </p:cNvPicPr>
+          <p:nvPr/>
+        </p:nvPicPr>
+        <p:blipFill>
+          <a:blip r:embed="rId2"/>
+          <a:stretch>
+            <a:fillRect/>
+          </a:stretch>
+        </p:blipFill>
+        <p:spPr>
+          <a:xfrm>
+            <a:off x="2484010" y="1847485"/>
+            <a:ext cx="8541544" cy="4592811"/>
+          </a:xfrm>
+          <a:prstGeom prst="rect">
+            <a:avLst/>
+          </a:prstGeom>
+        </p:spPr>
+      </p:pic>
+    </p:spTree>
+    <p:extLst>
+      <p:ext uri="{BB962C8B-B14F-4D97-AF65-F5344CB8AC3E}">
+        <p14:creationId xmlns:p14="http://schemas.microsoft.com/office/powerpoint/2010/main" val="50032627"/>
+      </p:ext>
+    </p:extLst>
+  </p:cSld>
+  <p:clrMapOvr>
+    <a:masterClrMapping/>
+  </p:clrMapOvr>
+  <p:timing>
+    <p:tnLst>
+      <p:par>
+        <p:cTn id="1" dur="indefinite" restart="never" nodeType="tmRoot">
+          <p:childTnLst>
+            <p:seq concurrent="1" nextAc="seek">
+              <p:cTn id="2" dur="indefinite" nodeType="mainSeq">
+                <p:childTnLst>
+                  <p:par>
+                    <p:cTn id="3" fill="hold">
+                      <p:stCondLst>
+                        <p:cond delay="indefinite"/>
+                      </p:stCondLst>
+                      <p:childTnLst>
+                        <p:par>
+                          <p:cTn id="4" fill="hold">
+                            <p:stCondLst>
+                              <p:cond delay="0"/>
+                            </p:stCondLst>
+                            <p:childTnLst>
+                              <p:par>
+                                <p:cTn id="5" presetID="14" presetClass="entr" presetSubtype="10" fill="hold" grpId="0" nodeType="clickEffect">
+                                  <p:stCondLst>
+                                    <p:cond delay="0"/>
+                                  </p:stCondLst>
+                                  <p:childTnLst>
+                                    <p:set>
+                                      <p:cBhvr>
+                                        <p:cTn id="6" dur="1" fill="hold">
+                                          <p:stCondLst>
+                                            <p:cond delay="0"/>
+                                          </p:stCondLst>
+                                        </p:cTn>
+                                        <p:tgtEl>
+                                          <p:spTgt spid="4"/>
+                                        </p:tgtEl>
+                                        <p:attrNameLst>
+                                          <p:attrName>style.visibility</p:attrName>
+                                        </p:attrNameLst>
+                                      </p:cBhvr>
+                                      <p:to>
+                                        <p:strVal val="visible"/>
+                                      </p:to>
+                                    </p:set>
+                                    <p:animEffect transition="in" filter="randombar(horizontal)">
+                                      <p:cBhvr>
+                                        <p:cTn id="7" dur="500"/>
+                                        <p:tgtEl>
+                                          <p:spTgt spid="4"/>
+                                        </p:tgtEl>
+                                      </p:cBhvr>
+                                    </p:animEffect>
+                                  </p:childTnLst>
+                                </p:cTn>
+                              </p:par>
+                            </p:childTnLst>
+                          </p:cTn>
+                        </p:par>
+                      </p:childTnLst>
+                    </p:cTn>
+                  </p:par>
+                  <p:par>
+                    <p:cTn id="8" fill="hold">
+                      <p:stCondLst>
+                        <p:cond delay="indefinite"/>
+                      </p:stCondLst>
+                      <p:childTnLst>
+                        <p:par>
+                          <p:cTn id="9" fill="hold">
+                            <p:stCondLst>
+                              <p:cond delay="0"/>
+                            </p:stCondLst>
+                            <p:childTnLst>
+                              <p:par>
+                                <p:cTn id="10" presetID="14" presetClass="entr" presetSubtype="10" fill="hold" grpId="0" nodeType="clickEffect">
+                                  <p:stCondLst>
+                                    <p:cond delay="0"/>
+                                  </p:stCondLst>
+                                  <p:childTnLst>
+                                    <p:set>
+                                      <p:cBhvr>
+                                        <p:cTn id="11" dur="1" fill="hold">
+                                          <p:stCondLst>
+                                            <p:cond delay="0"/>
+                                          </p:stCondLst>
+                                        </p:cTn>
+                                        <p:tgtEl>
+                                          <p:spTgt spid="5"/>
+                                        </p:tgtEl>
+                                        <p:attrNameLst>
+                                          <p:attrName>style.visibility</p:attrName>
+                                        </p:attrNameLst>
+                                      </p:cBhvr>
+                                      <p:to>
+                                        <p:strVal val="visible"/>
+                                      </p:to>
+                                    </p:set>
+                                    <p:animEffect transition="in" filter="randombar(horizontal)">
+                                      <p:cBhvr>
+                                        <p:cTn id="12" dur="500"/>
+                                        <p:tgtEl>
+                                          <p:spTgt spid="5"/>
+                                        </p:tgtEl>
+                                      </p:cBhvr>
+                                    </p:animEffect>
+                                  </p:childTnLst>
+                                </p:cTn>
+                              </p:par>
+                            </p:childTnLst>
+                          </p:cTn>
+                        </p:par>
+                      </p:childTnLst>
+                    </p:cTn>
+                  </p:par>
+                  <p:par>
+                    <p:cTn id="13" fill="hold">
+                      <p:stCondLst>
+                        <p:cond delay="indefinite"/>
+                      </p:stCondLst>
+                      <p:childTnLst>
+                        <p:par>
+                          <p:cTn id="14" fill="hold">
+                            <p:stCondLst>
+                              <p:cond delay="0"/>
+                            </p:stCondLst>
+                            <p:childTnLst>
+                              <p:par>
+                                <p:cTn id="15" presetID="22" presetClass="entr" presetSubtype="4" fill="hold" nodeType="clickEffect">
+                                  <p:stCondLst>
+                                    <p:cond delay="0"/>
+                                  </p:stCondLst>
+                                  <p:childTnLst>
+                                    <p:set>
+                                      <p:cBhvr>
+                                        <p:cTn id="16" dur="1" fill="hold">
+                                          <p:stCondLst>
+                                            <p:cond delay="0"/>
+                                          </p:stCondLst>
+                                        </p:cTn>
+                                        <p:tgtEl>
+                                          <p:spTgt spid="6"/>
+                                        </p:tgtEl>
+                                        <p:attrNameLst>
+                                          <p:attrName>style.visibility</p:attrName>
+                                        </p:attrNameLst>
+                                      </p:cBhvr>
+                                      <p:to>
+                                        <p:strVal val="visible"/>
+                                      </p:to>
+                                    </p:set>
+                                    <p:animEffect transition="in" filter="wipe(down)">
+                                      <p:cBhvr>
+                                        <p:cTn id="17" dur="500"/>
+                                        <p:tgtEl>
+                                          <p:spTgt spid="6"/>
+                                        </p:tgtEl>
+                                      </p:cBhvr>
+                                    </p:animEffect>
+                                  </p:childTnLst>
+                                </p:cTn>
+                              </p:par>
+                            </p:childTnLst>
+                          </p:cTn>
+                        </p:par>
+                      </p:childTnLst>
+                    </p:cTn>
+                  </p:par>
+                </p:childTnLst>
+              </p:cTn>
+              <p:prevCondLst>
+                <p:cond evt="onPrev" delay="0">
+                  <p:tgtEl>
+                    <p:sldTgt/>
+                  </p:tgtEl>
+                </p:cond>
+              </p:prevCondLst>
+              <p:nextCondLst>
+                <p:cond evt="onNext" delay="0">
+                  <p:tgtEl>
+                    <p:sldTgt/>
+                  </p:tgtEl>
+                </p:cond>
+              </p:nextCondLst>
+            </p:seq>
+          </p:childTnLst>
+        </p:cTn>
+      </p:par>
+    </p:tnLst>
+    <p:bldLst>
+      <p:bldP spid="4" grpId="0"/>
+      <p:bldP spid="5" grpId="0"/>
+    </p:bldLst>
+  </p:timing>
+</p:sld>
+</file>
+
+<file path=ppt/slides/slide3.xml><?xml version="1.0" encoding="utf-8"?>
+<p:sld xmlns:a="http://schemas.openxmlformats.org/drawingml/2006/main" xmlns:r="http://schemas.openxmlformats.org/officeDocument/2006/relationships" xmlns:p="http://schemas.openxmlformats.org/presentationml/2006/main">
+  <p:cSld>
+    <p:spTree>
+      <p:nvGrpSpPr>
+        <p:cNvPr id="1" name=""/>
+        <p:cNvGrpSpPr/>
+        <p:nvPr/>
+      </p:nvGrpSpPr>
+      <p:grpSpPr>
+        <a:xfrm>
+          <a:off x="0" y="0"/>
+          <a:ext cx="0" cy="0"/>
+          <a:chOff x="0" y="0"/>
+          <a:chExt cx="0" cy="0"/>
+        </a:xfrm>
+      </p:grpSpPr>
+      <p:sp>
+        <p:nvSpPr>
+          <p:cNvPr id="2" name="TextBox 1"/>
+          <p:cNvSpPr txBox="1"/>
+          <p:nvPr/>
+        </p:nvSpPr>
+        <p:spPr>
+          <a:xfrm>
+            <a:off x="1966128" y="89608"/>
+            <a:ext cx="5599610" cy="646331"/>
+          </a:xfrm>
+          <a:prstGeom prst="rect">
+            <a:avLst/>
+          </a:prstGeom>
+          <a:noFill/>
+        </p:spPr>
+        <p:txBody>
+          <a:bodyPr wrap="none" rtlCol="0">
+            <a:spAutoFit/>
+          </a:bodyPr>
+          <a:lstStyle/>
+          <a:p>
+            <a:r>
+              <a:rPr lang="en-US" sz="3600" b="1" dirty="0">
+                <a:solidFill>
+                  <a:srgbClr val="FF0000"/>
+                </a:solidFill>
+                <a:effectLst>
+                  <a:outerShdw blurRad="38100" dist="38100" dir="2700000" algn="tl">
+                    <a:srgbClr val="000000">
+                      <a:alpha val="43137"/>
+                    </a:srgbClr>
+                  </a:outerShdw>
+                </a:effectLst>
+                <a:latin typeface="Segoe UI Black" panose="020B0A02040204020203" pitchFamily="34" charset="0"/>
+                <a:cs typeface="Times New Roman" panose="02020603050405020304" pitchFamily="18" charset="0"/>
+              </a:rPr>
+              <a:t>1. PIN PORT IoT BROAD</a:t>
+            </a:r>
+          </a:p>
+        </p:txBody>
+      </p:sp>
+      <p:sp>
+        <p:nvSpPr>
+          <p:cNvPr id="3" name="TextBox 2"/>
+          <p:cNvSpPr txBox="1"/>
+          <p:nvPr/>
+        </p:nvSpPr>
+        <p:spPr>
+          <a:xfrm>
+            <a:off x="1966128" y="827821"/>
+            <a:ext cx="11843657" cy="461665"/>
+          </a:xfrm>
+          <a:prstGeom prst="rect">
+            <a:avLst/>
+          </a:prstGeom>
+          <a:noFill/>
+        </p:spPr>
+        <p:txBody>
+          <a:bodyPr wrap="square" rtlCol="0">
+            <a:spAutoFit/>
+          </a:bodyPr>
+          <a:lstStyle/>
+          <a:p>
+            <a:r>
+              <a:rPr lang="en-US" sz="2400" b="1" dirty="0">
+                <a:effectLst>
+                  <a:outerShdw blurRad="38100" dist="38100" dir="2700000" algn="tl">
+                    <a:srgbClr val="000000">
+                      <a:alpha val="43137"/>
+                    </a:srgbClr>
+                  </a:outerShdw>
+                </a:effectLst>
+                <a:latin typeface="Segoe UI Black" panose="020B0A02040204020203" pitchFamily="34" charset="0"/>
                 <a:cs typeface="Times New Roman" panose="02020603050405020304" pitchFamily="18" charset="0"/>
               </a:rPr>
               <a:t>1.2 Source Broad</a:t>
             </a:r>
-            <a:endParaRPr lang="en-US" sz="2400" b="1" dirty="0">
-              <a:effectLst>
-                <a:outerShdw blurRad="38100" dist="38100" dir="2700000" algn="tl">
-                  <a:srgbClr val="000000">
-                    <a:alpha val="43137"/>
-                  </a:srgbClr>
-                </a:outerShdw>
-              </a:effectLst>
-              <a:latin typeface="Times New Roman" panose="02020603050405020304" pitchFamily="18" charset="0"/>
-              <a:cs typeface="Times New Roman" panose="02020603050405020304" pitchFamily="18" charset="0"/>
-            </a:endParaRPr>
           </a:p>
         </p:txBody>
       </p:sp>
@@ -5293,7 +7328,7 @@
         </p:nvSpPr>
         <p:spPr>
           <a:xfrm>
-            <a:off x="348342" y="1059374"/>
+            <a:off x="2530825" y="1704533"/>
             <a:ext cx="11843657" cy="1938992"/>
           </a:xfrm>
           <a:prstGeom prst="rect">
@@ -5312,8 +7347,8 @@
               <a:buChar char="•"/>
             </a:pPr>
             <a:r>
-              <a:rPr lang="en-US" sz="2400" dirty="0" smtClean="0">
-                <a:latin typeface="Times New Roman" panose="02020603050405020304" pitchFamily="18" charset="0"/>
+              <a:rPr lang="en-US" sz="2400" dirty="0">
+                <a:latin typeface="Segoe UI Black" panose="020B0A02040204020203" pitchFamily="34" charset="0"/>
                 <a:cs typeface="Times New Roman" panose="02020603050405020304" pitchFamily="18" charset="0"/>
               </a:rPr>
               <a:t>Broad có 7 chân nguồn:</a:t>
@@ -5325,8 +7360,8 @@
               <a:buChar char="Ø"/>
             </a:pPr>
             <a:r>
-              <a:rPr lang="en-US" sz="2400" dirty="0" smtClean="0">
-                <a:latin typeface="Times New Roman" panose="02020603050405020304" pitchFamily="18" charset="0"/>
+              <a:rPr lang="en-US" sz="2400" dirty="0">
+                <a:latin typeface="Segoe UI Black" panose="020B0A02040204020203" pitchFamily="34" charset="0"/>
                 <a:cs typeface="Times New Roman" panose="02020603050405020304" pitchFamily="18" charset="0"/>
               </a:rPr>
               <a:t>2 chân GND</a:t>
@@ -5338,8 +7373,8 @@
               <a:buChar char="Ø"/>
             </a:pPr>
             <a:r>
-              <a:rPr lang="en-US" sz="2400" dirty="0" smtClean="0">
-                <a:latin typeface="Times New Roman" panose="02020603050405020304" pitchFamily="18" charset="0"/>
+              <a:rPr lang="en-US" sz="2400" dirty="0">
+                <a:latin typeface="Segoe UI Black" panose="020B0A02040204020203" pitchFamily="34" charset="0"/>
                 <a:cs typeface="Times New Roman" panose="02020603050405020304" pitchFamily="18" charset="0"/>
               </a:rPr>
               <a:t>1 chân 5V</a:t>
@@ -5351,8 +7386,8 @@
               <a:buChar char="Ø"/>
             </a:pPr>
             <a:r>
-              <a:rPr lang="en-US" sz="2400" dirty="0" smtClean="0">
-                <a:latin typeface="Times New Roman" panose="02020603050405020304" pitchFamily="18" charset="0"/>
+              <a:rPr lang="en-US" sz="2400" dirty="0">
+                <a:latin typeface="Segoe UI Black" panose="020B0A02040204020203" pitchFamily="34" charset="0"/>
                 <a:cs typeface="Times New Roman" panose="02020603050405020304" pitchFamily="18" charset="0"/>
               </a:rPr>
               <a:t>2 chân 3.3V</a:t>
@@ -5364,8 +7399,8 @@
               <a:buChar char="Ø"/>
             </a:pPr>
             <a:r>
-              <a:rPr lang="en-US" sz="2400" dirty="0" smtClean="0">
-                <a:latin typeface="Times New Roman" panose="02020603050405020304" pitchFamily="18" charset="0"/>
+              <a:rPr lang="en-US" sz="2400" dirty="0">
+                <a:latin typeface="Segoe UI Black" panose="020B0A02040204020203" pitchFamily="34" charset="0"/>
                 <a:cs typeface="Times New Roman" panose="02020603050405020304" pitchFamily="18" charset="0"/>
               </a:rPr>
               <a:t>2 chân nguồn ngoài (Vext)</a:t>
@@ -5389,7 +7424,7 @@
         </p:blipFill>
         <p:spPr>
           <a:xfrm>
-            <a:off x="1483858" y="3390356"/>
+            <a:off x="2530825" y="4058572"/>
             <a:ext cx="7877175" cy="2324100"/>
           </a:xfrm>
           <a:prstGeom prst="rect">
@@ -6032,7 +8067,7 @@
 </p:sld>
 </file>
 
-<file path=ppt/slides/slide3.xml><?xml version="1.0" encoding="utf-8"?>
+<file path=ppt/slides/slide4.xml><?xml version="1.0" encoding="utf-8"?>
 <p:sld xmlns:a="http://schemas.openxmlformats.org/drawingml/2006/main" xmlns:r="http://schemas.openxmlformats.org/officeDocument/2006/relationships" xmlns:p="http://schemas.openxmlformats.org/presentationml/2006/main">
   <p:cSld>
     <p:spTree>
@@ -6057,8 +8092,8 @@
         </p:nvSpPr>
         <p:spPr>
           <a:xfrm>
-            <a:off x="0" y="-49794"/>
-            <a:ext cx="5422446" cy="646331"/>
+            <a:off x="1854679" y="51758"/>
+            <a:ext cx="5599610" cy="646331"/>
           </a:xfrm>
           <a:prstGeom prst="rect">
             <a:avLst/>
@@ -6072,7 +8107,7 @@
           <a:lstStyle/>
           <a:p>
             <a:r>
-              <a:rPr lang="en-US" sz="3600" b="1" dirty="0" smtClean="0">
+              <a:rPr lang="en-US" sz="3600" b="1" dirty="0">
                 <a:solidFill>
                   <a:srgbClr val="FF0000"/>
                 </a:solidFill>
@@ -6083,25 +8118,11 @@
                     </a:srgbClr>
                   </a:outerShdw>
                 </a:effectLst>
-                <a:latin typeface="Times New Roman" panose="02020603050405020304" pitchFamily="18" charset="0"/>
+                <a:latin typeface="Segoe UI Black" panose="020B0A02040204020203" pitchFamily="34" charset="0"/>
                 <a:cs typeface="Times New Roman" panose="02020603050405020304" pitchFamily="18" charset="0"/>
               </a:rPr>
               <a:t>1. PIN PORT IoT BROAD</a:t>
             </a:r>
-            <a:endParaRPr lang="en-US" sz="3600" b="1" dirty="0">
-              <a:solidFill>
-                <a:srgbClr val="FF0000"/>
-              </a:solidFill>
-              <a:effectLst>
-                <a:outerShdw blurRad="38100" dist="38100" dir="2700000" algn="tl">
-                  <a:srgbClr val="000000">
-                    <a:alpha val="43137"/>
-                  </a:srgbClr>
-                </a:outerShdw>
-              </a:effectLst>
-              <a:latin typeface="Times New Roman" panose="02020603050405020304" pitchFamily="18" charset="0"/>
-              <a:cs typeface="Times New Roman" panose="02020603050405020304" pitchFamily="18" charset="0"/>
-            </a:endParaRPr>
           </a:p>
         </p:txBody>
       </p:sp>
@@ -6113,7 +8134,7 @@
         </p:nvSpPr>
         <p:spPr>
           <a:xfrm>
-            <a:off x="348343" y="596537"/>
+            <a:off x="1854679" y="567902"/>
             <a:ext cx="11843657" cy="461665"/>
           </a:xfrm>
           <a:prstGeom prst="rect">
@@ -6128,7 +8149,7 @@
           <a:lstStyle/>
           <a:p>
             <a:r>
-              <a:rPr lang="en-US" sz="2400" b="1" dirty="0" smtClean="0">
+              <a:rPr lang="en-US" sz="2400" b="1" dirty="0">
                 <a:effectLst>
                   <a:outerShdw blurRad="38100" dist="38100" dir="2700000" algn="tl">
                     <a:srgbClr val="000000">
@@ -6136,22 +8157,11 @@
                     </a:srgbClr>
                   </a:outerShdw>
                 </a:effectLst>
-                <a:latin typeface="Times New Roman" panose="02020603050405020304" pitchFamily="18" charset="0"/>
+                <a:latin typeface="Segoe UI Black" panose="020B0A02040204020203" pitchFamily="34" charset="0"/>
                 <a:cs typeface="Times New Roman" panose="02020603050405020304" pitchFamily="18" charset="0"/>
               </a:rPr>
               <a:t>1.3 DIGITAL PIN</a:t>
             </a:r>
-            <a:endParaRPr lang="en-US" sz="2400" b="1" dirty="0">
-              <a:effectLst>
-                <a:outerShdw blurRad="38100" dist="38100" dir="2700000" algn="tl">
-                  <a:srgbClr val="000000">
-                    <a:alpha val="43137"/>
-                  </a:srgbClr>
-                </a:outerShdw>
-              </a:effectLst>
-              <a:latin typeface="Times New Roman" panose="02020603050405020304" pitchFamily="18" charset="0"/>
-              <a:cs typeface="Times New Roman" panose="02020603050405020304" pitchFamily="18" charset="0"/>
-            </a:endParaRPr>
           </a:p>
         </p:txBody>
       </p:sp>
@@ -6163,7 +8173,7 @@
         </p:nvSpPr>
         <p:spPr>
           <a:xfrm>
-            <a:off x="348342" y="1059374"/>
+            <a:off x="2018880" y="1060241"/>
             <a:ext cx="11843657" cy="1200329"/>
           </a:xfrm>
           <a:prstGeom prst="rect">
@@ -6182,8 +8192,8 @@
               <a:buChar char="•"/>
             </a:pPr>
             <a:r>
-              <a:rPr lang="en-US" sz="2400" dirty="0" smtClean="0">
-                <a:latin typeface="Times New Roman" panose="02020603050405020304" pitchFamily="18" charset="0"/>
+              <a:rPr lang="en-US" sz="2400" dirty="0">
+                <a:latin typeface="Segoe UI Black" panose="020B0A02040204020203" pitchFamily="34" charset="0"/>
                 <a:cs typeface="Times New Roman" panose="02020603050405020304" pitchFamily="18" charset="0"/>
               </a:rPr>
               <a:t>Broad có 10 chân vào số:</a:t>
@@ -6195,8 +8205,8 @@
               <a:buChar char="Ø"/>
             </a:pPr>
             <a:r>
-              <a:rPr lang="en-US" sz="2400" dirty="0" smtClean="0">
-                <a:latin typeface="Times New Roman" panose="02020603050405020304" pitchFamily="18" charset="0"/>
+              <a:rPr lang="en-US" sz="2400" dirty="0">
+                <a:latin typeface="Segoe UI Black" panose="020B0A02040204020203" pitchFamily="34" charset="0"/>
                 <a:cs typeface="Times New Roman" panose="02020603050405020304" pitchFamily="18" charset="0"/>
               </a:rPr>
               <a:t>Bên nhánh trái gồm có 6 chân</a:t>
@@ -6208,8 +8218,8 @@
               <a:buChar char="Ø"/>
             </a:pPr>
             <a:r>
-              <a:rPr lang="en-US" sz="2400" dirty="0" smtClean="0">
-                <a:latin typeface="Times New Roman" panose="02020603050405020304" pitchFamily="18" charset="0"/>
+              <a:rPr lang="en-US" sz="2400" dirty="0">
+                <a:latin typeface="Segoe UI Black" panose="020B0A02040204020203" pitchFamily="34" charset="0"/>
                 <a:cs typeface="Times New Roman" panose="02020603050405020304" pitchFamily="18" charset="0"/>
               </a:rPr>
               <a:t>Bên nhánh phải gồm có 4 chân</a:t>
@@ -6233,7 +8243,7 @@
         </p:blipFill>
         <p:spPr>
           <a:xfrm>
-            <a:off x="1028699" y="5276850"/>
+            <a:off x="2256943" y="5276850"/>
             <a:ext cx="10744200" cy="1581150"/>
           </a:xfrm>
           <a:prstGeom prst="rect">
@@ -6257,7 +8267,7 @@
         </p:blipFill>
         <p:spPr>
           <a:xfrm>
-            <a:off x="964474" y="2259703"/>
+            <a:off x="2256943" y="2416160"/>
             <a:ext cx="10210800" cy="2705100"/>
           </a:xfrm>
           <a:prstGeom prst="rect">
@@ -6536,615 +8546,6 @@
                                         <p:cTn id="27" dur="500"/>
                                         <p:tgtEl>
                                           <p:spTgt spid="6"/>
-                                        </p:tgtEl>
-                                      </p:cBhvr>
-                                    </p:animEffect>
-                                  </p:childTnLst>
-                                </p:cTn>
-                              </p:par>
-                            </p:childTnLst>
-                          </p:cTn>
-                        </p:par>
-                      </p:childTnLst>
-                    </p:cTn>
-                  </p:par>
-                </p:childTnLst>
-              </p:cTn>
-              <p:prevCondLst>
-                <p:cond evt="onPrev" delay="0">
-                  <p:tgtEl>
-                    <p:sldTgt/>
-                  </p:tgtEl>
-                </p:cond>
-              </p:prevCondLst>
-              <p:nextCondLst>
-                <p:cond evt="onNext" delay="0">
-                  <p:tgtEl>
-                    <p:sldTgt/>
-                  </p:tgtEl>
-                </p:cond>
-              </p:nextCondLst>
-            </p:seq>
-          </p:childTnLst>
-        </p:cTn>
-      </p:par>
-    </p:tnLst>
-    <p:bldLst>
-      <p:bldP spid="2" grpId="0"/>
-      <p:bldP spid="3" grpId="0"/>
-      <p:bldP spid="4" grpId="0"/>
-    </p:bldLst>
-  </p:timing>
-</p:sld>
-</file>
-
-<file path=ppt/slides/slide4.xml><?xml version="1.0" encoding="utf-8"?>
-<p:sld xmlns:a="http://schemas.openxmlformats.org/drawingml/2006/main" xmlns:r="http://schemas.openxmlformats.org/officeDocument/2006/relationships" xmlns:p="http://schemas.openxmlformats.org/presentationml/2006/main">
-  <p:cSld>
-    <p:spTree>
-      <p:nvGrpSpPr>
-        <p:cNvPr id="1" name=""/>
-        <p:cNvGrpSpPr/>
-        <p:nvPr/>
-      </p:nvGrpSpPr>
-      <p:grpSpPr>
-        <a:xfrm>
-          <a:off x="0" y="0"/>
-          <a:ext cx="0" cy="0"/>
-          <a:chOff x="0" y="0"/>
-          <a:chExt cx="0" cy="0"/>
-        </a:xfrm>
-      </p:grpSpPr>
-      <p:sp>
-        <p:nvSpPr>
-          <p:cNvPr id="2" name="TextBox 1"/>
-          <p:cNvSpPr txBox="1"/>
-          <p:nvPr/>
-        </p:nvSpPr>
-        <p:spPr>
-          <a:xfrm>
-            <a:off x="0" y="-49794"/>
-            <a:ext cx="5422446" cy="646331"/>
-          </a:xfrm>
-          <a:prstGeom prst="rect">
-            <a:avLst/>
-          </a:prstGeom>
-          <a:noFill/>
-        </p:spPr>
-        <p:txBody>
-          <a:bodyPr wrap="none" rtlCol="0">
-            <a:spAutoFit/>
-          </a:bodyPr>
-          <a:lstStyle/>
-          <a:p>
-            <a:r>
-              <a:rPr lang="en-US" sz="3600" b="1" dirty="0" smtClean="0">
-                <a:solidFill>
-                  <a:srgbClr val="FF0000"/>
-                </a:solidFill>
-                <a:effectLst>
-                  <a:outerShdw blurRad="38100" dist="38100" dir="2700000" algn="tl">
-                    <a:srgbClr val="000000">
-                      <a:alpha val="43137"/>
-                    </a:srgbClr>
-                  </a:outerShdw>
-                </a:effectLst>
-                <a:latin typeface="Times New Roman" panose="02020603050405020304" pitchFamily="18" charset="0"/>
-                <a:cs typeface="Times New Roman" panose="02020603050405020304" pitchFamily="18" charset="0"/>
-              </a:rPr>
-              <a:t>1. PIN PORT IoT BROAD</a:t>
-            </a:r>
-            <a:endParaRPr lang="en-US" sz="3600" b="1" dirty="0">
-              <a:solidFill>
-                <a:srgbClr val="FF0000"/>
-              </a:solidFill>
-              <a:effectLst>
-                <a:outerShdw blurRad="38100" dist="38100" dir="2700000" algn="tl">
-                  <a:srgbClr val="000000">
-                    <a:alpha val="43137"/>
-                  </a:srgbClr>
-                </a:outerShdw>
-              </a:effectLst>
-              <a:latin typeface="Times New Roman" panose="02020603050405020304" pitchFamily="18" charset="0"/>
-              <a:cs typeface="Times New Roman" panose="02020603050405020304" pitchFamily="18" charset="0"/>
-            </a:endParaRPr>
-          </a:p>
-        </p:txBody>
-      </p:sp>
-      <p:sp>
-        <p:nvSpPr>
-          <p:cNvPr id="3" name="TextBox 2"/>
-          <p:cNvSpPr txBox="1"/>
-          <p:nvPr/>
-        </p:nvSpPr>
-        <p:spPr>
-          <a:xfrm>
-            <a:off x="348343" y="596537"/>
-            <a:ext cx="11843657" cy="461665"/>
-          </a:xfrm>
-          <a:prstGeom prst="rect">
-            <a:avLst/>
-          </a:prstGeom>
-          <a:noFill/>
-        </p:spPr>
-        <p:txBody>
-          <a:bodyPr wrap="square" rtlCol="0">
-            <a:spAutoFit/>
-          </a:bodyPr>
-          <a:lstStyle/>
-          <a:p>
-            <a:r>
-              <a:rPr lang="en-US" sz="2400" b="1" dirty="0" smtClean="0">
-                <a:effectLst>
-                  <a:outerShdw blurRad="38100" dist="38100" dir="2700000" algn="tl">
-                    <a:srgbClr val="000000">
-                      <a:alpha val="43137"/>
-                    </a:srgbClr>
-                  </a:outerShdw>
-                </a:effectLst>
-                <a:latin typeface="Times New Roman" panose="02020603050405020304" pitchFamily="18" charset="0"/>
-                <a:cs typeface="Times New Roman" panose="02020603050405020304" pitchFamily="18" charset="0"/>
-              </a:rPr>
-              <a:t>1.4 ANALOG PIN</a:t>
-            </a:r>
-            <a:endParaRPr lang="en-US" sz="2400" b="1" dirty="0">
-              <a:effectLst>
-                <a:outerShdw blurRad="38100" dist="38100" dir="2700000" algn="tl">
-                  <a:srgbClr val="000000">
-                    <a:alpha val="43137"/>
-                  </a:srgbClr>
-                </a:outerShdw>
-              </a:effectLst>
-              <a:latin typeface="Times New Roman" panose="02020603050405020304" pitchFamily="18" charset="0"/>
-              <a:cs typeface="Times New Roman" panose="02020603050405020304" pitchFamily="18" charset="0"/>
-            </a:endParaRPr>
-          </a:p>
-        </p:txBody>
-      </p:sp>
-      <p:sp>
-        <p:nvSpPr>
-          <p:cNvPr id="4" name="TextBox 3"/>
-          <p:cNvSpPr txBox="1"/>
-          <p:nvPr/>
-        </p:nvSpPr>
-        <p:spPr>
-          <a:xfrm>
-            <a:off x="348342" y="1059374"/>
-            <a:ext cx="11843657" cy="1569660"/>
-          </a:xfrm>
-          <a:prstGeom prst="rect">
-            <a:avLst/>
-          </a:prstGeom>
-          <a:noFill/>
-        </p:spPr>
-        <p:txBody>
-          <a:bodyPr wrap="square" rtlCol="0">
-            <a:spAutoFit/>
-          </a:bodyPr>
-          <a:lstStyle/>
-          <a:p>
-            <a:pPr marL="342900" indent="-342900">
-              <a:buFont typeface="Arial" panose="020B0604020202020204" pitchFamily="34" charset="0"/>
-              <a:buChar char="•"/>
-            </a:pPr>
-            <a:r>
-              <a:rPr lang="en-US" sz="2400" dirty="0" smtClean="0">
-                <a:latin typeface="Times New Roman" panose="02020603050405020304" pitchFamily="18" charset="0"/>
-                <a:cs typeface="Times New Roman" panose="02020603050405020304" pitchFamily="18" charset="0"/>
-              </a:rPr>
-              <a:t>Broad có 18 chân vào analog:</a:t>
-            </a:r>
-          </a:p>
-          <a:p>
-            <a:pPr marL="800100" lvl="1" indent="-342900">
-              <a:buFont typeface="Wingdings" panose="05000000000000000000" pitchFamily="2" charset="2"/>
-              <a:buChar char="Ø"/>
-            </a:pPr>
-            <a:r>
-              <a:rPr lang="en-US" sz="2400" dirty="0" smtClean="0">
-                <a:latin typeface="Times New Roman" panose="02020603050405020304" pitchFamily="18" charset="0"/>
-                <a:cs typeface="Times New Roman" panose="02020603050405020304" pitchFamily="18" charset="0"/>
-              </a:rPr>
-              <a:t>Bên nhánh trái gồm có 14 chân</a:t>
-            </a:r>
-          </a:p>
-          <a:p>
-            <a:pPr marL="800100" lvl="1" indent="-342900">
-              <a:buFont typeface="Wingdings" panose="05000000000000000000" pitchFamily="2" charset="2"/>
-              <a:buChar char="Ø"/>
-            </a:pPr>
-            <a:r>
-              <a:rPr lang="en-US" sz="2400" dirty="0" smtClean="0">
-                <a:latin typeface="Times New Roman" panose="02020603050405020304" pitchFamily="18" charset="0"/>
-                <a:cs typeface="Times New Roman" panose="02020603050405020304" pitchFamily="18" charset="0"/>
-              </a:rPr>
-              <a:t>Bên nhánh phải gồm có 4 chân</a:t>
-            </a:r>
-            <a:endParaRPr lang="en-US" sz="2400" dirty="0">
-              <a:latin typeface="Times New Roman" panose="02020603050405020304" pitchFamily="18" charset="0"/>
-              <a:cs typeface="Times New Roman" panose="02020603050405020304" pitchFamily="18" charset="0"/>
-            </a:endParaRPr>
-          </a:p>
-          <a:p>
-            <a:pPr marL="342900" indent="-342900">
-              <a:buFont typeface="Arial" panose="020B0604020202020204" pitchFamily="34" charset="0"/>
-              <a:buChar char="•"/>
-            </a:pPr>
-            <a:r>
-              <a:rPr lang="en-US" sz="2400" dirty="0" smtClean="0">
-                <a:latin typeface="Times New Roman" panose="02020603050405020304" pitchFamily="18" charset="0"/>
-                <a:cs typeface="Times New Roman" panose="02020603050405020304" pitchFamily="18" charset="0"/>
-              </a:rPr>
-              <a:t>Trong đó có 2 kênh analog: kênh 1 có 8 chân, kênh 2 có 10 chân</a:t>
-            </a:r>
-          </a:p>
-        </p:txBody>
-      </p:sp>
-      <p:pic>
-        <p:nvPicPr>
-          <p:cNvPr id="5" name="Picture 4"/>
-          <p:cNvPicPr>
-            <a:picLocks noChangeAspect="1"/>
-          </p:cNvPicPr>
-          <p:nvPr/>
-        </p:nvPicPr>
-        <p:blipFill>
-          <a:blip r:embed="rId2"/>
-          <a:stretch>
-            <a:fillRect/>
-          </a:stretch>
-        </p:blipFill>
-        <p:spPr>
-          <a:xfrm>
-            <a:off x="0" y="2842584"/>
-            <a:ext cx="6527353" cy="3836890"/>
-          </a:xfrm>
-          <a:prstGeom prst="rect">
-            <a:avLst/>
-          </a:prstGeom>
-        </p:spPr>
-      </p:pic>
-      <p:pic>
-        <p:nvPicPr>
-          <p:cNvPr id="7" name="Picture 6"/>
-          <p:cNvPicPr>
-            <a:picLocks noChangeAspect="1"/>
-          </p:cNvPicPr>
-          <p:nvPr/>
-        </p:nvPicPr>
-        <p:blipFill>
-          <a:blip r:embed="rId3"/>
-          <a:stretch>
-            <a:fillRect/>
-          </a:stretch>
-        </p:blipFill>
-        <p:spPr>
-          <a:xfrm>
-            <a:off x="6527352" y="2842584"/>
-            <a:ext cx="5658781" cy="1570832"/>
-          </a:xfrm>
-          <a:prstGeom prst="rect">
-            <a:avLst/>
-          </a:prstGeom>
-        </p:spPr>
-      </p:pic>
-    </p:spTree>
-    <p:extLst>
-      <p:ext uri="{BB962C8B-B14F-4D97-AF65-F5344CB8AC3E}">
-        <p14:creationId xmlns:p14="http://schemas.microsoft.com/office/powerpoint/2010/main" val="1243306393"/>
-      </p:ext>
-    </p:extLst>
-  </p:cSld>
-  <p:clrMapOvr>
-    <a:masterClrMapping/>
-  </p:clrMapOvr>
-  <p:timing>
-    <p:tnLst>
-      <p:par>
-        <p:cTn id="1" dur="indefinite" restart="never" nodeType="tmRoot">
-          <p:childTnLst>
-            <p:seq concurrent="1" nextAc="seek">
-              <p:cTn id="2" dur="indefinite" nodeType="mainSeq">
-                <p:childTnLst>
-                  <p:par>
-                    <p:cTn id="3" fill="hold">
-                      <p:stCondLst>
-                        <p:cond delay="indefinite"/>
-                      </p:stCondLst>
-                      <p:childTnLst>
-                        <p:par>
-                          <p:cTn id="4" fill="hold">
-                            <p:stCondLst>
-                              <p:cond delay="0"/>
-                            </p:stCondLst>
-                            <p:childTnLst>
-                              <p:par>
-                                <p:cTn id="5" presetID="14" presetClass="entr" presetSubtype="10" fill="hold" grpId="0" nodeType="clickEffect">
-                                  <p:stCondLst>
-                                    <p:cond delay="0"/>
-                                  </p:stCondLst>
-                                  <p:childTnLst>
-                                    <p:set>
-                                      <p:cBhvr>
-                                        <p:cTn id="6" dur="1" fill="hold">
-                                          <p:stCondLst>
-                                            <p:cond delay="0"/>
-                                          </p:stCondLst>
-                                        </p:cTn>
-                                        <p:tgtEl>
-                                          <p:spTgt spid="2"/>
-                                        </p:tgtEl>
-                                        <p:attrNameLst>
-                                          <p:attrName>style.visibility</p:attrName>
-                                        </p:attrNameLst>
-                                      </p:cBhvr>
-                                      <p:to>
-                                        <p:strVal val="visible"/>
-                                      </p:to>
-                                    </p:set>
-                                    <p:animEffect transition="in" filter="randombar(horizontal)">
-                                      <p:cBhvr>
-                                        <p:cTn id="7" dur="500"/>
-                                        <p:tgtEl>
-                                          <p:spTgt spid="2"/>
-                                        </p:tgtEl>
-                                      </p:cBhvr>
-                                    </p:animEffect>
-                                  </p:childTnLst>
-                                </p:cTn>
-                              </p:par>
-                            </p:childTnLst>
-                          </p:cTn>
-                        </p:par>
-                      </p:childTnLst>
-                    </p:cTn>
-                  </p:par>
-                  <p:par>
-                    <p:cTn id="8" fill="hold">
-                      <p:stCondLst>
-                        <p:cond delay="indefinite"/>
-                      </p:stCondLst>
-                      <p:childTnLst>
-                        <p:par>
-                          <p:cTn id="9" fill="hold">
-                            <p:stCondLst>
-                              <p:cond delay="0"/>
-                            </p:stCondLst>
-                            <p:childTnLst>
-                              <p:par>
-                                <p:cTn id="10" presetID="14" presetClass="entr" presetSubtype="10" fill="hold" grpId="0" nodeType="clickEffect">
-                                  <p:stCondLst>
-                                    <p:cond delay="0"/>
-                                  </p:stCondLst>
-                                  <p:childTnLst>
-                                    <p:set>
-                                      <p:cBhvr>
-                                        <p:cTn id="11" dur="1" fill="hold">
-                                          <p:stCondLst>
-                                            <p:cond delay="0"/>
-                                          </p:stCondLst>
-                                        </p:cTn>
-                                        <p:tgtEl>
-                                          <p:spTgt spid="3"/>
-                                        </p:tgtEl>
-                                        <p:attrNameLst>
-                                          <p:attrName>style.visibility</p:attrName>
-                                        </p:attrNameLst>
-                                      </p:cBhvr>
-                                      <p:to>
-                                        <p:strVal val="visible"/>
-                                      </p:to>
-                                    </p:set>
-                                    <p:animEffect transition="in" filter="randombar(horizontal)">
-                                      <p:cBhvr>
-                                        <p:cTn id="12" dur="500"/>
-                                        <p:tgtEl>
-                                          <p:spTgt spid="3"/>
-                                        </p:tgtEl>
-                                      </p:cBhvr>
-                                    </p:animEffect>
-                                  </p:childTnLst>
-                                </p:cTn>
-                              </p:par>
-                            </p:childTnLst>
-                          </p:cTn>
-                        </p:par>
-                      </p:childTnLst>
-                    </p:cTn>
-                  </p:par>
-                  <p:par>
-                    <p:cTn id="13" fill="hold">
-                      <p:stCondLst>
-                        <p:cond delay="indefinite"/>
-                      </p:stCondLst>
-                      <p:childTnLst>
-                        <p:par>
-                          <p:cTn id="14" fill="hold">
-                            <p:stCondLst>
-                              <p:cond delay="0"/>
-                            </p:stCondLst>
-                            <p:childTnLst>
-                              <p:par>
-                                <p:cTn id="15" presetID="14" presetClass="entr" presetSubtype="10" fill="hold" grpId="0" nodeType="clickEffect">
-                                  <p:stCondLst>
-                                    <p:cond delay="0"/>
-                                  </p:stCondLst>
-                                  <p:childTnLst>
-                                    <p:set>
-                                      <p:cBhvr>
-                                        <p:cTn id="16" dur="1" fill="hold">
-                                          <p:stCondLst>
-                                            <p:cond delay="0"/>
-                                          </p:stCondLst>
-                                        </p:cTn>
-                                        <p:tgtEl>
-                                          <p:spTgt spid="4"/>
-                                        </p:tgtEl>
-                                        <p:attrNameLst>
-                                          <p:attrName>style.visibility</p:attrName>
-                                        </p:attrNameLst>
-                                      </p:cBhvr>
-                                      <p:to>
-                                        <p:strVal val="visible"/>
-                                      </p:to>
-                                    </p:set>
-                                    <p:animEffect transition="in" filter="randombar(horizontal)">
-                                      <p:cBhvr>
-                                        <p:cTn id="17" dur="500"/>
-                                        <p:tgtEl>
-                                          <p:spTgt spid="4"/>
-                                        </p:tgtEl>
-                                      </p:cBhvr>
-                                    </p:animEffect>
-                                  </p:childTnLst>
-                                </p:cTn>
-                              </p:par>
-                            </p:childTnLst>
-                          </p:cTn>
-                        </p:par>
-                      </p:childTnLst>
-                    </p:cTn>
-                  </p:par>
-                  <p:par>
-                    <p:cTn id="18" fill="hold">
-                      <p:stCondLst>
-                        <p:cond delay="indefinite"/>
-                      </p:stCondLst>
-                      <p:childTnLst>
-                        <p:par>
-                          <p:cTn id="19" fill="hold">
-                            <p:stCondLst>
-                              <p:cond delay="0"/>
-                            </p:stCondLst>
-                            <p:childTnLst>
-                              <p:par>
-                                <p:cTn id="20" presetID="10" presetClass="entr" presetSubtype="0" fill="hold" nodeType="clickEffect">
-                                  <p:stCondLst>
-                                    <p:cond delay="0"/>
-                                  </p:stCondLst>
-                                  <p:childTnLst>
-                                    <p:set>
-                                      <p:cBhvr>
-                                        <p:cTn id="21" dur="1" fill="hold">
-                                          <p:stCondLst>
-                                            <p:cond delay="0"/>
-                                          </p:stCondLst>
-                                        </p:cTn>
-                                        <p:tgtEl>
-                                          <p:spTgt spid="5"/>
-                                        </p:tgtEl>
-                                        <p:attrNameLst>
-                                          <p:attrName>style.visibility</p:attrName>
-                                        </p:attrNameLst>
-                                      </p:cBhvr>
-                                      <p:to>
-                                        <p:strVal val="visible"/>
-                                      </p:to>
-                                    </p:set>
-                                    <p:animEffect transition="in" filter="fade">
-                                      <p:cBhvr>
-                                        <p:cTn id="22" dur="500"/>
-                                        <p:tgtEl>
-                                          <p:spTgt spid="5"/>
-                                        </p:tgtEl>
-                                      </p:cBhvr>
-                                    </p:animEffect>
-                                  </p:childTnLst>
-                                </p:cTn>
-                              </p:par>
-                            </p:childTnLst>
-                          </p:cTn>
-                        </p:par>
-                      </p:childTnLst>
-                    </p:cTn>
-                  </p:par>
-                  <p:par>
-                    <p:cTn id="23" fill="hold">
-                      <p:stCondLst>
-                        <p:cond delay="indefinite"/>
-                      </p:stCondLst>
-                      <p:childTnLst>
-                        <p:par>
-                          <p:cTn id="24" fill="hold">
-                            <p:stCondLst>
-                              <p:cond delay="0"/>
-                            </p:stCondLst>
-                            <p:childTnLst>
-                              <p:par>
-                                <p:cTn id="25" presetID="53" presetClass="entr" presetSubtype="16" fill="hold" nodeType="clickEffect">
-                                  <p:stCondLst>
-                                    <p:cond delay="0"/>
-                                  </p:stCondLst>
-                                  <p:childTnLst>
-                                    <p:set>
-                                      <p:cBhvr>
-                                        <p:cTn id="26" dur="1" fill="hold">
-                                          <p:stCondLst>
-                                            <p:cond delay="0"/>
-                                          </p:stCondLst>
-                                        </p:cTn>
-                                        <p:tgtEl>
-                                          <p:spTgt spid="7"/>
-                                        </p:tgtEl>
-                                        <p:attrNameLst>
-                                          <p:attrName>style.visibility</p:attrName>
-                                        </p:attrNameLst>
-                                      </p:cBhvr>
-                                      <p:to>
-                                        <p:strVal val="visible"/>
-                                      </p:to>
-                                    </p:set>
-                                    <p:anim calcmode="lin" valueType="num">
-                                      <p:cBhvr>
-                                        <p:cTn id="27" dur="500" fill="hold"/>
-                                        <p:tgtEl>
-                                          <p:spTgt spid="7"/>
-                                        </p:tgtEl>
-                                        <p:attrNameLst>
-                                          <p:attrName>ppt_w</p:attrName>
-                                        </p:attrNameLst>
-                                      </p:cBhvr>
-                                      <p:tavLst>
-                                        <p:tav tm="0">
-                                          <p:val>
-                                            <p:fltVal val="0"/>
-                                          </p:val>
-                                        </p:tav>
-                                        <p:tav tm="100000">
-                                          <p:val>
-                                            <p:strVal val="#ppt_w"/>
-                                          </p:val>
-                                        </p:tav>
-                                      </p:tavLst>
-                                    </p:anim>
-                                    <p:anim calcmode="lin" valueType="num">
-                                      <p:cBhvr>
-                                        <p:cTn id="28" dur="500" fill="hold"/>
-                                        <p:tgtEl>
-                                          <p:spTgt spid="7"/>
-                                        </p:tgtEl>
-                                        <p:attrNameLst>
-                                          <p:attrName>ppt_h</p:attrName>
-                                        </p:attrNameLst>
-                                      </p:cBhvr>
-                                      <p:tavLst>
-                                        <p:tav tm="0">
-                                          <p:val>
-                                            <p:fltVal val="0"/>
-                                          </p:val>
-                                        </p:tav>
-                                        <p:tav tm="100000">
-                                          <p:val>
-                                            <p:strVal val="#ppt_h"/>
-                                          </p:val>
-                                        </p:tav>
-                                      </p:tavLst>
-                                    </p:anim>
-                                    <p:animEffect transition="in" filter="fade">
-                                      <p:cBhvr>
-                                        <p:cTn id="29" dur="500"/>
-                                        <p:tgtEl>
-                                          <p:spTgt spid="7"/>
                                         </p:tgtEl>
                                       </p:cBhvr>
                                     </p:animEffect>
@@ -7212,8 +8613,8 @@
         </p:nvSpPr>
         <p:spPr>
           <a:xfrm>
-            <a:off x="0" y="-49794"/>
-            <a:ext cx="5422446" cy="646331"/>
+            <a:off x="2013238" y="108637"/>
+            <a:ext cx="5599610" cy="646331"/>
           </a:xfrm>
           <a:prstGeom prst="rect">
             <a:avLst/>
@@ -7227,7 +8628,7 @@
           <a:lstStyle/>
           <a:p>
             <a:r>
-              <a:rPr lang="en-US" sz="3600" b="1" dirty="0" smtClean="0">
+              <a:rPr lang="en-US" sz="3600" b="1" dirty="0">
                 <a:solidFill>
                   <a:srgbClr val="FF0000"/>
                 </a:solidFill>
@@ -7238,25 +8639,11 @@
                     </a:srgbClr>
                   </a:outerShdw>
                 </a:effectLst>
-                <a:latin typeface="Times New Roman" panose="02020603050405020304" pitchFamily="18" charset="0"/>
+                <a:latin typeface="Segoe UI Black" panose="020B0A02040204020203" pitchFamily="34" charset="0"/>
                 <a:cs typeface="Times New Roman" panose="02020603050405020304" pitchFamily="18" charset="0"/>
               </a:rPr>
               <a:t>1. PIN PORT IoT BROAD</a:t>
             </a:r>
-            <a:endParaRPr lang="en-US" sz="3600" b="1" dirty="0">
-              <a:solidFill>
-                <a:srgbClr val="FF0000"/>
-              </a:solidFill>
-              <a:effectLst>
-                <a:outerShdw blurRad="38100" dist="38100" dir="2700000" algn="tl">
-                  <a:srgbClr val="000000">
-                    <a:alpha val="43137"/>
-                  </a:srgbClr>
-                </a:outerShdw>
-              </a:effectLst>
-              <a:latin typeface="Times New Roman" panose="02020603050405020304" pitchFamily="18" charset="0"/>
-              <a:cs typeface="Times New Roman" panose="02020603050405020304" pitchFamily="18" charset="0"/>
-            </a:endParaRPr>
           </a:p>
         </p:txBody>
       </p:sp>
@@ -7268,7 +8655,7 @@
         </p:nvSpPr>
         <p:spPr>
           <a:xfrm>
-            <a:off x="348343" y="596537"/>
+            <a:off x="2013239" y="711006"/>
             <a:ext cx="11843657" cy="461665"/>
           </a:xfrm>
           <a:prstGeom prst="rect">
@@ -7283,7 +8670,7 @@
           <a:lstStyle/>
           <a:p>
             <a:r>
-              <a:rPr lang="en-US" sz="2400" b="1" dirty="0" smtClean="0">
+              <a:rPr lang="en-US" sz="2400" b="1" dirty="0">
                 <a:effectLst>
                   <a:outerShdw blurRad="38100" dist="38100" dir="2700000" algn="tl">
                     <a:srgbClr val="000000">
@@ -7291,22 +8678,11 @@
                     </a:srgbClr>
                   </a:outerShdw>
                 </a:effectLst>
-                <a:latin typeface="Times New Roman" panose="02020603050405020304" pitchFamily="18" charset="0"/>
+                <a:latin typeface="Segoe UI Black" panose="020B0A02040204020203" pitchFamily="34" charset="0"/>
                 <a:cs typeface="Times New Roman" panose="02020603050405020304" pitchFamily="18" charset="0"/>
               </a:rPr>
-              <a:t>1.5 DAC PIN</a:t>
-            </a:r>
-            <a:endParaRPr lang="en-US" sz="2400" b="1" dirty="0">
-              <a:effectLst>
-                <a:outerShdw blurRad="38100" dist="38100" dir="2700000" algn="tl">
-                  <a:srgbClr val="000000">
-                    <a:alpha val="43137"/>
-                  </a:srgbClr>
-                </a:outerShdw>
-              </a:effectLst>
-              <a:latin typeface="Times New Roman" panose="02020603050405020304" pitchFamily="18" charset="0"/>
-              <a:cs typeface="Times New Roman" panose="02020603050405020304" pitchFamily="18" charset="0"/>
-            </a:endParaRPr>
+              <a:t>1.4 ANALOG PIN</a:t>
+            </a:r>
           </a:p>
         </p:txBody>
       </p:sp>
@@ -7318,8 +8694,8 @@
         </p:nvSpPr>
         <p:spPr>
           <a:xfrm>
-            <a:off x="348342" y="1059374"/>
-            <a:ext cx="11843657" cy="830997"/>
+            <a:off x="2013240" y="1172671"/>
+            <a:ext cx="11843657" cy="1569660"/>
           </a:xfrm>
           <a:prstGeom prst="rect">
             <a:avLst/>
@@ -7337,11 +8713,11 @@
               <a:buChar char="•"/>
             </a:pPr>
             <a:r>
-              <a:rPr lang="en-US" sz="2400" dirty="0" smtClean="0">
-                <a:latin typeface="Times New Roman" panose="02020603050405020304" pitchFamily="18" charset="0"/>
+              <a:rPr lang="en-US" sz="2400" dirty="0">
+                <a:latin typeface="Segoe UI Black" panose="020B0A02040204020203" pitchFamily="34" charset="0"/>
                 <a:cs typeface="Times New Roman" panose="02020603050405020304" pitchFamily="18" charset="0"/>
               </a:rPr>
-              <a:t>Broad có 2 chân DAC</a:t>
+              <a:t>Broad có 18 chân vào analog:</a:t>
             </a:r>
           </a:p>
           <a:p>
@@ -7350,11 +8726,37 @@
               <a:buChar char="Ø"/>
             </a:pPr>
             <a:r>
-              <a:rPr lang="en-US" sz="2400" dirty="0" smtClean="0">
-                <a:latin typeface="Times New Roman" panose="02020603050405020304" pitchFamily="18" charset="0"/>
+              <a:rPr lang="en-US" sz="2400" dirty="0">
+                <a:latin typeface="Segoe UI Black" panose="020B0A02040204020203" pitchFamily="34" charset="0"/>
                 <a:cs typeface="Times New Roman" panose="02020603050405020304" pitchFamily="18" charset="0"/>
               </a:rPr>
-              <a:t>Chân số 25, 26 là bộ chuyển tín hiệu nhận được từ số sang tương tự</a:t>
+              <a:t>Bên nhánh trái gồm có 14 chân</a:t>
+            </a:r>
+          </a:p>
+          <a:p>
+            <a:pPr marL="800100" lvl="1" indent="-342900">
+              <a:buFont typeface="Wingdings" panose="05000000000000000000" pitchFamily="2" charset="2"/>
+              <a:buChar char="Ø"/>
+            </a:pPr>
+            <a:r>
+              <a:rPr lang="en-US" sz="2400" dirty="0">
+                <a:latin typeface="Segoe UI Black" panose="020B0A02040204020203" pitchFamily="34" charset="0"/>
+                <a:cs typeface="Times New Roman" panose="02020603050405020304" pitchFamily="18" charset="0"/>
+              </a:rPr>
+              <a:t>Bên nhánh phải gồm có 4 chân</a:t>
+            </a:r>
+          </a:p>
+          <a:p>
+            <a:pPr marL="342900" indent="-342900">
+              <a:buFont typeface="Arial" panose="020B0604020202020204" pitchFamily="34" charset="0"/>
+              <a:buChar char="•"/>
+            </a:pPr>
+            <a:r>
+              <a:rPr lang="en-US" sz="2400" dirty="0">
+                <a:latin typeface="Segoe UI Black" panose="020B0A02040204020203" pitchFamily="34" charset="0"/>
+                <a:cs typeface="Times New Roman" panose="02020603050405020304" pitchFamily="18" charset="0"/>
+              </a:rPr>
+              <a:t>Trong đó có 2 kênh analog: kênh 1 có 8 chân, kênh 2 có 10 chân</a:t>
             </a:r>
           </a:p>
         </p:txBody>
@@ -7375,8 +8777,32 @@
         </p:blipFill>
         <p:spPr>
           <a:xfrm>
-            <a:off x="1172255" y="2353208"/>
-            <a:ext cx="8105775" cy="762000"/>
+            <a:off x="1828800" y="2847902"/>
+            <a:ext cx="6527353" cy="3836890"/>
+          </a:xfrm>
+          <a:prstGeom prst="rect">
+            <a:avLst/>
+          </a:prstGeom>
+        </p:spPr>
+      </p:pic>
+      <p:pic>
+        <p:nvPicPr>
+          <p:cNvPr id="7" name="Picture 6"/>
+          <p:cNvPicPr>
+            <a:picLocks noChangeAspect="1"/>
+          </p:cNvPicPr>
+          <p:nvPr/>
+        </p:nvPicPr>
+        <p:blipFill>
+          <a:blip r:embed="rId3"/>
+          <a:stretch>
+            <a:fillRect/>
+          </a:stretch>
+        </p:blipFill>
+        <p:spPr>
+          <a:xfrm>
+            <a:off x="7346862" y="2658135"/>
+            <a:ext cx="5658781" cy="1570832"/>
           </a:xfrm>
           <a:prstGeom prst="rect">
             <a:avLst/>
@@ -7386,7 +8812,7 @@
     </p:spTree>
     <p:extLst>
       <p:ext uri="{BB962C8B-B14F-4D97-AF65-F5344CB8AC3E}">
-        <p14:creationId xmlns:p14="http://schemas.microsoft.com/office/powerpoint/2010/main" val="1140312702"/>
+        <p14:creationId xmlns:p14="http://schemas.microsoft.com/office/powerpoint/2010/main" val="1243306393"/>
       </p:ext>
     </p:extLst>
   </p:cSld>
@@ -7573,7 +8999,7 @@
                             </p:stCondLst>
                             <p:childTnLst>
                               <p:par>
-                                <p:cTn id="20" presetID="45" presetClass="entr" presetSubtype="0" fill="hold" nodeType="clickEffect">
+                                <p:cTn id="20" presetID="10" presetClass="entr" presetSubtype="0" fill="hold" nodeType="clickEffect">
                                   <p:stCondLst>
                                     <p:cond delay="0"/>
                                   </p:stCondLst>
@@ -7598,58 +9024,12 @@
                                     </p:set>
                                     <p:animEffect transition="in" filter="fade">
                                       <p:cBhvr>
-                                        <p:cTn id="22" dur="2000"/>
+                                        <p:cTn id="22" dur="500"/>
                                         <p:tgtEl>
                                           <p:spTgt spid="5"/>
                                         </p:tgtEl>
                                       </p:cBhvr>
                                     </p:animEffect>
-                                    <p:anim calcmode="lin" valueType="num">
-                                      <p:cBhvr>
-                                        <p:cTn id="23" dur="2000" fill="hold"/>
-                                        <p:tgtEl>
-                                          <p:spTgt spid="5"/>
-                                        </p:tgtEl>
-                                        <p:attrNameLst>
-                                          <p:attrName>ppt_w</p:attrName>
-                                        </p:attrNameLst>
-                                      </p:cBhvr>
-                                      <p:tavLst>
-                                        <p:tav tm="0" fmla="#ppt_w*sin(2.5*pi*$)">
-                                          <p:val>
-                                            <p:fltVal val="0"/>
-                                          </p:val>
-                                        </p:tav>
-                                        <p:tav tm="100000">
-                                          <p:val>
-                                            <p:fltVal val="1"/>
-                                          </p:val>
-                                        </p:tav>
-                                      </p:tavLst>
-                                    </p:anim>
-                                    <p:anim calcmode="lin" valueType="num">
-                                      <p:cBhvr>
-                                        <p:cTn id="24" dur="2000" fill="hold"/>
-                                        <p:tgtEl>
-                                          <p:spTgt spid="5"/>
-                                        </p:tgtEl>
-                                        <p:attrNameLst>
-                                          <p:attrName>ppt_h</p:attrName>
-                                        </p:attrNameLst>
-                                      </p:cBhvr>
-                                      <p:tavLst>
-                                        <p:tav tm="0">
-                                          <p:val>
-                                            <p:strVal val="#ppt_h"/>
-                                          </p:val>
-                                        </p:tav>
-                                        <p:tav tm="100000">
-                                          <p:val>
-                                            <p:strVal val="#ppt_h"/>
-                                          </p:val>
-                                        </p:tav>
-                                      </p:tavLst>
-                                    </p:anim>
                                   </p:childTnLst>
                                 </p:cTn>
                               </p:par>
@@ -7660,32 +9040,32 @@
                     </p:cTn>
                   </p:par>
                   <p:par>
-                    <p:cTn id="25" fill="hold">
+                    <p:cTn id="23" fill="hold">
                       <p:stCondLst>
                         <p:cond delay="indefinite"/>
                       </p:stCondLst>
                       <p:childTnLst>
                         <p:par>
-                          <p:cTn id="26" fill="hold">
+                          <p:cTn id="24" fill="hold">
                             <p:stCondLst>
                               <p:cond delay="0"/>
                             </p:stCondLst>
                             <p:childTnLst>
                               <p:par>
-                                <p:cTn id="27" presetID="17" presetClass="entr" presetSubtype="10" fill="hold" nodeType="clickEffect">
+                                <p:cTn id="25" presetID="53" presetClass="entr" presetSubtype="16" fill="hold" nodeType="clickEffect">
                                   <p:stCondLst>
                                     <p:cond delay="0"/>
                                   </p:stCondLst>
                                   <p:childTnLst>
                                     <p:set>
                                       <p:cBhvr>
-                                        <p:cTn id="28" dur="1" fill="hold">
+                                        <p:cTn id="26" dur="1" fill="hold">
                                           <p:stCondLst>
                                             <p:cond delay="0"/>
                                           </p:stCondLst>
                                         </p:cTn>
                                         <p:tgtEl>
-                                          <p:spTgt spid="5"/>
+                                          <p:spTgt spid="7"/>
                                         </p:tgtEl>
                                         <p:attrNameLst>
                                           <p:attrName>style.visibility</p:attrName>
@@ -7697,9 +9077,9 @@
                                     </p:set>
                                     <p:anim calcmode="lin" valueType="num">
                                       <p:cBhvr>
-                                        <p:cTn id="29" dur="500" fill="hold"/>
-                                        <p:tgtEl>
-                                          <p:spTgt spid="5"/>
+                                        <p:cTn id="27" dur="500" fill="hold"/>
+                                        <p:tgtEl>
+                                          <p:spTgt spid="7"/>
                                         </p:tgtEl>
                                         <p:attrNameLst>
                                           <p:attrName>ppt_w</p:attrName>
@@ -7720,9 +9100,9 @@
                                     </p:anim>
                                     <p:anim calcmode="lin" valueType="num">
                                       <p:cBhvr>
-                                        <p:cTn id="30" dur="500" fill="hold"/>
-                                        <p:tgtEl>
-                                          <p:spTgt spid="5"/>
+                                        <p:cTn id="28" dur="500" fill="hold"/>
+                                        <p:tgtEl>
+                                          <p:spTgt spid="7"/>
                                         </p:tgtEl>
                                         <p:attrNameLst>
                                           <p:attrName>ppt_h</p:attrName>
@@ -7731,7 +9111,7 @@
                                       <p:tavLst>
                                         <p:tav tm="0">
                                           <p:val>
-                                            <p:strVal val="#ppt_h"/>
+                                            <p:fltVal val="0"/>
                                           </p:val>
                                         </p:tav>
                                         <p:tav tm="100000">
@@ -7741,6 +9121,14 @@
                                         </p:tav>
                                       </p:tavLst>
                                     </p:anim>
+                                    <p:animEffect transition="in" filter="fade">
+                                      <p:cBhvr>
+                                        <p:cTn id="29" dur="500"/>
+                                        <p:tgtEl>
+                                          <p:spTgt spid="7"/>
+                                        </p:tgtEl>
+                                      </p:cBhvr>
+                                    </p:animEffect>
                                   </p:childTnLst>
                                 </p:cTn>
                               </p:par>
@@ -7805,8 +9193,8 @@
         </p:nvSpPr>
         <p:spPr>
           <a:xfrm>
-            <a:off x="0" y="-49794"/>
-            <a:ext cx="5422446" cy="646331"/>
+            <a:off x="2323792" y="176793"/>
+            <a:ext cx="5599610" cy="646331"/>
           </a:xfrm>
           <a:prstGeom prst="rect">
             <a:avLst/>
@@ -7820,7 +9208,7 @@
           <a:lstStyle/>
           <a:p>
             <a:r>
-              <a:rPr lang="en-US" sz="3600" b="1" dirty="0" smtClean="0">
+              <a:rPr lang="en-US" sz="3600" b="1" dirty="0">
                 <a:solidFill>
                   <a:srgbClr val="FF0000"/>
                 </a:solidFill>
@@ -7831,25 +9219,11 @@
                     </a:srgbClr>
                   </a:outerShdw>
                 </a:effectLst>
-                <a:latin typeface="Times New Roman" panose="02020603050405020304" pitchFamily="18" charset="0"/>
+                <a:latin typeface="Segoe UI Black" panose="020B0A02040204020203" pitchFamily="34" charset="0"/>
                 <a:cs typeface="Times New Roman" panose="02020603050405020304" pitchFamily="18" charset="0"/>
               </a:rPr>
               <a:t>1. PIN PORT IoT BROAD</a:t>
             </a:r>
-            <a:endParaRPr lang="en-US" sz="3600" b="1" dirty="0">
-              <a:solidFill>
-                <a:srgbClr val="FF0000"/>
-              </a:solidFill>
-              <a:effectLst>
-                <a:outerShdw blurRad="38100" dist="38100" dir="2700000" algn="tl">
-                  <a:srgbClr val="000000">
-                    <a:alpha val="43137"/>
-                  </a:srgbClr>
-                </a:outerShdw>
-              </a:effectLst>
-              <a:latin typeface="Times New Roman" panose="02020603050405020304" pitchFamily="18" charset="0"/>
-              <a:cs typeface="Times New Roman" panose="02020603050405020304" pitchFamily="18" charset="0"/>
-            </a:endParaRPr>
           </a:p>
         </p:txBody>
       </p:sp>
@@ -7861,7 +9235,7 @@
         </p:nvSpPr>
         <p:spPr>
           <a:xfrm>
-            <a:off x="348343" y="596537"/>
+            <a:off x="2323792" y="983399"/>
             <a:ext cx="11843657" cy="461665"/>
           </a:xfrm>
           <a:prstGeom prst="rect">
@@ -7876,7 +9250,7 @@
           <a:lstStyle/>
           <a:p>
             <a:r>
-              <a:rPr lang="en-US" sz="2400" b="1" dirty="0" smtClean="0">
+              <a:rPr lang="en-US" sz="2400" b="1" dirty="0">
                 <a:effectLst>
                   <a:outerShdw blurRad="38100" dist="38100" dir="2700000" algn="tl">
                     <a:srgbClr val="000000">
@@ -7884,22 +9258,11 @@
                     </a:srgbClr>
                   </a:outerShdw>
                 </a:effectLst>
-                <a:latin typeface="Times New Roman" panose="02020603050405020304" pitchFamily="18" charset="0"/>
+                <a:latin typeface="Segoe UI Black" panose="020B0A02040204020203" pitchFamily="34" charset="0"/>
                 <a:cs typeface="Times New Roman" panose="02020603050405020304" pitchFamily="18" charset="0"/>
               </a:rPr>
-              <a:t>1.6 GPIO PORT PIN</a:t>
-            </a:r>
-            <a:endParaRPr lang="en-US" sz="2400" b="1" dirty="0">
-              <a:effectLst>
-                <a:outerShdw blurRad="38100" dist="38100" dir="2700000" algn="tl">
-                  <a:srgbClr val="000000">
-                    <a:alpha val="43137"/>
-                  </a:srgbClr>
-                </a:outerShdw>
-              </a:effectLst>
-              <a:latin typeface="Times New Roman" panose="02020603050405020304" pitchFamily="18" charset="0"/>
-              <a:cs typeface="Times New Roman" panose="02020603050405020304" pitchFamily="18" charset="0"/>
-            </a:endParaRPr>
+              <a:t>1.5 DAC PIN</a:t>
+            </a:r>
           </a:p>
         </p:txBody>
       </p:sp>
@@ -7911,8 +9274,8 @@
         </p:nvSpPr>
         <p:spPr>
           <a:xfrm>
-            <a:off x="348342" y="1059374"/>
-            <a:ext cx="11843657" cy="1569660"/>
+            <a:off x="2323792" y="2470756"/>
+            <a:ext cx="11843657" cy="830997"/>
           </a:xfrm>
           <a:prstGeom prst="rect">
             <a:avLst/>
@@ -7930,11 +9293,11 @@
               <a:buChar char="•"/>
             </a:pPr>
             <a:r>
-              <a:rPr lang="en-US" sz="2400" dirty="0" smtClean="0">
-                <a:latin typeface="Times New Roman" panose="02020603050405020304" pitchFamily="18" charset="0"/>
+              <a:rPr lang="en-US" sz="2400" dirty="0">
+                <a:latin typeface="Segoe UI Black" panose="020B0A02040204020203" pitchFamily="34" charset="0"/>
                 <a:cs typeface="Times New Roman" panose="02020603050405020304" pitchFamily="18" charset="0"/>
               </a:rPr>
-              <a:t>Broad có tổng 28 chân I/O </a:t>
+              <a:t>Broad có 2 chân DAC</a:t>
             </a:r>
           </a:p>
           <a:p>
@@ -7943,24 +9306,11 @@
               <a:buChar char="Ø"/>
             </a:pPr>
             <a:r>
-              <a:rPr lang="en-US" sz="2400" dirty="0" smtClean="0">
-                <a:latin typeface="Times New Roman" panose="02020603050405020304" pitchFamily="18" charset="0"/>
+              <a:rPr lang="en-US" sz="2400" dirty="0">
+                <a:latin typeface="Segoe UI Black" panose="020B0A02040204020203" pitchFamily="34" charset="0"/>
                 <a:cs typeface="Times New Roman" panose="02020603050405020304" pitchFamily="18" charset="0"/>
               </a:rPr>
-              <a:t>Đây là các chân vào ra tùy chỉnh vào sự lập trình của người dùng</a:t>
-            </a:r>
-          </a:p>
-          <a:p>
-            <a:pPr marL="800100" lvl="1" indent="-342900">
-              <a:buFont typeface="Wingdings" panose="05000000000000000000" pitchFamily="2" charset="2"/>
-              <a:buChar char="Ø"/>
-            </a:pPr>
-            <a:r>
-              <a:rPr lang="en-US" sz="2400" dirty="0" smtClean="0">
-                <a:latin typeface="Times New Roman" panose="02020603050405020304" pitchFamily="18" charset="0"/>
-                <a:cs typeface="Times New Roman" panose="02020603050405020304" pitchFamily="18" charset="0"/>
-              </a:rPr>
-              <a:t>Trong đó có các chân đảm nhận các nhiệm vụ riêng như chỉ vào analog, chỉ vào digital, DAC, hoặc các giao thức giao tiếp.</a:t>
+              <a:t>Chân số 25, 26 là bộ chuyển tín hiệu nhận được từ số sang tương tự</a:t>
             </a:r>
           </a:p>
         </p:txBody>
@@ -7981,8 +9331,8 @@
         </p:blipFill>
         <p:spPr>
           <a:xfrm>
-            <a:off x="1587581" y="2629034"/>
-            <a:ext cx="8119615" cy="4228966"/>
+            <a:off x="2940670" y="3785193"/>
+            <a:ext cx="8105775" cy="762000"/>
           </a:xfrm>
           <a:prstGeom prst="rect">
             <a:avLst/>
@@ -7992,7 +9342,7 @@
     </p:spTree>
     <p:extLst>
       <p:ext uri="{BB962C8B-B14F-4D97-AF65-F5344CB8AC3E}">
-        <p14:creationId xmlns:p14="http://schemas.microsoft.com/office/powerpoint/2010/main" val="2136696984"/>
+        <p14:creationId xmlns:p14="http://schemas.microsoft.com/office/powerpoint/2010/main" val="1140312702"/>
       </p:ext>
     </p:extLst>
   </p:cSld>
@@ -8179,7 +9529,7 @@
                             </p:stCondLst>
                             <p:childTnLst>
                               <p:par>
-                                <p:cTn id="20" presetID="3" presetClass="entr" presetSubtype="10" fill="hold" nodeType="clickEffect">
+                                <p:cTn id="20" presetID="45" presetClass="entr" presetSubtype="0" fill="hold" nodeType="clickEffect">
                                   <p:stCondLst>
                                     <p:cond delay="0"/>
                                   </p:stCondLst>
@@ -8202,14 +9552,151 @@
                                         <p:strVal val="visible"/>
                                       </p:to>
                                     </p:set>
-                                    <p:animEffect transition="in" filter="blinds(horizontal)">
-                                      <p:cBhvr>
-                                        <p:cTn id="22" dur="500"/>
+                                    <p:animEffect transition="in" filter="fade">
+                                      <p:cBhvr>
+                                        <p:cTn id="22" dur="2000"/>
                                         <p:tgtEl>
                                           <p:spTgt spid="5"/>
                                         </p:tgtEl>
                                       </p:cBhvr>
                                     </p:animEffect>
+                                    <p:anim calcmode="lin" valueType="num">
+                                      <p:cBhvr>
+                                        <p:cTn id="23" dur="2000" fill="hold"/>
+                                        <p:tgtEl>
+                                          <p:spTgt spid="5"/>
+                                        </p:tgtEl>
+                                        <p:attrNameLst>
+                                          <p:attrName>ppt_w</p:attrName>
+                                        </p:attrNameLst>
+                                      </p:cBhvr>
+                                      <p:tavLst>
+                                        <p:tav tm="0" fmla="#ppt_w*sin(2.5*pi*$)">
+                                          <p:val>
+                                            <p:fltVal val="0"/>
+                                          </p:val>
+                                        </p:tav>
+                                        <p:tav tm="100000">
+                                          <p:val>
+                                            <p:fltVal val="1"/>
+                                          </p:val>
+                                        </p:tav>
+                                      </p:tavLst>
+                                    </p:anim>
+                                    <p:anim calcmode="lin" valueType="num">
+                                      <p:cBhvr>
+                                        <p:cTn id="24" dur="2000" fill="hold"/>
+                                        <p:tgtEl>
+                                          <p:spTgt spid="5"/>
+                                        </p:tgtEl>
+                                        <p:attrNameLst>
+                                          <p:attrName>ppt_h</p:attrName>
+                                        </p:attrNameLst>
+                                      </p:cBhvr>
+                                      <p:tavLst>
+                                        <p:tav tm="0">
+                                          <p:val>
+                                            <p:strVal val="#ppt_h"/>
+                                          </p:val>
+                                        </p:tav>
+                                        <p:tav tm="100000">
+                                          <p:val>
+                                            <p:strVal val="#ppt_h"/>
+                                          </p:val>
+                                        </p:tav>
+                                      </p:tavLst>
+                                    </p:anim>
+                                  </p:childTnLst>
+                                </p:cTn>
+                              </p:par>
+                            </p:childTnLst>
+                          </p:cTn>
+                        </p:par>
+                      </p:childTnLst>
+                    </p:cTn>
+                  </p:par>
+                  <p:par>
+                    <p:cTn id="25" fill="hold">
+                      <p:stCondLst>
+                        <p:cond delay="indefinite"/>
+                      </p:stCondLst>
+                      <p:childTnLst>
+                        <p:par>
+                          <p:cTn id="26" fill="hold">
+                            <p:stCondLst>
+                              <p:cond delay="0"/>
+                            </p:stCondLst>
+                            <p:childTnLst>
+                              <p:par>
+                                <p:cTn id="27" presetID="17" presetClass="entr" presetSubtype="10" fill="hold" nodeType="clickEffect">
+                                  <p:stCondLst>
+                                    <p:cond delay="0"/>
+                                  </p:stCondLst>
+                                  <p:childTnLst>
+                                    <p:set>
+                                      <p:cBhvr>
+                                        <p:cTn id="28" dur="1" fill="hold">
+                                          <p:stCondLst>
+                                            <p:cond delay="0"/>
+                                          </p:stCondLst>
+                                        </p:cTn>
+                                        <p:tgtEl>
+                                          <p:spTgt spid="5"/>
+                                        </p:tgtEl>
+                                        <p:attrNameLst>
+                                          <p:attrName>style.visibility</p:attrName>
+                                        </p:attrNameLst>
+                                      </p:cBhvr>
+                                      <p:to>
+                                        <p:strVal val="visible"/>
+                                      </p:to>
+                                    </p:set>
+                                    <p:anim calcmode="lin" valueType="num">
+                                      <p:cBhvr>
+                                        <p:cTn id="29" dur="500" fill="hold"/>
+                                        <p:tgtEl>
+                                          <p:spTgt spid="5"/>
+                                        </p:tgtEl>
+                                        <p:attrNameLst>
+                                          <p:attrName>ppt_w</p:attrName>
+                                        </p:attrNameLst>
+                                      </p:cBhvr>
+                                      <p:tavLst>
+                                        <p:tav tm="0">
+                                          <p:val>
+                                            <p:fltVal val="0"/>
+                                          </p:val>
+                                        </p:tav>
+                                        <p:tav tm="100000">
+                                          <p:val>
+                                            <p:strVal val="#ppt_w"/>
+                                          </p:val>
+                                        </p:tav>
+                                      </p:tavLst>
+                                    </p:anim>
+                                    <p:anim calcmode="lin" valueType="num">
+                                      <p:cBhvr>
+                                        <p:cTn id="30" dur="500" fill="hold"/>
+                                        <p:tgtEl>
+                                          <p:spTgt spid="5"/>
+                                        </p:tgtEl>
+                                        <p:attrNameLst>
+                                          <p:attrName>ppt_h</p:attrName>
+                                        </p:attrNameLst>
+                                      </p:cBhvr>
+                                      <p:tavLst>
+                                        <p:tav tm="0">
+                                          <p:val>
+                                            <p:strVal val="#ppt_h"/>
+                                          </p:val>
+                                        </p:tav>
+                                        <p:tav tm="100000">
+                                          <p:val>
+                                            <p:strVal val="#ppt_h"/>
+                                          </p:val>
+                                        </p:tav>
+                                      </p:tavLst>
+                                    </p:anim>
                                   </p:childTnLst>
                                 </p:cTn>
                               </p:par>
@@ -8274,8 +9761,8 @@
         </p:nvSpPr>
         <p:spPr>
           <a:xfrm>
-            <a:off x="0" y="-49794"/>
-            <a:ext cx="5422446" cy="646331"/>
+            <a:off x="1871932" y="0"/>
+            <a:ext cx="5599610" cy="646331"/>
           </a:xfrm>
           <a:prstGeom prst="rect">
             <a:avLst/>
@@ -8289,7 +9776,7 @@
           <a:lstStyle/>
           <a:p>
             <a:r>
-              <a:rPr lang="en-US" sz="3600" b="1" dirty="0" smtClean="0">
+              <a:rPr lang="en-US" sz="3600" b="1" dirty="0">
                 <a:solidFill>
                   <a:srgbClr val="FF0000"/>
                 </a:solidFill>
@@ -8300,25 +9787,11 @@
                     </a:srgbClr>
                   </a:outerShdw>
                 </a:effectLst>
-                <a:latin typeface="Times New Roman" panose="02020603050405020304" pitchFamily="18" charset="0"/>
+                <a:latin typeface="Segoe UI Black" panose="020B0A02040204020203" pitchFamily="34" charset="0"/>
                 <a:cs typeface="Times New Roman" panose="02020603050405020304" pitchFamily="18" charset="0"/>
               </a:rPr>
               <a:t>1. PIN PORT IoT BROAD</a:t>
             </a:r>
-            <a:endParaRPr lang="en-US" sz="3600" b="1" dirty="0">
-              <a:solidFill>
-                <a:srgbClr val="FF0000"/>
-              </a:solidFill>
-              <a:effectLst>
-                <a:outerShdw blurRad="38100" dist="38100" dir="2700000" algn="tl">
-                  <a:srgbClr val="000000">
-                    <a:alpha val="43137"/>
-                  </a:srgbClr>
-                </a:outerShdw>
-              </a:effectLst>
-              <a:latin typeface="Times New Roman" panose="02020603050405020304" pitchFamily="18" charset="0"/>
-              <a:cs typeface="Times New Roman" panose="02020603050405020304" pitchFamily="18" charset="0"/>
-            </a:endParaRPr>
           </a:p>
         </p:txBody>
       </p:sp>
@@ -8330,7 +9803,7 @@
         </p:nvSpPr>
         <p:spPr>
           <a:xfrm>
-            <a:off x="348343" y="596537"/>
+            <a:off x="1871932" y="597709"/>
             <a:ext cx="11843657" cy="461665"/>
           </a:xfrm>
           <a:prstGeom prst="rect">
@@ -8345,7 +9818,7 @@
           <a:lstStyle/>
           <a:p>
             <a:r>
-              <a:rPr lang="en-US" sz="2400" b="1" dirty="0" smtClean="0">
+              <a:rPr lang="en-US" sz="2400" b="1" dirty="0">
                 <a:effectLst>
                   <a:outerShdw blurRad="38100" dist="38100" dir="2700000" algn="tl">
                     <a:srgbClr val="000000">
@@ -8353,22 +9826,11 @@
                     </a:srgbClr>
                   </a:outerShdw>
                 </a:effectLst>
-                <a:latin typeface="Times New Roman" panose="02020603050405020304" pitchFamily="18" charset="0"/>
+                <a:latin typeface="Segoe UI Black" panose="020B0A02040204020203" pitchFamily="34" charset="0"/>
                 <a:cs typeface="Times New Roman" panose="02020603050405020304" pitchFamily="18" charset="0"/>
               </a:rPr>
-              <a:t>1.7 RESET PIN</a:t>
-            </a:r>
-            <a:endParaRPr lang="en-US" sz="2400" b="1" dirty="0">
-              <a:effectLst>
-                <a:outerShdw blurRad="38100" dist="38100" dir="2700000" algn="tl">
-                  <a:srgbClr val="000000">
-                    <a:alpha val="43137"/>
-                  </a:srgbClr>
-                </a:outerShdw>
-              </a:effectLst>
-              <a:latin typeface="Times New Roman" panose="02020603050405020304" pitchFamily="18" charset="0"/>
-              <a:cs typeface="Times New Roman" panose="02020603050405020304" pitchFamily="18" charset="0"/>
-            </a:endParaRPr>
+              <a:t>1.6 GPIO PORT PIN</a:t>
+            </a:r>
           </a:p>
         </p:txBody>
       </p:sp>
@@ -8380,8 +9842,8 @@
         </p:nvSpPr>
         <p:spPr>
           <a:xfrm>
-            <a:off x="348342" y="1059374"/>
-            <a:ext cx="11843657" cy="1200329"/>
+            <a:off x="1992503" y="1846052"/>
+            <a:ext cx="10199497" cy="2308324"/>
           </a:xfrm>
           <a:prstGeom prst="rect">
             <a:avLst/>
@@ -8399,11 +9861,11 @@
               <a:buChar char="•"/>
             </a:pPr>
             <a:r>
-              <a:rPr lang="en-US" sz="2400" dirty="0" smtClean="0">
-                <a:latin typeface="Times New Roman" panose="02020603050405020304" pitchFamily="18" charset="0"/>
+              <a:rPr lang="en-US" sz="2400" dirty="0">
+                <a:latin typeface="Segoe UI Black" panose="020B0A02040204020203" pitchFamily="34" charset="0"/>
                 <a:cs typeface="Times New Roman" panose="02020603050405020304" pitchFamily="18" charset="0"/>
               </a:rPr>
-              <a:t>Có 1 chân reset (RST) đảm nhận nhiệm vụ khởi động lại mạch</a:t>
+              <a:t>Broad có tổng 28 chân I/O </a:t>
             </a:r>
           </a:p>
           <a:p>
@@ -8412,11 +9874,11 @@
               <a:buChar char="Ø"/>
             </a:pPr>
             <a:r>
-              <a:rPr lang="en-US" sz="2400" dirty="0" smtClean="0">
-                <a:latin typeface="Times New Roman" panose="02020603050405020304" pitchFamily="18" charset="0"/>
+              <a:rPr lang="en-US" sz="2400" dirty="0">
+                <a:latin typeface="Segoe UI Black" panose="020B0A02040204020203" pitchFamily="34" charset="0"/>
                 <a:cs typeface="Times New Roman" panose="02020603050405020304" pitchFamily="18" charset="0"/>
               </a:rPr>
-              <a:t>Do có tác động lỗi hay nhiễu khiển broad hiển thị không đúng trên OLED.</a:t>
+              <a:t>Đây là các chân vào ra tùy chỉnh vào sự lập trình của người dùng</a:t>
             </a:r>
           </a:p>
           <a:p>
@@ -8425,11 +9887,11 @@
               <a:buChar char="Ø"/>
             </a:pPr>
             <a:r>
-              <a:rPr lang="en-US" sz="2400" dirty="0" smtClean="0">
-                <a:latin typeface="Times New Roman" panose="02020603050405020304" pitchFamily="18" charset="0"/>
+              <a:rPr lang="en-US" sz="2400" dirty="0">
+                <a:latin typeface="Segoe UI Black" panose="020B0A02040204020203" pitchFamily="34" charset="0"/>
                 <a:cs typeface="Times New Roman" panose="02020603050405020304" pitchFamily="18" charset="0"/>
               </a:rPr>
-              <a:t>Đảm nhận nhiệm vụ khởi động lại mạch, nạp lại các thông số từ bên ngoài.</a:t>
+              <a:t>Trong đó có các chân đảm nhận các nhiệm vụ riêng như chỉ vào analog, chỉ vào digital, DAC, hoặc các giao thức giao tiếp.</a:t>
             </a:r>
           </a:p>
         </p:txBody>
@@ -8450,8 +9912,8 @@
         </p:blipFill>
         <p:spPr>
           <a:xfrm>
-            <a:off x="2817358" y="2913017"/>
-            <a:ext cx="5210175" cy="457200"/>
+            <a:off x="2361304" y="3429000"/>
+            <a:ext cx="8119615" cy="4228966"/>
           </a:xfrm>
           <a:prstGeom prst="rect">
             <a:avLst/>
@@ -8461,7 +9923,7 @@
     </p:spTree>
     <p:extLst>
       <p:ext uri="{BB962C8B-B14F-4D97-AF65-F5344CB8AC3E}">
-        <p14:creationId xmlns:p14="http://schemas.microsoft.com/office/powerpoint/2010/main" val="3858082223"/>
+        <p14:creationId xmlns:p14="http://schemas.microsoft.com/office/powerpoint/2010/main" val="2136696984"/>
       </p:ext>
     </p:extLst>
   </p:cSld>
@@ -8648,7 +10110,7 @@
                             </p:stCondLst>
                             <p:childTnLst>
                               <p:par>
-                                <p:cTn id="20" presetID="42" presetClass="entr" presetSubtype="0" fill="hold" nodeType="clickEffect">
+                                <p:cTn id="20" presetID="3" presetClass="entr" presetSubtype="10" fill="hold" nodeType="clickEffect">
                                   <p:stCondLst>
                                     <p:cond delay="0"/>
                                   </p:stCondLst>
@@ -8671,60 +10133,14 @@
                                         <p:strVal val="visible"/>
                                       </p:to>
                                     </p:set>
-                                    <p:animEffect transition="in" filter="fade">
-                                      <p:cBhvr>
-                                        <p:cTn id="22" dur="1000"/>
+                                    <p:animEffect transition="in" filter="blinds(horizontal)">
+                                      <p:cBhvr>
+                                        <p:cTn id="22" dur="500"/>
                                         <p:tgtEl>
                                           <p:spTgt spid="5"/>
                                         </p:tgtEl>
                                       </p:cBhvr>
                                     </p:animEffect>
-                                    <p:anim calcmode="lin" valueType="num">
-                                      <p:cBhvr>
-                                        <p:cTn id="23" dur="1000" fill="hold"/>
-                                        <p:tgtEl>
-                                          <p:spTgt spid="5"/>
-                                        </p:tgtEl>
-                                        <p:attrNameLst>
-                                          <p:attrName>ppt_x</p:attrName>
-                                        </p:attrNameLst>
-                                      </p:cBhvr>
-                                      <p:tavLst>
-                                        <p:tav tm="0">
-                                          <p:val>
-                                            <p:strVal val="#ppt_x"/>
-                                          </p:val>
-                                        </p:tav>
-                                        <p:tav tm="100000">
-                                          <p:val>
-                                            <p:strVal val="#ppt_x"/>
-                                          </p:val>
-                                        </p:tav>
-                                      </p:tavLst>
-                                    </p:anim>
-                                    <p:anim calcmode="lin" valueType="num">
-                                      <p:cBhvr>
-                                        <p:cTn id="24" dur="1000" fill="hold"/>
-                                        <p:tgtEl>
-                                          <p:spTgt spid="5"/>
-                                        </p:tgtEl>
-                                        <p:attrNameLst>
-                                          <p:attrName>ppt_y</p:attrName>
-                                        </p:attrNameLst>
-                                      </p:cBhvr>
-                                      <p:tavLst>
-                                        <p:tav tm="0">
-                                          <p:val>
-                                            <p:strVal val="#ppt_y+.1"/>
-                                          </p:val>
-                                        </p:tav>
-                                        <p:tav tm="100000">
-                                          <p:val>
-                                            <p:strVal val="#ppt_y"/>
-                                          </p:val>
-                                        </p:tav>
-                                      </p:tavLst>
-                                    </p:anim>
                                   </p:childTnLst>
                                 </p:cTn>
                               </p:par>
@@ -8789,8 +10205,8 @@
         </p:nvSpPr>
         <p:spPr>
           <a:xfrm>
-            <a:off x="0" y="-49794"/>
-            <a:ext cx="5422446" cy="646331"/>
+            <a:off x="1971674" y="-9770"/>
+            <a:ext cx="5599610" cy="646331"/>
           </a:xfrm>
           <a:prstGeom prst="rect">
             <a:avLst/>
@@ -8804,7 +10220,7 @@
           <a:lstStyle/>
           <a:p>
             <a:r>
-              <a:rPr lang="en-US" sz="3600" b="1" dirty="0" smtClean="0">
+              <a:rPr lang="en-US" sz="3600" b="1" dirty="0">
                 <a:solidFill>
                   <a:srgbClr val="FF0000"/>
                 </a:solidFill>
@@ -8815,25 +10231,11 @@
                     </a:srgbClr>
                   </a:outerShdw>
                 </a:effectLst>
-                <a:latin typeface="Times New Roman" panose="02020603050405020304" pitchFamily="18" charset="0"/>
+                <a:latin typeface="Segoe UI Black" panose="020B0A02040204020203" pitchFamily="34" charset="0"/>
                 <a:cs typeface="Times New Roman" panose="02020603050405020304" pitchFamily="18" charset="0"/>
               </a:rPr>
               <a:t>1. PIN PORT IoT BROAD</a:t>
             </a:r>
-            <a:endParaRPr lang="en-US" sz="3600" b="1" dirty="0">
-              <a:solidFill>
-                <a:srgbClr val="FF0000"/>
-              </a:solidFill>
-              <a:effectLst>
-                <a:outerShdw blurRad="38100" dist="38100" dir="2700000" algn="tl">
-                  <a:srgbClr val="000000">
-                    <a:alpha val="43137"/>
-                  </a:srgbClr>
-                </a:outerShdw>
-              </a:effectLst>
-              <a:latin typeface="Times New Roman" panose="02020603050405020304" pitchFamily="18" charset="0"/>
-              <a:cs typeface="Times New Roman" panose="02020603050405020304" pitchFamily="18" charset="0"/>
-            </a:endParaRPr>
           </a:p>
         </p:txBody>
       </p:sp>
@@ -8845,7 +10247,7 @@
         </p:nvSpPr>
         <p:spPr>
           <a:xfrm>
-            <a:off x="348343" y="596537"/>
+            <a:off x="1971675" y="788186"/>
             <a:ext cx="11843657" cy="461665"/>
           </a:xfrm>
           <a:prstGeom prst="rect">
@@ -8860,7 +10262,7 @@
           <a:lstStyle/>
           <a:p>
             <a:r>
-              <a:rPr lang="en-US" sz="2400" b="1" dirty="0" smtClean="0">
+              <a:rPr lang="en-US" sz="2400" b="1" dirty="0">
                 <a:effectLst>
                   <a:outerShdw blurRad="38100" dist="38100" dir="2700000" algn="tl">
                     <a:srgbClr val="000000">
@@ -8868,22 +10270,628 @@
                     </a:srgbClr>
                   </a:outerShdw>
                 </a:effectLst>
-                <a:latin typeface="Times New Roman" panose="02020603050405020304" pitchFamily="18" charset="0"/>
+                <a:latin typeface="Segoe UI Black" panose="020B0A02040204020203" pitchFamily="34" charset="0"/>
+                <a:cs typeface="Times New Roman" panose="02020603050405020304" pitchFamily="18" charset="0"/>
+              </a:rPr>
+              <a:t>1.7 RESET PIN</a:t>
+            </a:r>
+          </a:p>
+        </p:txBody>
+      </p:sp>
+      <p:sp>
+        <p:nvSpPr>
+          <p:cNvPr id="4" name="TextBox 3"/>
+          <p:cNvSpPr txBox="1"/>
+          <p:nvPr/>
+        </p:nvSpPr>
+        <p:spPr>
+          <a:xfrm>
+            <a:off x="1971674" y="2064903"/>
+            <a:ext cx="11843657" cy="1938992"/>
+          </a:xfrm>
+          <a:prstGeom prst="rect">
+            <a:avLst/>
+          </a:prstGeom>
+          <a:noFill/>
+        </p:spPr>
+        <p:txBody>
+          <a:bodyPr wrap="square" rtlCol="0">
+            <a:spAutoFit/>
+          </a:bodyPr>
+          <a:lstStyle/>
+          <a:p>
+            <a:pPr marL="342900" indent="-342900">
+              <a:buFont typeface="Arial" panose="020B0604020202020204" pitchFamily="34" charset="0"/>
+              <a:buChar char="•"/>
+            </a:pPr>
+            <a:r>
+              <a:rPr lang="en-US" sz="2400" dirty="0">
+                <a:latin typeface="Segoe UI Black" panose="020B0A02040204020203" pitchFamily="34" charset="0"/>
+                <a:cs typeface="Times New Roman" panose="02020603050405020304" pitchFamily="18" charset="0"/>
+              </a:rPr>
+              <a:t>Có 1 chân reset (RST) đảm nhận nhiệm vụ khởi động lại mạch</a:t>
+            </a:r>
+          </a:p>
+          <a:p>
+            <a:pPr marL="800100" lvl="1" indent="-342900">
+              <a:buFont typeface="Wingdings" panose="05000000000000000000" pitchFamily="2" charset="2"/>
+              <a:buChar char="Ø"/>
+            </a:pPr>
+            <a:r>
+              <a:rPr lang="en-US" sz="2400" dirty="0">
+                <a:latin typeface="Segoe UI Black" panose="020B0A02040204020203" pitchFamily="34" charset="0"/>
+                <a:cs typeface="Times New Roman" panose="02020603050405020304" pitchFamily="18" charset="0"/>
+              </a:rPr>
+              <a:t>Do có tác động lỗi hay nhiễu khiển broad hiển thị không đúng trên OLED.</a:t>
+            </a:r>
+          </a:p>
+          <a:p>
+            <a:pPr marL="800100" lvl="1" indent="-342900">
+              <a:buFont typeface="Wingdings" panose="05000000000000000000" pitchFamily="2" charset="2"/>
+              <a:buChar char="Ø"/>
+            </a:pPr>
+            <a:r>
+              <a:rPr lang="en-US" sz="2400" dirty="0">
+                <a:latin typeface="Segoe UI Black" panose="020B0A02040204020203" pitchFamily="34" charset="0"/>
+                <a:cs typeface="Times New Roman" panose="02020603050405020304" pitchFamily="18" charset="0"/>
+              </a:rPr>
+              <a:t>Đảm nhận nhiệm vụ khởi động lại mạch, nạp lại các thông số từ bên ngoài.</a:t>
+            </a:r>
+          </a:p>
+        </p:txBody>
+      </p:sp>
+      <p:pic>
+        <p:nvPicPr>
+          <p:cNvPr id="5" name="Picture 4"/>
+          <p:cNvPicPr>
+            <a:picLocks noChangeAspect="1"/>
+          </p:cNvPicPr>
+          <p:nvPr/>
+        </p:nvPicPr>
+        <p:blipFill>
+          <a:blip r:embed="rId2"/>
+          <a:stretch>
+            <a:fillRect/>
+          </a:stretch>
+        </p:blipFill>
+        <p:spPr>
+          <a:xfrm>
+            <a:off x="2817358" y="2913017"/>
+            <a:ext cx="5210175" cy="457200"/>
+          </a:xfrm>
+          <a:prstGeom prst="rect">
+            <a:avLst/>
+          </a:prstGeom>
+        </p:spPr>
+      </p:pic>
+      <p:sp>
+        <p:nvSpPr>
+          <p:cNvPr id="6" name="Title 5">
+            <a:extLst>
+              <a:ext uri="{FF2B5EF4-FFF2-40B4-BE49-F238E27FC236}">
+                <a16:creationId xmlns:a16="http://schemas.microsoft.com/office/drawing/2014/main" id="{ABC63C78-4DA5-469E-9550-44539104338F}"/>
+              </a:ext>
+            </a:extLst>
+          </p:cNvPr>
+          <p:cNvSpPr>
+            <a:spLocks noGrp="1"/>
+          </p:cNvSpPr>
+          <p:nvPr>
+            <p:ph type="title"/>
+          </p:nvPr>
+        </p:nvSpPr>
+        <p:spPr/>
+        <p:txBody>
+          <a:bodyPr/>
+          <a:lstStyle/>
+          <a:p>
+            <a:endParaRPr lang="en-US"/>
+          </a:p>
+        </p:txBody>
+      </p:sp>
+      <p:sp>
+        <p:nvSpPr>
+          <p:cNvPr id="7" name="Subtitle 6">
+            <a:extLst>
+              <a:ext uri="{FF2B5EF4-FFF2-40B4-BE49-F238E27FC236}">
+                <a16:creationId xmlns:a16="http://schemas.microsoft.com/office/drawing/2014/main" id="{B39374F1-7F70-4FE3-AAD1-DD5BABBCCB72}"/>
+              </a:ext>
+            </a:extLst>
+          </p:cNvPr>
+          <p:cNvSpPr>
+            <a:spLocks noGrp="1"/>
+          </p:cNvSpPr>
+          <p:nvPr>
+            <p:ph type="subTitle" idx="1"/>
+          </p:nvPr>
+        </p:nvSpPr>
+        <p:spPr/>
+        <p:txBody>
+          <a:bodyPr>
+            <a:normAutofit lnSpcReduction="10000"/>
+          </a:bodyPr>
+          <a:lstStyle/>
+          <a:p>
+            <a:endParaRPr lang="en-US"/>
+          </a:p>
+        </p:txBody>
+      </p:sp>
+      <p:sp>
+        <p:nvSpPr>
+          <p:cNvPr id="8" name="Text Placeholder 7">
+            <a:extLst>
+              <a:ext uri="{FF2B5EF4-FFF2-40B4-BE49-F238E27FC236}">
+                <a16:creationId xmlns:a16="http://schemas.microsoft.com/office/drawing/2014/main" id="{8A9A467D-4F06-421F-BCE8-058BDB2CBA49}"/>
+              </a:ext>
+            </a:extLst>
+          </p:cNvPr>
+          <p:cNvSpPr>
+            <a:spLocks noGrp="1"/>
+          </p:cNvSpPr>
+          <p:nvPr>
+            <p:ph type="body" sz="half" idx="2"/>
+          </p:nvPr>
+        </p:nvSpPr>
+        <p:spPr/>
+        <p:txBody>
+          <a:bodyPr/>
+          <a:lstStyle/>
+          <a:p>
+            <a:endParaRPr lang="en-US" dirty="0"/>
+          </a:p>
+        </p:txBody>
+      </p:sp>
+      <p:sp>
+        <p:nvSpPr>
+          <p:cNvPr id="9" name="Text Placeholder 8">
+            <a:extLst>
+              <a:ext uri="{FF2B5EF4-FFF2-40B4-BE49-F238E27FC236}">
+                <a16:creationId xmlns:a16="http://schemas.microsoft.com/office/drawing/2014/main" id="{7A999B9A-BEC9-4C30-A3B0-96484D70DF80}"/>
+              </a:ext>
+            </a:extLst>
+          </p:cNvPr>
+          <p:cNvSpPr>
+            <a:spLocks noGrp="1"/>
+          </p:cNvSpPr>
+          <p:nvPr>
+            <p:ph type="body" sz="half" idx="10"/>
+          </p:nvPr>
+        </p:nvSpPr>
+        <p:spPr/>
+        <p:txBody>
+          <a:bodyPr/>
+          <a:lstStyle/>
+          <a:p>
+            <a:endParaRPr lang="en-US"/>
+          </a:p>
+        </p:txBody>
+      </p:sp>
+      <p:sp>
+        <p:nvSpPr>
+          <p:cNvPr id="10" name="Text Placeholder 9">
+            <a:extLst>
+              <a:ext uri="{FF2B5EF4-FFF2-40B4-BE49-F238E27FC236}">
+                <a16:creationId xmlns:a16="http://schemas.microsoft.com/office/drawing/2014/main" id="{AB0FE734-2EF9-4D58-8CB1-248265D41364}"/>
+              </a:ext>
+            </a:extLst>
+          </p:cNvPr>
+          <p:cNvSpPr>
+            <a:spLocks noGrp="1"/>
+          </p:cNvSpPr>
+          <p:nvPr>
+            <p:ph type="body" sz="half" idx="11"/>
+          </p:nvPr>
+        </p:nvSpPr>
+        <p:spPr/>
+        <p:txBody>
+          <a:bodyPr/>
+          <a:lstStyle/>
+          <a:p>
+            <a:endParaRPr lang="en-US"/>
+          </a:p>
+        </p:txBody>
+      </p:sp>
+    </p:spTree>
+    <p:extLst>
+      <p:ext uri="{BB962C8B-B14F-4D97-AF65-F5344CB8AC3E}">
+        <p14:creationId xmlns:p14="http://schemas.microsoft.com/office/powerpoint/2010/main" val="3858082223"/>
+      </p:ext>
+    </p:extLst>
+  </p:cSld>
+  <p:clrMapOvr>
+    <a:masterClrMapping/>
+  </p:clrMapOvr>
+  <p:timing>
+    <p:tnLst>
+      <p:par>
+        <p:cTn id="1" dur="indefinite" restart="never" nodeType="tmRoot">
+          <p:childTnLst>
+            <p:seq concurrent="1" nextAc="seek">
+              <p:cTn id="2" dur="indefinite" nodeType="mainSeq">
+                <p:childTnLst>
+                  <p:par>
+                    <p:cTn id="3" fill="hold">
+                      <p:stCondLst>
+                        <p:cond delay="indefinite"/>
+                      </p:stCondLst>
+                      <p:childTnLst>
+                        <p:par>
+                          <p:cTn id="4" fill="hold">
+                            <p:stCondLst>
+                              <p:cond delay="0"/>
+                            </p:stCondLst>
+                            <p:childTnLst>
+                              <p:par>
+                                <p:cTn id="5" presetID="14" presetClass="entr" presetSubtype="10" fill="hold" grpId="0" nodeType="clickEffect">
+                                  <p:stCondLst>
+                                    <p:cond delay="0"/>
+                                  </p:stCondLst>
+                                  <p:childTnLst>
+                                    <p:set>
+                                      <p:cBhvr>
+                                        <p:cTn id="6" dur="1" fill="hold">
+                                          <p:stCondLst>
+                                            <p:cond delay="0"/>
+                                          </p:stCondLst>
+                                        </p:cTn>
+                                        <p:tgtEl>
+                                          <p:spTgt spid="2"/>
+                                        </p:tgtEl>
+                                        <p:attrNameLst>
+                                          <p:attrName>style.visibility</p:attrName>
+                                        </p:attrNameLst>
+                                      </p:cBhvr>
+                                      <p:to>
+                                        <p:strVal val="visible"/>
+                                      </p:to>
+                                    </p:set>
+                                    <p:animEffect transition="in" filter="randombar(horizontal)">
+                                      <p:cBhvr>
+                                        <p:cTn id="7" dur="500"/>
+                                        <p:tgtEl>
+                                          <p:spTgt spid="2"/>
+                                        </p:tgtEl>
+                                      </p:cBhvr>
+                                    </p:animEffect>
+                                  </p:childTnLst>
+                                </p:cTn>
+                              </p:par>
+                            </p:childTnLst>
+                          </p:cTn>
+                        </p:par>
+                      </p:childTnLst>
+                    </p:cTn>
+                  </p:par>
+                  <p:par>
+                    <p:cTn id="8" fill="hold">
+                      <p:stCondLst>
+                        <p:cond delay="indefinite"/>
+                      </p:stCondLst>
+                      <p:childTnLst>
+                        <p:par>
+                          <p:cTn id="9" fill="hold">
+                            <p:stCondLst>
+                              <p:cond delay="0"/>
+                            </p:stCondLst>
+                            <p:childTnLst>
+                              <p:par>
+                                <p:cTn id="10" presetID="14" presetClass="entr" presetSubtype="10" fill="hold" grpId="0" nodeType="clickEffect">
+                                  <p:stCondLst>
+                                    <p:cond delay="0"/>
+                                  </p:stCondLst>
+                                  <p:childTnLst>
+                                    <p:set>
+                                      <p:cBhvr>
+                                        <p:cTn id="11" dur="1" fill="hold">
+                                          <p:stCondLst>
+                                            <p:cond delay="0"/>
+                                          </p:stCondLst>
+                                        </p:cTn>
+                                        <p:tgtEl>
+                                          <p:spTgt spid="3"/>
+                                        </p:tgtEl>
+                                        <p:attrNameLst>
+                                          <p:attrName>style.visibility</p:attrName>
+                                        </p:attrNameLst>
+                                      </p:cBhvr>
+                                      <p:to>
+                                        <p:strVal val="visible"/>
+                                      </p:to>
+                                    </p:set>
+                                    <p:animEffect transition="in" filter="randombar(horizontal)">
+                                      <p:cBhvr>
+                                        <p:cTn id="12" dur="500"/>
+                                        <p:tgtEl>
+                                          <p:spTgt spid="3"/>
+                                        </p:tgtEl>
+                                      </p:cBhvr>
+                                    </p:animEffect>
+                                  </p:childTnLst>
+                                </p:cTn>
+                              </p:par>
+                            </p:childTnLst>
+                          </p:cTn>
+                        </p:par>
+                      </p:childTnLst>
+                    </p:cTn>
+                  </p:par>
+                  <p:par>
+                    <p:cTn id="13" fill="hold">
+                      <p:stCondLst>
+                        <p:cond delay="indefinite"/>
+                      </p:stCondLst>
+                      <p:childTnLst>
+                        <p:par>
+                          <p:cTn id="14" fill="hold">
+                            <p:stCondLst>
+                              <p:cond delay="0"/>
+                            </p:stCondLst>
+                            <p:childTnLst>
+                              <p:par>
+                                <p:cTn id="15" presetID="14" presetClass="entr" presetSubtype="10" fill="hold" grpId="0" nodeType="clickEffect">
+                                  <p:stCondLst>
+                                    <p:cond delay="0"/>
+                                  </p:stCondLst>
+                                  <p:childTnLst>
+                                    <p:set>
+                                      <p:cBhvr>
+                                        <p:cTn id="16" dur="1" fill="hold">
+                                          <p:stCondLst>
+                                            <p:cond delay="0"/>
+                                          </p:stCondLst>
+                                        </p:cTn>
+                                        <p:tgtEl>
+                                          <p:spTgt spid="4"/>
+                                        </p:tgtEl>
+                                        <p:attrNameLst>
+                                          <p:attrName>style.visibility</p:attrName>
+                                        </p:attrNameLst>
+                                      </p:cBhvr>
+                                      <p:to>
+                                        <p:strVal val="visible"/>
+                                      </p:to>
+                                    </p:set>
+                                    <p:animEffect transition="in" filter="randombar(horizontal)">
+                                      <p:cBhvr>
+                                        <p:cTn id="17" dur="500"/>
+                                        <p:tgtEl>
+                                          <p:spTgt spid="4"/>
+                                        </p:tgtEl>
+                                      </p:cBhvr>
+                                    </p:animEffect>
+                                  </p:childTnLst>
+                                </p:cTn>
+                              </p:par>
+                            </p:childTnLst>
+                          </p:cTn>
+                        </p:par>
+                      </p:childTnLst>
+                    </p:cTn>
+                  </p:par>
+                  <p:par>
+                    <p:cTn id="18" fill="hold">
+                      <p:stCondLst>
+                        <p:cond delay="indefinite"/>
+                      </p:stCondLst>
+                      <p:childTnLst>
+                        <p:par>
+                          <p:cTn id="19" fill="hold">
+                            <p:stCondLst>
+                              <p:cond delay="0"/>
+                            </p:stCondLst>
+                            <p:childTnLst>
+                              <p:par>
+                                <p:cTn id="20" presetID="42" presetClass="entr" presetSubtype="0" fill="hold" nodeType="clickEffect">
+                                  <p:stCondLst>
+                                    <p:cond delay="0"/>
+                                  </p:stCondLst>
+                                  <p:childTnLst>
+                                    <p:set>
+                                      <p:cBhvr>
+                                        <p:cTn id="21" dur="1" fill="hold">
+                                          <p:stCondLst>
+                                            <p:cond delay="0"/>
+                                          </p:stCondLst>
+                                        </p:cTn>
+                                        <p:tgtEl>
+                                          <p:spTgt spid="5"/>
+                                        </p:tgtEl>
+                                        <p:attrNameLst>
+                                          <p:attrName>style.visibility</p:attrName>
+                                        </p:attrNameLst>
+                                      </p:cBhvr>
+                                      <p:to>
+                                        <p:strVal val="visible"/>
+                                      </p:to>
+                                    </p:set>
+                                    <p:animEffect transition="in" filter="fade">
+                                      <p:cBhvr>
+                                        <p:cTn id="22" dur="1000"/>
+                                        <p:tgtEl>
+                                          <p:spTgt spid="5"/>
+                                        </p:tgtEl>
+                                      </p:cBhvr>
+                                    </p:animEffect>
+                                    <p:anim calcmode="lin" valueType="num">
+                                      <p:cBhvr>
+                                        <p:cTn id="23" dur="1000" fill="hold"/>
+                                        <p:tgtEl>
+                                          <p:spTgt spid="5"/>
+                                        </p:tgtEl>
+                                        <p:attrNameLst>
+                                          <p:attrName>ppt_x</p:attrName>
+                                        </p:attrNameLst>
+                                      </p:cBhvr>
+                                      <p:tavLst>
+                                        <p:tav tm="0">
+                                          <p:val>
+                                            <p:strVal val="#ppt_x"/>
+                                          </p:val>
+                                        </p:tav>
+                                        <p:tav tm="100000">
+                                          <p:val>
+                                            <p:strVal val="#ppt_x"/>
+                                          </p:val>
+                                        </p:tav>
+                                      </p:tavLst>
+                                    </p:anim>
+                                    <p:anim calcmode="lin" valueType="num">
+                                      <p:cBhvr>
+                                        <p:cTn id="24" dur="1000" fill="hold"/>
+                                        <p:tgtEl>
+                                          <p:spTgt spid="5"/>
+                                        </p:tgtEl>
+                                        <p:attrNameLst>
+                                          <p:attrName>ppt_y</p:attrName>
+                                        </p:attrNameLst>
+                                      </p:cBhvr>
+                                      <p:tavLst>
+                                        <p:tav tm="0">
+                                          <p:val>
+                                            <p:strVal val="#ppt_y+.1"/>
+                                          </p:val>
+                                        </p:tav>
+                                        <p:tav tm="100000">
+                                          <p:val>
+                                            <p:strVal val="#ppt_y"/>
+                                          </p:val>
+                                        </p:tav>
+                                      </p:tavLst>
+                                    </p:anim>
+                                  </p:childTnLst>
+                                </p:cTn>
+                              </p:par>
+                            </p:childTnLst>
+                          </p:cTn>
+                        </p:par>
+                      </p:childTnLst>
+                    </p:cTn>
+                  </p:par>
+                </p:childTnLst>
+              </p:cTn>
+              <p:prevCondLst>
+                <p:cond evt="onPrev" delay="0">
+                  <p:tgtEl>
+                    <p:sldTgt/>
+                  </p:tgtEl>
+                </p:cond>
+              </p:prevCondLst>
+              <p:nextCondLst>
+                <p:cond evt="onNext" delay="0">
+                  <p:tgtEl>
+                    <p:sldTgt/>
+                  </p:tgtEl>
+                </p:cond>
+              </p:nextCondLst>
+            </p:seq>
+          </p:childTnLst>
+        </p:cTn>
+      </p:par>
+    </p:tnLst>
+    <p:bldLst>
+      <p:bldP spid="2" grpId="0"/>
+      <p:bldP spid="3" grpId="0"/>
+      <p:bldP spid="4" grpId="0"/>
+    </p:bldLst>
+  </p:timing>
+</p:sld>
+</file>
+
+<file path=ppt/slides/slide9.xml><?xml version="1.0" encoding="utf-8"?>
+<p:sld xmlns:a="http://schemas.openxmlformats.org/drawingml/2006/main" xmlns:r="http://schemas.openxmlformats.org/officeDocument/2006/relationships" xmlns:p="http://schemas.openxmlformats.org/presentationml/2006/main">
+  <p:cSld>
+    <p:spTree>
+      <p:nvGrpSpPr>
+        <p:cNvPr id="1" name=""/>
+        <p:cNvGrpSpPr/>
+        <p:nvPr/>
+      </p:nvGrpSpPr>
+      <p:grpSpPr>
+        <a:xfrm>
+          <a:off x="0" y="0"/>
+          <a:ext cx="0" cy="0"/>
+          <a:chOff x="0" y="0"/>
+          <a:chExt cx="0" cy="0"/>
+        </a:xfrm>
+      </p:grpSpPr>
+      <p:sp>
+        <p:nvSpPr>
+          <p:cNvPr id="2" name="TextBox 1"/>
+          <p:cNvSpPr txBox="1"/>
+          <p:nvPr/>
+        </p:nvSpPr>
+        <p:spPr>
+          <a:xfrm>
+            <a:off x="1916158" y="-20781"/>
+            <a:ext cx="5599610" cy="646331"/>
+          </a:xfrm>
+          <a:prstGeom prst="rect">
+            <a:avLst/>
+          </a:prstGeom>
+          <a:noFill/>
+        </p:spPr>
+        <p:txBody>
+          <a:bodyPr wrap="none" rtlCol="0">
+            <a:spAutoFit/>
+          </a:bodyPr>
+          <a:lstStyle/>
+          <a:p>
+            <a:r>
+              <a:rPr lang="en-US" sz="3600" b="1" dirty="0">
+                <a:solidFill>
+                  <a:srgbClr val="FF0000"/>
+                </a:solidFill>
+                <a:effectLst>
+                  <a:outerShdw blurRad="38100" dist="38100" dir="2700000" algn="tl">
+                    <a:srgbClr val="000000">
+                      <a:alpha val="43137"/>
+                    </a:srgbClr>
+                  </a:outerShdw>
+                </a:effectLst>
+                <a:latin typeface="Segoe UI Black" panose="020B0A02040204020203" pitchFamily="34" charset="0"/>
+                <a:cs typeface="Times New Roman" panose="02020603050405020304" pitchFamily="18" charset="0"/>
+              </a:rPr>
+              <a:t>1. PIN PORT IoT BROAD</a:t>
+            </a:r>
+          </a:p>
+        </p:txBody>
+      </p:sp>
+      <p:sp>
+        <p:nvSpPr>
+          <p:cNvPr id="3" name="TextBox 2"/>
+          <p:cNvSpPr txBox="1"/>
+          <p:nvPr/>
+        </p:nvSpPr>
+        <p:spPr>
+          <a:xfrm>
+            <a:off x="1971675" y="659007"/>
+            <a:ext cx="11843657" cy="461665"/>
+          </a:xfrm>
+          <a:prstGeom prst="rect">
+            <a:avLst/>
+          </a:prstGeom>
+          <a:noFill/>
+        </p:spPr>
+        <p:txBody>
+          <a:bodyPr wrap="square" rtlCol="0">
+            <a:spAutoFit/>
+          </a:bodyPr>
+          <a:lstStyle/>
+          <a:p>
+            <a:r>
+              <a:rPr lang="en-US" sz="2400" b="1" dirty="0">
+                <a:effectLst>
+                  <a:outerShdw blurRad="38100" dist="38100" dir="2700000" algn="tl">
+                    <a:srgbClr val="000000">
+                      <a:alpha val="43137"/>
+                    </a:srgbClr>
+                  </a:outerShdw>
+                </a:effectLst>
+                <a:latin typeface="Segoe UI Black" panose="020B0A02040204020203" pitchFamily="34" charset="0"/>
                 <a:cs typeface="Times New Roman" panose="02020603050405020304" pitchFamily="18" charset="0"/>
               </a:rPr>
               <a:t>1.7 ON BROAD COMMUNICATION</a:t>
             </a:r>
-            <a:endParaRPr lang="en-US" sz="2400" b="1" dirty="0">
-              <a:effectLst>
-                <a:outerShdw blurRad="38100" dist="38100" dir="2700000" algn="tl">
-                  <a:srgbClr val="000000">
-                    <a:alpha val="43137"/>
-                  </a:srgbClr>
-                </a:outerShdw>
-              </a:effectLst>
-              <a:latin typeface="Times New Roman" panose="02020603050405020304" pitchFamily="18" charset="0"/>
-              <a:cs typeface="Times New Roman" panose="02020603050405020304" pitchFamily="18" charset="0"/>
-            </a:endParaRPr>
           </a:p>
         </p:txBody>
       </p:sp>
@@ -8895,7 +10903,7 @@
         </p:nvSpPr>
         <p:spPr>
           <a:xfrm>
-            <a:off x="348342" y="1059374"/>
+            <a:off x="1971675" y="1929009"/>
             <a:ext cx="11843657" cy="1569660"/>
           </a:xfrm>
           <a:prstGeom prst="rect">
@@ -8914,8 +10922,8 @@
               <a:buChar char="•"/>
             </a:pPr>
             <a:r>
-              <a:rPr lang="en-US" sz="2400" dirty="0" smtClean="0">
-                <a:latin typeface="Times New Roman" panose="02020603050405020304" pitchFamily="18" charset="0"/>
+              <a:rPr lang="en-US" sz="2400" dirty="0">
+                <a:latin typeface="Segoe UI Black" panose="020B0A02040204020203" pitchFamily="34" charset="0"/>
                 <a:cs typeface="Times New Roman" panose="02020603050405020304" pitchFamily="18" charset="0"/>
               </a:rPr>
               <a:t>Giao tiếp với OLED</a:t>
@@ -8927,8 +10935,8 @@
               <a:buChar char="Ø"/>
             </a:pPr>
             <a:r>
-              <a:rPr lang="en-US" sz="2400" dirty="0" smtClean="0">
-                <a:latin typeface="Times New Roman" panose="02020603050405020304" pitchFamily="18" charset="0"/>
+              <a:rPr lang="en-US" sz="2400" dirty="0">
+                <a:latin typeface="Segoe UI Black" panose="020B0A02040204020203" pitchFamily="34" charset="0"/>
                 <a:cs typeface="Times New Roman" panose="02020603050405020304" pitchFamily="18" charset="0"/>
               </a:rPr>
               <a:t>Broad giao tiếp với OLED qua giao thức I2C</a:t>
@@ -8940,8 +10948,8 @@
               <a:buChar char="Ø"/>
             </a:pPr>
             <a:r>
-              <a:rPr lang="en-US" sz="2400" dirty="0" smtClean="0">
-                <a:latin typeface="Times New Roman" panose="02020603050405020304" pitchFamily="18" charset="0"/>
+              <a:rPr lang="en-US" sz="2400" dirty="0">
+                <a:latin typeface="Segoe UI Black" panose="020B0A02040204020203" pitchFamily="34" charset="0"/>
                 <a:cs typeface="Times New Roman" panose="02020603050405020304" pitchFamily="18" charset="0"/>
               </a:rPr>
               <a:t>Gồm các chân I2C là OLED_SCL, OLED_SDA</a:t>
@@ -8953,8 +10961,8 @@
               <a:buChar char="Ø"/>
             </a:pPr>
             <a:r>
-              <a:rPr lang="en-US" sz="2400" dirty="0" smtClean="0">
-                <a:latin typeface="Times New Roman" panose="02020603050405020304" pitchFamily="18" charset="0"/>
+              <a:rPr lang="en-US" sz="2400" dirty="0">
+                <a:latin typeface="Segoe UI Black" panose="020B0A02040204020203" pitchFamily="34" charset="0"/>
                 <a:cs typeface="Times New Roman" panose="02020603050405020304" pitchFamily="18" charset="0"/>
               </a:rPr>
               <a:t>Thêm 1 chân giúp reset hiển thị OLED_RST</a:t>
@@ -9207,1119 +11215,6 @@
                                         </p:tgtEl>
                                       </p:cBhvr>
                                     </p:animEffect>
-                                  </p:childTnLst>
-                                </p:cTn>
-                              </p:par>
-                            </p:childTnLst>
-                          </p:cTn>
-                        </p:par>
-                      </p:childTnLst>
-                    </p:cTn>
-                  </p:par>
-                </p:childTnLst>
-              </p:cTn>
-              <p:prevCondLst>
-                <p:cond evt="onPrev" delay="0">
-                  <p:tgtEl>
-                    <p:sldTgt/>
-                  </p:tgtEl>
-                </p:cond>
-              </p:prevCondLst>
-              <p:nextCondLst>
-                <p:cond evt="onNext" delay="0">
-                  <p:tgtEl>
-                    <p:sldTgt/>
-                  </p:tgtEl>
-                </p:cond>
-              </p:nextCondLst>
-            </p:seq>
-          </p:childTnLst>
-        </p:cTn>
-      </p:par>
-    </p:tnLst>
-    <p:bldLst>
-      <p:bldP spid="2" grpId="0"/>
-      <p:bldP spid="3" grpId="0"/>
-      <p:bldP spid="4" grpId="0"/>
-    </p:bldLst>
-  </p:timing>
-</p:sld>
-</file>
-
-<file path=ppt/slides/slide9.xml><?xml version="1.0" encoding="utf-8"?>
-<p:sld xmlns:a="http://schemas.openxmlformats.org/drawingml/2006/main" xmlns:r="http://schemas.openxmlformats.org/officeDocument/2006/relationships" xmlns:p="http://schemas.openxmlformats.org/presentationml/2006/main">
-  <p:cSld>
-    <p:spTree>
-      <p:nvGrpSpPr>
-        <p:cNvPr id="1" name=""/>
-        <p:cNvGrpSpPr/>
-        <p:nvPr/>
-      </p:nvGrpSpPr>
-      <p:grpSpPr>
-        <a:xfrm>
-          <a:off x="0" y="0"/>
-          <a:ext cx="0" cy="0"/>
-          <a:chOff x="0" y="0"/>
-          <a:chExt cx="0" cy="0"/>
-        </a:xfrm>
-      </p:grpSpPr>
-      <p:sp>
-        <p:nvSpPr>
-          <p:cNvPr id="2" name="TextBox 1"/>
-          <p:cNvSpPr txBox="1"/>
-          <p:nvPr/>
-        </p:nvSpPr>
-        <p:spPr>
-          <a:xfrm>
-            <a:off x="0" y="-49794"/>
-            <a:ext cx="5422446" cy="646331"/>
-          </a:xfrm>
-          <a:prstGeom prst="rect">
-            <a:avLst/>
-          </a:prstGeom>
-          <a:noFill/>
-        </p:spPr>
-        <p:txBody>
-          <a:bodyPr wrap="none" rtlCol="0">
-            <a:spAutoFit/>
-          </a:bodyPr>
-          <a:lstStyle/>
-          <a:p>
-            <a:r>
-              <a:rPr lang="en-US" sz="3600" b="1" dirty="0" smtClean="0">
-                <a:solidFill>
-                  <a:srgbClr val="FF0000"/>
-                </a:solidFill>
-                <a:effectLst>
-                  <a:outerShdw blurRad="38100" dist="38100" dir="2700000" algn="tl">
-                    <a:srgbClr val="000000">
-                      <a:alpha val="43137"/>
-                    </a:srgbClr>
-                  </a:outerShdw>
-                </a:effectLst>
-                <a:latin typeface="Times New Roman" panose="02020603050405020304" pitchFamily="18" charset="0"/>
-                <a:cs typeface="Times New Roman" panose="02020603050405020304" pitchFamily="18" charset="0"/>
-              </a:rPr>
-              <a:t>1. PIN PORT IoT BROAD</a:t>
-            </a:r>
-            <a:endParaRPr lang="en-US" sz="3600" b="1" dirty="0">
-              <a:solidFill>
-                <a:srgbClr val="FF0000"/>
-              </a:solidFill>
-              <a:effectLst>
-                <a:outerShdw blurRad="38100" dist="38100" dir="2700000" algn="tl">
-                  <a:srgbClr val="000000">
-                    <a:alpha val="43137"/>
-                  </a:srgbClr>
-                </a:outerShdw>
-              </a:effectLst>
-              <a:latin typeface="Times New Roman" panose="02020603050405020304" pitchFamily="18" charset="0"/>
-              <a:cs typeface="Times New Roman" panose="02020603050405020304" pitchFamily="18" charset="0"/>
-            </a:endParaRPr>
-          </a:p>
-        </p:txBody>
-      </p:sp>
-      <p:sp>
-        <p:nvSpPr>
-          <p:cNvPr id="3" name="TextBox 2"/>
-          <p:cNvSpPr txBox="1"/>
-          <p:nvPr/>
-        </p:nvSpPr>
-        <p:spPr>
-          <a:xfrm>
-            <a:off x="348343" y="596537"/>
-            <a:ext cx="11843657" cy="461665"/>
-          </a:xfrm>
-          <a:prstGeom prst="rect">
-            <a:avLst/>
-          </a:prstGeom>
-          <a:noFill/>
-        </p:spPr>
-        <p:txBody>
-          <a:bodyPr wrap="square" rtlCol="0">
-            <a:spAutoFit/>
-          </a:bodyPr>
-          <a:lstStyle/>
-          <a:p>
-            <a:r>
-              <a:rPr lang="en-US" sz="2400" b="1" dirty="0" smtClean="0">
-                <a:effectLst>
-                  <a:outerShdw blurRad="38100" dist="38100" dir="2700000" algn="tl">
-                    <a:srgbClr val="000000">
-                      <a:alpha val="43137"/>
-                    </a:srgbClr>
-                  </a:outerShdw>
-                </a:effectLst>
-                <a:latin typeface="Times New Roman" panose="02020603050405020304" pitchFamily="18" charset="0"/>
-                <a:cs typeface="Times New Roman" panose="02020603050405020304" pitchFamily="18" charset="0"/>
-              </a:rPr>
-              <a:t>1.7 ON BROAD COMMUNICATION</a:t>
-            </a:r>
-            <a:endParaRPr lang="en-US" sz="2400" b="1" dirty="0">
-              <a:effectLst>
-                <a:outerShdw blurRad="38100" dist="38100" dir="2700000" algn="tl">
-                  <a:srgbClr val="000000">
-                    <a:alpha val="43137"/>
-                  </a:srgbClr>
-                </a:outerShdw>
-              </a:effectLst>
-              <a:latin typeface="Times New Roman" panose="02020603050405020304" pitchFamily="18" charset="0"/>
-              <a:cs typeface="Times New Roman" panose="02020603050405020304" pitchFamily="18" charset="0"/>
-            </a:endParaRPr>
-          </a:p>
-        </p:txBody>
-      </p:sp>
-      <p:sp>
-        <p:nvSpPr>
-          <p:cNvPr id="4" name="TextBox 3"/>
-          <p:cNvSpPr txBox="1"/>
-          <p:nvPr/>
-        </p:nvSpPr>
-        <p:spPr>
-          <a:xfrm>
-            <a:off x="348342" y="1059374"/>
-            <a:ext cx="11843657" cy="830997"/>
-          </a:xfrm>
-          <a:prstGeom prst="rect">
-            <a:avLst/>
-          </a:prstGeom>
-          <a:noFill/>
-        </p:spPr>
-        <p:txBody>
-          <a:bodyPr wrap="square" rtlCol="0">
-            <a:spAutoFit/>
-          </a:bodyPr>
-          <a:lstStyle/>
-          <a:p>
-            <a:pPr marL="342900" indent="-342900">
-              <a:buFont typeface="Arial" panose="020B0604020202020204" pitchFamily="34" charset="0"/>
-              <a:buChar char="•"/>
-            </a:pPr>
-            <a:r>
-              <a:rPr lang="en-US" sz="2400" dirty="0" smtClean="0">
-                <a:latin typeface="Times New Roman" panose="02020603050405020304" pitchFamily="18" charset="0"/>
-                <a:cs typeface="Times New Roman" panose="02020603050405020304" pitchFamily="18" charset="0"/>
-              </a:rPr>
-              <a:t>Chức năng phát hiện nguồn (power detection)</a:t>
-            </a:r>
-          </a:p>
-          <a:p>
-            <a:pPr marL="342900" indent="-342900">
-              <a:buFont typeface="Arial" panose="020B0604020202020204" pitchFamily="34" charset="0"/>
-              <a:buChar char="•"/>
-            </a:pPr>
-            <a:r>
-              <a:rPr lang="en-US" sz="2400" dirty="0" smtClean="0">
-                <a:latin typeface="Times New Roman" panose="02020603050405020304" pitchFamily="18" charset="0"/>
-                <a:cs typeface="Times New Roman" panose="02020603050405020304" pitchFamily="18" charset="0"/>
-              </a:rPr>
-              <a:t>Điều khiển nguồn ngoài Vext (Vext control)</a:t>
-            </a:r>
-          </a:p>
-        </p:txBody>
-      </p:sp>
-      <p:pic>
-        <p:nvPicPr>
-          <p:cNvPr id="5" name="Picture 4"/>
-          <p:cNvPicPr>
-            <a:picLocks noChangeAspect="1"/>
-          </p:cNvPicPr>
-          <p:nvPr/>
-        </p:nvPicPr>
-        <p:blipFill>
-          <a:blip r:embed="rId2"/>
-          <a:stretch>
-            <a:fillRect/>
-          </a:stretch>
-        </p:blipFill>
-        <p:spPr>
-          <a:xfrm>
-            <a:off x="1560468" y="2353208"/>
-            <a:ext cx="7277100" cy="581025"/>
-          </a:xfrm>
-          <a:prstGeom prst="rect">
-            <a:avLst/>
-          </a:prstGeom>
-        </p:spPr>
-      </p:pic>
-      <p:pic>
-        <p:nvPicPr>
-          <p:cNvPr id="6" name="Picture 5"/>
-          <p:cNvPicPr>
-            <a:picLocks noChangeAspect="1"/>
-          </p:cNvPicPr>
-          <p:nvPr/>
-        </p:nvPicPr>
-        <p:blipFill>
-          <a:blip r:embed="rId3"/>
-          <a:stretch>
-            <a:fillRect/>
-          </a:stretch>
-        </p:blipFill>
-        <p:spPr>
-          <a:xfrm>
-            <a:off x="1560468" y="3891506"/>
-            <a:ext cx="7524750" cy="485775"/>
-          </a:xfrm>
-          <a:prstGeom prst="rect">
-            <a:avLst/>
-          </a:prstGeom>
-        </p:spPr>
-      </p:pic>
-    </p:spTree>
-    <p:extLst>
-      <p:ext uri="{BB962C8B-B14F-4D97-AF65-F5344CB8AC3E}">
-        <p14:creationId xmlns:p14="http://schemas.microsoft.com/office/powerpoint/2010/main" val="85100687"/>
-      </p:ext>
-    </p:extLst>
-  </p:cSld>
-  <p:clrMapOvr>
-    <a:masterClrMapping/>
-  </p:clrMapOvr>
-  <p:timing>
-    <p:tnLst>
-      <p:par>
-        <p:cTn id="1" dur="indefinite" restart="never" nodeType="tmRoot">
-          <p:childTnLst>
-            <p:seq concurrent="1" nextAc="seek">
-              <p:cTn id="2" dur="indefinite" nodeType="mainSeq">
-                <p:childTnLst>
-                  <p:par>
-                    <p:cTn id="3" fill="hold">
-                      <p:stCondLst>
-                        <p:cond delay="indefinite"/>
-                      </p:stCondLst>
-                      <p:childTnLst>
-                        <p:par>
-                          <p:cTn id="4" fill="hold">
-                            <p:stCondLst>
-                              <p:cond delay="0"/>
-                            </p:stCondLst>
-                            <p:childTnLst>
-                              <p:par>
-                                <p:cTn id="5" presetID="14" presetClass="entr" presetSubtype="10" fill="hold" grpId="0" nodeType="clickEffect">
-                                  <p:stCondLst>
-                                    <p:cond delay="0"/>
-                                  </p:stCondLst>
-                                  <p:childTnLst>
-                                    <p:set>
-                                      <p:cBhvr>
-                                        <p:cTn id="6" dur="1" fill="hold">
-                                          <p:stCondLst>
-                                            <p:cond delay="0"/>
-                                          </p:stCondLst>
-                                        </p:cTn>
-                                        <p:tgtEl>
-                                          <p:spTgt spid="2"/>
-                                        </p:tgtEl>
-                                        <p:attrNameLst>
-                                          <p:attrName>style.visibility</p:attrName>
-                                        </p:attrNameLst>
-                                      </p:cBhvr>
-                                      <p:to>
-                                        <p:strVal val="visible"/>
-                                      </p:to>
-                                    </p:set>
-                                    <p:animEffect transition="in" filter="randombar(horizontal)">
-                                      <p:cBhvr>
-                                        <p:cTn id="7" dur="500"/>
-                                        <p:tgtEl>
-                                          <p:spTgt spid="2"/>
-                                        </p:tgtEl>
-                                      </p:cBhvr>
-                                    </p:animEffect>
-                                  </p:childTnLst>
-                                </p:cTn>
-                              </p:par>
-                            </p:childTnLst>
-                          </p:cTn>
-                        </p:par>
-                      </p:childTnLst>
-                    </p:cTn>
-                  </p:par>
-                  <p:par>
-                    <p:cTn id="8" fill="hold">
-                      <p:stCondLst>
-                        <p:cond delay="indefinite"/>
-                      </p:stCondLst>
-                      <p:childTnLst>
-                        <p:par>
-                          <p:cTn id="9" fill="hold">
-                            <p:stCondLst>
-                              <p:cond delay="0"/>
-                            </p:stCondLst>
-                            <p:childTnLst>
-                              <p:par>
-                                <p:cTn id="10" presetID="14" presetClass="entr" presetSubtype="10" fill="hold" grpId="0" nodeType="clickEffect">
-                                  <p:stCondLst>
-                                    <p:cond delay="0"/>
-                                  </p:stCondLst>
-                                  <p:childTnLst>
-                                    <p:set>
-                                      <p:cBhvr>
-                                        <p:cTn id="11" dur="1" fill="hold">
-                                          <p:stCondLst>
-                                            <p:cond delay="0"/>
-                                          </p:stCondLst>
-                                        </p:cTn>
-                                        <p:tgtEl>
-                                          <p:spTgt spid="3"/>
-                                        </p:tgtEl>
-                                        <p:attrNameLst>
-                                          <p:attrName>style.visibility</p:attrName>
-                                        </p:attrNameLst>
-                                      </p:cBhvr>
-                                      <p:to>
-                                        <p:strVal val="visible"/>
-                                      </p:to>
-                                    </p:set>
-                                    <p:animEffect transition="in" filter="randombar(horizontal)">
-                                      <p:cBhvr>
-                                        <p:cTn id="12" dur="500"/>
-                                        <p:tgtEl>
-                                          <p:spTgt spid="3"/>
-                                        </p:tgtEl>
-                                      </p:cBhvr>
-                                    </p:animEffect>
-                                  </p:childTnLst>
-                                </p:cTn>
-                              </p:par>
-                            </p:childTnLst>
-                          </p:cTn>
-                        </p:par>
-                      </p:childTnLst>
-                    </p:cTn>
-                  </p:par>
-                  <p:par>
-                    <p:cTn id="13" fill="hold">
-                      <p:stCondLst>
-                        <p:cond delay="indefinite"/>
-                      </p:stCondLst>
-                      <p:childTnLst>
-                        <p:par>
-                          <p:cTn id="14" fill="hold">
-                            <p:stCondLst>
-                              <p:cond delay="0"/>
-                            </p:stCondLst>
-                            <p:childTnLst>
-                              <p:par>
-                                <p:cTn id="15" presetID="14" presetClass="entr" presetSubtype="10" fill="hold" grpId="0" nodeType="clickEffect">
-                                  <p:stCondLst>
-                                    <p:cond delay="0"/>
-                                  </p:stCondLst>
-                                  <p:childTnLst>
-                                    <p:set>
-                                      <p:cBhvr>
-                                        <p:cTn id="16" dur="1" fill="hold">
-                                          <p:stCondLst>
-                                            <p:cond delay="0"/>
-                                          </p:stCondLst>
-                                        </p:cTn>
-                                        <p:tgtEl>
-                                          <p:spTgt spid="4"/>
-                                        </p:tgtEl>
-                                        <p:attrNameLst>
-                                          <p:attrName>style.visibility</p:attrName>
-                                        </p:attrNameLst>
-                                      </p:cBhvr>
-                                      <p:to>
-                                        <p:strVal val="visible"/>
-                                      </p:to>
-                                    </p:set>
-                                    <p:animEffect transition="in" filter="randombar(horizontal)">
-                                      <p:cBhvr>
-                                        <p:cTn id="17" dur="500"/>
-                                        <p:tgtEl>
-                                          <p:spTgt spid="4"/>
-                                        </p:tgtEl>
-                                      </p:cBhvr>
-                                    </p:animEffect>
-                                  </p:childTnLst>
-                                </p:cTn>
-                              </p:par>
-                            </p:childTnLst>
-                          </p:cTn>
-                        </p:par>
-                      </p:childTnLst>
-                    </p:cTn>
-                  </p:par>
-                  <p:par>
-                    <p:cTn id="18" fill="hold">
-                      <p:stCondLst>
-                        <p:cond delay="indefinite"/>
-                      </p:stCondLst>
-                      <p:childTnLst>
-                        <p:par>
-                          <p:cTn id="19" fill="hold">
-                            <p:stCondLst>
-                              <p:cond delay="0"/>
-                            </p:stCondLst>
-                            <p:childTnLst>
-                              <p:par>
-                                <p:cTn id="20" presetID="43" presetClass="entr" presetSubtype="0" fill="hold" nodeType="clickEffect">
-                                  <p:stCondLst>
-                                    <p:cond delay="0"/>
-                                  </p:stCondLst>
-                                  <p:childTnLst>
-                                    <p:set>
-                                      <p:cBhvr>
-                                        <p:cTn id="21" dur="1" fill="hold">
-                                          <p:stCondLst>
-                                            <p:cond delay="0"/>
-                                          </p:stCondLst>
-                                        </p:cTn>
-                                        <p:tgtEl>
-                                          <p:spTgt spid="5"/>
-                                        </p:tgtEl>
-                                        <p:attrNameLst>
-                                          <p:attrName>style.visibility</p:attrName>
-                                        </p:attrNameLst>
-                                      </p:cBhvr>
-                                      <p:to>
-                                        <p:strVal val="visible"/>
-                                      </p:to>
-                                    </p:set>
-                                    <p:animEffect transition="in" filter="fade">
-                                      <p:cBhvr>
-                                        <p:cTn id="22" dur="100"/>
-                                        <p:tgtEl>
-                                          <p:spTgt spid="5"/>
-                                        </p:tgtEl>
-                                      </p:cBhvr>
-                                    </p:animEffect>
-                                    <p:anim calcmode="lin" valueType="num">
-                                      <p:cBhvr>
-                                        <p:cTn id="23" dur="400" fill="hold"/>
-                                        <p:tgtEl>
-                                          <p:spTgt spid="5"/>
-                                        </p:tgtEl>
-                                        <p:attrNameLst>
-                                          <p:attrName>ppt_x</p:attrName>
-                                        </p:attrNameLst>
-                                      </p:cBhvr>
-                                      <p:tavLst>
-                                        <p:tav tm="0">
-                                          <p:val>
-                                            <p:strVal val="#ppt_x"/>
-                                          </p:val>
-                                        </p:tav>
-                                        <p:tav tm="100000">
-                                          <p:val>
-                                            <p:strVal val="#ppt_x"/>
-                                          </p:val>
-                                        </p:tav>
-                                      </p:tavLst>
-                                    </p:anim>
-                                    <p:anim calcmode="lin" valueType="num">
-                                      <p:cBhvr>
-                                        <p:cTn id="24" dur="400" fill="hold"/>
-                                        <p:tgtEl>
-                                          <p:spTgt spid="5"/>
-                                        </p:tgtEl>
-                                        <p:attrNameLst>
-                                          <p:attrName>ppt_y</p:attrName>
-                                        </p:attrNameLst>
-                                      </p:cBhvr>
-                                      <p:tavLst>
-                                        <p:tav tm="0">
-                                          <p:val>
-                                            <p:strVal val="#ppt_y+0.31"/>
-                                          </p:val>
-                                        </p:tav>
-                                        <p:tav tm="100000">
-                                          <p:val>
-                                            <p:strVal val="#ppt_y+0.31"/>
-                                          </p:val>
-                                        </p:tav>
-                                      </p:tavLst>
-                                    </p:anim>
-                                    <p:anim calcmode="lin" valueType="num">
-                                      <p:cBhvr>
-                                        <p:cTn id="25" dur="600" decel="50000" fill="hold">
-                                          <p:stCondLst>
-                                            <p:cond delay="400"/>
-                                          </p:stCondLst>
-                                        </p:cTn>
-                                        <p:tgtEl>
-                                          <p:spTgt spid="5"/>
-                                        </p:tgtEl>
-                                        <p:attrNameLst>
-                                          <p:attrName>ppt_x</p:attrName>
-                                        </p:attrNameLst>
-                                      </p:cBhvr>
-                                      <p:tavLst>
-                                        <p:tav tm="0">
-                                          <p:val>
-                                            <p:strVal val="#ppt_x"/>
-                                          </p:val>
-                                        </p:tav>
-                                        <p:tav tm="5000">
-                                          <p:val>
-                                            <p:strVal val="#ppt_x+0.0242"/>
-                                          </p:val>
-                                        </p:tav>
-                                        <p:tav tm="10000">
-                                          <p:val>
-                                            <p:strVal val="#ppt_x+0.0479"/>
-                                          </p:val>
-                                        </p:tav>
-                                        <p:tav tm="15000">
-                                          <p:val>
-                                            <p:strVal val="#ppt_x+0.0704"/>
-                                          </p:val>
-                                        </p:tav>
-                                        <p:tav tm="20000">
-                                          <p:val>
-                                            <p:strVal val="#ppt_x+0.0911"/>
-                                          </p:val>
-                                        </p:tav>
-                                        <p:tav tm="25000">
-                                          <p:val>
-                                            <p:strVal val="#ppt_x+0.1096"/>
-                                          </p:val>
-                                        </p:tav>
-                                        <p:tav tm="30000">
-                                          <p:val>
-                                            <p:strVal val="#ppt_x+0.1254"/>
-                                          </p:val>
-                                        </p:tav>
-                                        <p:tav tm="35000">
-                                          <p:val>
-                                            <p:strVal val="#ppt_x+0.1381"/>
-                                          </p:val>
-                                        </p:tav>
-                                        <p:tav tm="40000">
-                                          <p:val>
-                                            <p:strVal val="#ppt_x+0.1474"/>
-                                          </p:val>
-                                        </p:tav>
-                                        <p:tav tm="45000">
-                                          <p:val>
-                                            <p:strVal val="#ppt_x+0.1531"/>
-                                          </p:val>
-                                        </p:tav>
-                                        <p:tav tm="50000">
-                                          <p:val>
-                                            <p:strVal val="#ppt_x+0.1550"/>
-                                          </p:val>
-                                        </p:tav>
-                                        <p:tav tm="55000">
-                                          <p:val>
-                                            <p:strVal val="#ppt_x+0.1531"/>
-                                          </p:val>
-                                        </p:tav>
-                                        <p:tav tm="60000">
-                                          <p:val>
-                                            <p:strVal val="#ppt_x+0.1474"/>
-                                          </p:val>
-                                        </p:tav>
-                                        <p:tav tm="65000">
-                                          <p:val>
-                                            <p:strVal val="#ppt_x+0.1381"/>
-                                          </p:val>
-                                        </p:tav>
-                                        <p:tav tm="70000">
-                                          <p:val>
-                                            <p:strVal val="#ppt_x+0.1254"/>
-                                          </p:val>
-                                        </p:tav>
-                                        <p:tav tm="75000">
-                                          <p:val>
-                                            <p:strVal val="#ppt_x+0.1096"/>
-                                          </p:val>
-                                        </p:tav>
-                                        <p:tav tm="80000">
-                                          <p:val>
-                                            <p:strVal val="#ppt_x+0.0911"/>
-                                          </p:val>
-                                        </p:tav>
-                                        <p:tav tm="85000">
-                                          <p:val>
-                                            <p:strVal val="#ppt_x+0.0704"/>
-                                          </p:val>
-                                        </p:tav>
-                                        <p:tav tm="90000">
-                                          <p:val>
-                                            <p:strVal val="#ppt_x+0.0479"/>
-                                          </p:val>
-                                        </p:tav>
-                                        <p:tav tm="95000">
-                                          <p:val>
-                                            <p:strVal val="#ppt_x+0.0242"/>
-                                          </p:val>
-                                        </p:tav>
-                                        <p:tav tm="100000">
-                                          <p:val>
-                                            <p:strVal val="#ppt_x"/>
-                                          </p:val>
-                                        </p:tav>
-                                      </p:tavLst>
-                                    </p:anim>
-                                    <p:anim calcmode="lin" valueType="num">
-                                      <p:cBhvr>
-                                        <p:cTn id="26" dur="600" decel="50000" fill="hold">
-                                          <p:stCondLst>
-                                            <p:cond delay="400"/>
-                                          </p:stCondLst>
-                                        </p:cTn>
-                                        <p:tgtEl>
-                                          <p:spTgt spid="5"/>
-                                        </p:tgtEl>
-                                        <p:attrNameLst>
-                                          <p:attrName>ppt_y</p:attrName>
-                                        </p:attrNameLst>
-                                      </p:cBhvr>
-                                      <p:tavLst>
-                                        <p:tav tm="0">
-                                          <p:val>
-                                            <p:strVal val="#ppt_y+0.31"/>
-                                          </p:val>
-                                        </p:tav>
-                                        <p:tav tm="5000">
-                                          <p:val>
-                                            <p:strVal val="#ppt_y+0.308"/>
-                                          </p:val>
-                                        </p:tav>
-                                        <p:tav tm="10000">
-                                          <p:val>
-                                            <p:strVal val="#ppt_y+0.3024"/>
-                                          </p:val>
-                                        </p:tav>
-                                        <p:tav tm="15000">
-                                          <p:val>
-                                            <p:strVal val="#ppt_y+0.2931"/>
-                                          </p:val>
-                                        </p:tav>
-                                        <p:tav tm="20000">
-                                          <p:val>
-                                            <p:strVal val="#ppt_y+0.2804"/>
-                                          </p:val>
-                                        </p:tav>
-                                        <p:tav tm="25000">
-                                          <p:val>
-                                            <p:strVal val="#ppt_y+0.2646"/>
-                                          </p:val>
-                                        </p:tav>
-                                        <p:tav tm="30000">
-                                          <p:val>
-                                            <p:strVal val="#ppt_y+0.2461"/>
-                                          </p:val>
-                                        </p:tav>
-                                        <p:tav tm="35000">
-                                          <p:val>
-                                            <p:strVal val="#ppt_y+0.2253"/>
-                                          </p:val>
-                                        </p:tav>
-                                        <p:tav tm="40000">
-                                          <p:val>
-                                            <p:strVal val="#ppt_y+0.2029"/>
-                                          </p:val>
-                                        </p:tav>
-                                        <p:tav tm="45000">
-                                          <p:val>
-                                            <p:strVal val="#ppt_y+0.1792"/>
-                                          </p:val>
-                                        </p:tav>
-                                        <p:tav tm="50000">
-                                          <p:val>
-                                            <p:strVal val="#ppt_y+0.155"/>
-                                          </p:val>
-                                        </p:tav>
-                                        <p:tav tm="55000">
-                                          <p:val>
-                                            <p:strVal val="#ppt_y+0.1307"/>
-                                          </p:val>
-                                        </p:tav>
-                                        <p:tav tm="60000">
-                                          <p:val>
-                                            <p:strVal val="#ppt_y+0.1071"/>
-                                          </p:val>
-                                        </p:tav>
-                                        <p:tav tm="65000">
-                                          <p:val>
-                                            <p:strVal val="#ppt_y+0.0846"/>
-                                          </p:val>
-                                        </p:tav>
-                                        <p:tav tm="70000">
-                                          <p:val>
-                                            <p:strVal val="#ppt_y+0.0639"/>
-                                          </p:val>
-                                        </p:tav>
-                                        <p:tav tm="75000">
-                                          <p:val>
-                                            <p:strVal val="#ppt_y+0.0454"/>
-                                          </p:val>
-                                        </p:tav>
-                                        <p:tav tm="80000">
-                                          <p:val>
-                                            <p:strVal val="#ppt_y+0.0296"/>
-                                          </p:val>
-                                        </p:tav>
-                                        <p:tav tm="85000">
-                                          <p:val>
-                                            <p:strVal val="#ppt_y+0.0169"/>
-                                          </p:val>
-                                        </p:tav>
-                                        <p:tav tm="90000">
-                                          <p:val>
-                                            <p:strVal val="#ppt_y+0.0076"/>
-                                          </p:val>
-                                        </p:tav>
-                                        <p:tav tm="95000">
-                                          <p:val>
-                                            <p:strVal val="#ppt_y+0.0019"/>
-                                          </p:val>
-                                        </p:tav>
-                                        <p:tav tm="100000">
-                                          <p:val>
-                                            <p:strVal val="#ppt_y"/>
-                                          </p:val>
-                                        </p:tav>
-                                      </p:tavLst>
-                                    </p:anim>
-                                  </p:childTnLst>
-                                </p:cTn>
-                              </p:par>
-                            </p:childTnLst>
-                          </p:cTn>
-                        </p:par>
-                      </p:childTnLst>
-                    </p:cTn>
-                  </p:par>
-                  <p:par>
-                    <p:cTn id="27" fill="hold">
-                      <p:stCondLst>
-                        <p:cond delay="indefinite"/>
-                      </p:stCondLst>
-                      <p:childTnLst>
-                        <p:par>
-                          <p:cTn id="28" fill="hold">
-                            <p:stCondLst>
-                              <p:cond delay="0"/>
-                            </p:stCondLst>
-                            <p:childTnLst>
-                              <p:par>
-                                <p:cTn id="29" presetID="43" presetClass="entr" presetSubtype="0" fill="hold" nodeType="clickEffect">
-                                  <p:stCondLst>
-                                    <p:cond delay="0"/>
-                                  </p:stCondLst>
-                                  <p:childTnLst>
-                                    <p:set>
-                                      <p:cBhvr>
-                                        <p:cTn id="30" dur="1" fill="hold">
-                                          <p:stCondLst>
-                                            <p:cond delay="0"/>
-                                          </p:stCondLst>
-                                        </p:cTn>
-                                        <p:tgtEl>
-                                          <p:spTgt spid="6"/>
-                                        </p:tgtEl>
-                                        <p:attrNameLst>
-                                          <p:attrName>style.visibility</p:attrName>
-                                        </p:attrNameLst>
-                                      </p:cBhvr>
-                                      <p:to>
-                                        <p:strVal val="visible"/>
-                                      </p:to>
-                                    </p:set>
-                                    <p:animEffect transition="in" filter="fade">
-                                      <p:cBhvr>
-                                        <p:cTn id="31" dur="100"/>
-                                        <p:tgtEl>
-                                          <p:spTgt spid="6"/>
-                                        </p:tgtEl>
-                                      </p:cBhvr>
-                                    </p:animEffect>
-                                    <p:anim calcmode="lin" valueType="num">
-                                      <p:cBhvr>
-                                        <p:cTn id="32" dur="400" fill="hold"/>
-                                        <p:tgtEl>
-                                          <p:spTgt spid="6"/>
-                                        </p:tgtEl>
-                                        <p:attrNameLst>
-                                          <p:attrName>ppt_x</p:attrName>
-                                        </p:attrNameLst>
-                                      </p:cBhvr>
-                                      <p:tavLst>
-                                        <p:tav tm="0">
-                                          <p:val>
-                                            <p:strVal val="#ppt_x"/>
-                                          </p:val>
-                                        </p:tav>
-                                        <p:tav tm="100000">
-                                          <p:val>
-                                            <p:strVal val="#ppt_x"/>
-                                          </p:val>
-                                        </p:tav>
-                                      </p:tavLst>
-                                    </p:anim>
-                                    <p:anim calcmode="lin" valueType="num">
-                                      <p:cBhvr>
-                                        <p:cTn id="33" dur="400" fill="hold"/>
-                                        <p:tgtEl>
-                                          <p:spTgt spid="6"/>
-                                        </p:tgtEl>
-                                        <p:attrNameLst>
-                                          <p:attrName>ppt_y</p:attrName>
-                                        </p:attrNameLst>
-                                      </p:cBhvr>
-                                      <p:tavLst>
-                                        <p:tav tm="0">
-                                          <p:val>
-                                            <p:strVal val="#ppt_y+0.31"/>
-                                          </p:val>
-                                        </p:tav>
-                                        <p:tav tm="100000">
-                                          <p:val>
-                                            <p:strVal val="#ppt_y+0.31"/>
-                                          </p:val>
-                                        </p:tav>
-                                      </p:tavLst>
-                                    </p:anim>
-                                    <p:anim calcmode="lin" valueType="num">
-                                      <p:cBhvr>
-                                        <p:cTn id="34" dur="600" decel="50000" fill="hold">
-                                          <p:stCondLst>
-                                            <p:cond delay="400"/>
-                                          </p:stCondLst>
-                                        </p:cTn>
-                                        <p:tgtEl>
-                                          <p:spTgt spid="6"/>
-                                        </p:tgtEl>
-                                        <p:attrNameLst>
-                                          <p:attrName>ppt_x</p:attrName>
-                                        </p:attrNameLst>
-                                      </p:cBhvr>
-                                      <p:tavLst>
-                                        <p:tav tm="0">
-                                          <p:val>
-                                            <p:strVal val="#ppt_x"/>
-                                          </p:val>
-                                        </p:tav>
-                                        <p:tav tm="5000">
-                                          <p:val>
-                                            <p:strVal val="#ppt_x+0.0242"/>
-                                          </p:val>
-                                        </p:tav>
-                                        <p:tav tm="10000">
-                                          <p:val>
-                                            <p:strVal val="#ppt_x+0.0479"/>
-                                          </p:val>
-                                        </p:tav>
-                                        <p:tav tm="15000">
-                                          <p:val>
-                                            <p:strVal val="#ppt_x+0.0704"/>
-                                          </p:val>
-                                        </p:tav>
-                                        <p:tav tm="20000">
-                                          <p:val>
-                                            <p:strVal val="#ppt_x+0.0911"/>
-                                          </p:val>
-                                        </p:tav>
-                                        <p:tav tm="25000">
-                                          <p:val>
-                                            <p:strVal val="#ppt_x+0.1096"/>
-                                          </p:val>
-                                        </p:tav>
-                                        <p:tav tm="30000">
-                                          <p:val>
-                                            <p:strVal val="#ppt_x+0.1254"/>
-                                          </p:val>
-                                        </p:tav>
-                                        <p:tav tm="35000">
-                                          <p:val>
-                                            <p:strVal val="#ppt_x+0.1381"/>
-                                          </p:val>
-                                        </p:tav>
-                                        <p:tav tm="40000">
-                                          <p:val>
-                                            <p:strVal val="#ppt_x+0.1474"/>
-                                          </p:val>
-                                        </p:tav>
-                                        <p:tav tm="45000">
-                                          <p:val>
-                                            <p:strVal val="#ppt_x+0.1531"/>
-                                          </p:val>
-                                        </p:tav>
-                                        <p:tav tm="50000">
-                                          <p:val>
-                                            <p:strVal val="#ppt_x+0.1550"/>
-                                          </p:val>
-                                        </p:tav>
-                                        <p:tav tm="55000">
-                                          <p:val>
-                                            <p:strVal val="#ppt_x+0.1531"/>
-                                          </p:val>
-                                        </p:tav>
-                                        <p:tav tm="60000">
-                                          <p:val>
-                                            <p:strVal val="#ppt_x+0.1474"/>
-                                          </p:val>
-                                        </p:tav>
-                                        <p:tav tm="65000">
-                                          <p:val>
-                                            <p:strVal val="#ppt_x+0.1381"/>
-                                          </p:val>
-                                        </p:tav>
-                                        <p:tav tm="70000">
-                                          <p:val>
-                                            <p:strVal val="#ppt_x+0.1254"/>
-                                          </p:val>
-                                        </p:tav>
-                                        <p:tav tm="75000">
-                                          <p:val>
-                                            <p:strVal val="#ppt_x+0.1096"/>
-                                          </p:val>
-                                        </p:tav>
-                                        <p:tav tm="80000">
-                                          <p:val>
-                                            <p:strVal val="#ppt_x+0.0911"/>
-                                          </p:val>
-                                        </p:tav>
-                                        <p:tav tm="85000">
-                                          <p:val>
-                                            <p:strVal val="#ppt_x+0.0704"/>
-                                          </p:val>
-                                        </p:tav>
-                                        <p:tav tm="90000">
-                                          <p:val>
-                                            <p:strVal val="#ppt_x+0.0479"/>
-                                          </p:val>
-                                        </p:tav>
-                                        <p:tav tm="95000">
-                                          <p:val>
-                                            <p:strVal val="#ppt_x+0.0242"/>
-                                          </p:val>
-                                        </p:tav>
-                                        <p:tav tm="100000">
-                                          <p:val>
-                                            <p:strVal val="#ppt_x"/>
-                                          </p:val>
-                                        </p:tav>
-                                      </p:tavLst>
-                                    </p:anim>
-                                    <p:anim calcmode="lin" valueType="num">
-                                      <p:cBhvr>
-                                        <p:cTn id="35" dur="600" decel="50000" fill="hold">
-                                          <p:stCondLst>
-                                            <p:cond delay="400"/>
-                                          </p:stCondLst>
-                                        </p:cTn>
-                                        <p:tgtEl>
-                                          <p:spTgt spid="6"/>
-                                        </p:tgtEl>
-                                        <p:attrNameLst>
-                                          <p:attrName>ppt_y</p:attrName>
-                                        </p:attrNameLst>
-                                      </p:cBhvr>
-                                      <p:tavLst>
-                                        <p:tav tm="0">
-                                          <p:val>
-                                            <p:strVal val="#ppt_y+0.31"/>
-                                          </p:val>
-                                        </p:tav>
-                                        <p:tav tm="5000">
-                                          <p:val>
-                                            <p:strVal val="#ppt_y+0.308"/>
-                                          </p:val>
-                                        </p:tav>
-                                        <p:tav tm="10000">
-                                          <p:val>
-                                            <p:strVal val="#ppt_y+0.3024"/>
-                                          </p:val>
-                                        </p:tav>
-                                        <p:tav tm="15000">
-                                          <p:val>
-                                            <p:strVal val="#ppt_y+0.2931"/>
-                                          </p:val>
-                                        </p:tav>
-                                        <p:tav tm="20000">
-                                          <p:val>
-                                            <p:strVal val="#ppt_y+0.2804"/>
-                                          </p:val>
-                                        </p:tav>
-                                        <p:tav tm="25000">
-                                          <p:val>
-                                            <p:strVal val="#ppt_y+0.2646"/>
-                                          </p:val>
-                                        </p:tav>
-                                        <p:tav tm="30000">
-                                          <p:val>
-                                            <p:strVal val="#ppt_y+0.2461"/>
-                                          </p:val>
-                                        </p:tav>
-                                        <p:tav tm="35000">
-                                          <p:val>
-                                            <p:strVal val="#ppt_y+0.2253"/>
-                                          </p:val>
-                                        </p:tav>
-                                        <p:tav tm="40000">
-                                          <p:val>
-                                            <p:strVal val="#ppt_y+0.2029"/>
-                                          </p:val>
-                                        </p:tav>
-                                        <p:tav tm="45000">
-                                          <p:val>
-                                            <p:strVal val="#ppt_y+0.1792"/>
-                                          </p:val>
-                                        </p:tav>
-                                        <p:tav tm="50000">
-                                          <p:val>
-                                            <p:strVal val="#ppt_y+0.155"/>
-                                          </p:val>
-                                        </p:tav>
-                                        <p:tav tm="55000">
-                                          <p:val>
-                                            <p:strVal val="#ppt_y+0.1307"/>
-                                          </p:val>
-                                        </p:tav>
-                                        <p:tav tm="60000">
-                                          <p:val>
-                                            <p:strVal val="#ppt_y+0.1071"/>
-                                          </p:val>
-                                        </p:tav>
-                                        <p:tav tm="65000">
-                                          <p:val>
-                                            <p:strVal val="#ppt_y+0.0846"/>
-                                          </p:val>
-                                        </p:tav>
-                                        <p:tav tm="70000">
-                                          <p:val>
-                                            <p:strVal val="#ppt_y+0.0639"/>
-                                          </p:val>
-                                        </p:tav>
-                                        <p:tav tm="75000">
-                                          <p:val>
-                                            <p:strVal val="#ppt_y+0.0454"/>
-                                          </p:val>
-                                        </p:tav>
-                                        <p:tav tm="80000">
-                                          <p:val>
-                                            <p:strVal val="#ppt_y+0.0296"/>
-                                          </p:val>
-                                        </p:tav>
-                                        <p:tav tm="85000">
-                                          <p:val>
-                                            <p:strVal val="#ppt_y+0.0169"/>
-                                          </p:val>
-                                        </p:tav>
-                                        <p:tav tm="90000">
-                                          <p:val>
-                                            <p:strVal val="#ppt_y+0.0076"/>
-                                          </p:val>
-                                        </p:tav>
-                                        <p:tav tm="95000">
-                                          <p:val>
-                                            <p:strVal val="#ppt_y+0.0019"/>
-                                          </p:val>
-                                        </p:tav>
-                                        <p:tav tm="100000">
-                                          <p:val>
-                                            <p:strVal val="#ppt_y"/>
-                                          </p:val>
-                                        </p:tav>
-                                      </p:tavLst>
-                                    </p:anim>
                                   </p:childTnLst>
                                 </p:cTn>
                               </p:par>
